--- a/doc/ElPaso _ArchitectureTechnique.pptx
+++ b/doc/ElPaso _ArchitectureTechnique.pptx
@@ -5,8 +5,8 @@
     <p:sldMasterId id="2147483648" r:id="rId1"/>
   </p:sldMasterIdLst>
   <p:sldIdLst>
-    <p:sldId id="256" r:id="rId2"/>
-    <p:sldId id="257" r:id="rId3"/>
+    <p:sldId id="257" r:id="rId2"/>
+    <p:sldId id="256" r:id="rId3"/>
   </p:sldIdLst>
   <p:sldSz cx="12192000" cy="6858000"/>
   <p:notesSz cx="6858000" cy="9144000"/>
@@ -105,10 +105,797 @@
       </a:defRPr>
     </a:lvl9pPr>
   </p:defaultTextStyle>
+  <p:extLst>
+    <p:ext uri="{EFAFB233-063F-42B5-8137-9DF3F51BA10A}">
+      <p15:sldGuideLst xmlns:p15="http://schemas.microsoft.com/office/powerpoint/2012/main"/>
+    </p:ext>
+  </p:extLst>
 </p:presentation>
 </file>
 
 <file path=ppt/diagrams/colors1.xml><?xml version="1.0" encoding="utf-8"?>
+<dgm:colorsDef xmlns:dgm="http://schemas.openxmlformats.org/drawingml/2006/diagram" xmlns:a="http://schemas.openxmlformats.org/drawingml/2006/main" uniqueId="urn:microsoft.com/office/officeart/2005/8/colors/colorful4">
+  <dgm:title val=""/>
+  <dgm:desc val=""/>
+  <dgm:catLst>
+    <dgm:cat type="colorful" pri="10400"/>
+  </dgm:catLst>
+  <dgm:styleLbl name="node0">
+    <dgm:fillClrLst meth="repeat">
+      <a:schemeClr val="accent3"/>
+    </dgm:fillClrLst>
+    <dgm:linClrLst meth="repeat">
+      <a:schemeClr val="lt1"/>
+    </dgm:linClrLst>
+    <dgm:effectClrLst/>
+    <dgm:txLinClrLst/>
+    <dgm:txFillClrLst/>
+    <dgm:txEffectClrLst/>
+  </dgm:styleLbl>
+  <dgm:styleLbl name="node1">
+    <dgm:fillClrLst>
+      <a:schemeClr val="accent4"/>
+      <a:schemeClr val="accent5"/>
+    </dgm:fillClrLst>
+    <dgm:linClrLst meth="repeat">
+      <a:schemeClr val="lt1"/>
+    </dgm:linClrLst>
+    <dgm:effectClrLst/>
+    <dgm:txLinClrLst/>
+    <dgm:txFillClrLst/>
+    <dgm:txEffectClrLst/>
+  </dgm:styleLbl>
+  <dgm:styleLbl name="alignNode1">
+    <dgm:fillClrLst>
+      <a:schemeClr val="accent4"/>
+      <a:schemeClr val="accent5"/>
+    </dgm:fillClrLst>
+    <dgm:linClrLst>
+      <a:schemeClr val="accent4"/>
+      <a:schemeClr val="accent5"/>
+    </dgm:linClrLst>
+    <dgm:effectClrLst/>
+    <dgm:txLinClrLst/>
+    <dgm:txFillClrLst/>
+    <dgm:txEffectClrLst/>
+  </dgm:styleLbl>
+  <dgm:styleLbl name="lnNode1">
+    <dgm:fillClrLst>
+      <a:schemeClr val="accent4"/>
+      <a:schemeClr val="accent5"/>
+    </dgm:fillClrLst>
+    <dgm:linClrLst meth="repeat">
+      <a:schemeClr val="lt1"/>
+    </dgm:linClrLst>
+    <dgm:effectClrLst/>
+    <dgm:txLinClrLst/>
+    <dgm:txFillClrLst/>
+    <dgm:txEffectClrLst/>
+  </dgm:styleLbl>
+  <dgm:styleLbl name="vennNode1">
+    <dgm:fillClrLst>
+      <a:schemeClr val="accent4">
+        <a:alpha val="50000"/>
+      </a:schemeClr>
+      <a:schemeClr val="accent5">
+        <a:alpha val="50000"/>
+      </a:schemeClr>
+    </dgm:fillClrLst>
+    <dgm:linClrLst meth="repeat">
+      <a:schemeClr val="lt1"/>
+    </dgm:linClrLst>
+    <dgm:effectClrLst/>
+    <dgm:txLinClrLst/>
+    <dgm:txFillClrLst/>
+    <dgm:txEffectClrLst/>
+  </dgm:styleLbl>
+  <dgm:styleLbl name="node2">
+    <dgm:fillClrLst>
+      <a:schemeClr val="accent5"/>
+    </dgm:fillClrLst>
+    <dgm:linClrLst meth="repeat">
+      <a:schemeClr val="lt1"/>
+    </dgm:linClrLst>
+    <dgm:effectClrLst/>
+    <dgm:txLinClrLst/>
+    <dgm:txFillClrLst/>
+    <dgm:txEffectClrLst/>
+  </dgm:styleLbl>
+  <dgm:styleLbl name="node3">
+    <dgm:fillClrLst>
+      <a:schemeClr val="accent6"/>
+    </dgm:fillClrLst>
+    <dgm:linClrLst meth="repeat">
+      <a:schemeClr val="lt1"/>
+    </dgm:linClrLst>
+    <dgm:effectClrLst/>
+    <dgm:txLinClrLst/>
+    <dgm:txFillClrLst/>
+    <dgm:txEffectClrLst/>
+  </dgm:styleLbl>
+  <dgm:styleLbl name="node4">
+    <dgm:fillClrLst>
+      <a:schemeClr val="accent1"/>
+    </dgm:fillClrLst>
+    <dgm:linClrLst meth="repeat">
+      <a:schemeClr val="lt1"/>
+    </dgm:linClrLst>
+    <dgm:effectClrLst/>
+    <dgm:txLinClrLst/>
+    <dgm:txFillClrLst/>
+    <dgm:txEffectClrLst/>
+  </dgm:styleLbl>
+  <dgm:styleLbl name="fgImgPlace1">
+    <dgm:fillClrLst>
+      <a:schemeClr val="accent4">
+        <a:tint val="50000"/>
+      </a:schemeClr>
+      <a:schemeClr val="accent5">
+        <a:tint val="50000"/>
+      </a:schemeClr>
+    </dgm:fillClrLst>
+    <dgm:linClrLst meth="repeat">
+      <a:schemeClr val="lt1"/>
+    </dgm:linClrLst>
+    <dgm:effectClrLst/>
+    <dgm:txLinClrLst/>
+    <dgm:txFillClrLst meth="repeat">
+      <a:schemeClr val="lt1"/>
+    </dgm:txFillClrLst>
+    <dgm:txEffectClrLst/>
+  </dgm:styleLbl>
+  <dgm:styleLbl name="alignImgPlace1">
+    <dgm:fillClrLst>
+      <a:schemeClr val="accent4">
+        <a:tint val="50000"/>
+      </a:schemeClr>
+      <a:schemeClr val="accent5">
+        <a:tint val="20000"/>
+      </a:schemeClr>
+    </dgm:fillClrLst>
+    <dgm:linClrLst meth="repeat">
+      <a:schemeClr val="lt1"/>
+    </dgm:linClrLst>
+    <dgm:effectClrLst/>
+    <dgm:txLinClrLst/>
+    <dgm:txFillClrLst meth="repeat">
+      <a:schemeClr val="lt1"/>
+    </dgm:txFillClrLst>
+    <dgm:txEffectClrLst/>
+  </dgm:styleLbl>
+  <dgm:styleLbl name="bgImgPlace1">
+    <dgm:fillClrLst>
+      <a:schemeClr val="accent4">
+        <a:tint val="50000"/>
+      </a:schemeClr>
+      <a:schemeClr val="accent5">
+        <a:tint val="20000"/>
+      </a:schemeClr>
+    </dgm:fillClrLst>
+    <dgm:linClrLst meth="repeat">
+      <a:schemeClr val="lt1"/>
+    </dgm:linClrLst>
+    <dgm:effectClrLst/>
+    <dgm:txLinClrLst/>
+    <dgm:txFillClrLst meth="repeat">
+      <a:schemeClr val="lt1"/>
+    </dgm:txFillClrLst>
+    <dgm:txEffectClrLst/>
+  </dgm:styleLbl>
+  <dgm:styleLbl name="sibTrans2D1">
+    <dgm:fillClrLst>
+      <a:schemeClr val="accent4"/>
+      <a:schemeClr val="accent5"/>
+    </dgm:fillClrLst>
+    <dgm:linClrLst meth="repeat">
+      <a:schemeClr val="lt1"/>
+    </dgm:linClrLst>
+    <dgm:effectClrLst/>
+    <dgm:txLinClrLst/>
+    <dgm:txFillClrLst/>
+    <dgm:txEffectClrLst/>
+  </dgm:styleLbl>
+  <dgm:styleLbl name="fgSibTrans2D1">
+    <dgm:fillClrLst>
+      <a:schemeClr val="accent4"/>
+      <a:schemeClr val="accent5"/>
+    </dgm:fillClrLst>
+    <dgm:linClrLst meth="repeat">
+      <a:schemeClr val="lt1"/>
+    </dgm:linClrLst>
+    <dgm:effectClrLst/>
+    <dgm:txLinClrLst/>
+    <dgm:txFillClrLst meth="repeat">
+      <a:schemeClr val="lt1"/>
+    </dgm:txFillClrLst>
+    <dgm:txEffectClrLst/>
+  </dgm:styleLbl>
+  <dgm:styleLbl name="bgSibTrans2D1">
+    <dgm:fillClrLst>
+      <a:schemeClr val="accent4"/>
+      <a:schemeClr val="accent5"/>
+    </dgm:fillClrLst>
+    <dgm:linClrLst meth="repeat">
+      <a:schemeClr val="lt1"/>
+    </dgm:linClrLst>
+    <dgm:effectClrLst/>
+    <dgm:txLinClrLst/>
+    <dgm:txFillClrLst meth="repeat">
+      <a:schemeClr val="lt1"/>
+    </dgm:txFillClrLst>
+    <dgm:txEffectClrLst/>
+  </dgm:styleLbl>
+  <dgm:styleLbl name="sibTrans1D1">
+    <dgm:fillClrLst/>
+    <dgm:linClrLst>
+      <a:schemeClr val="accent4"/>
+      <a:schemeClr val="accent5"/>
+    </dgm:linClrLst>
+    <dgm:effectClrLst/>
+    <dgm:txLinClrLst/>
+    <dgm:txFillClrLst meth="repeat">
+      <a:schemeClr val="tx1"/>
+    </dgm:txFillClrLst>
+    <dgm:txEffectClrLst/>
+  </dgm:styleLbl>
+  <dgm:styleLbl name="callout">
+    <dgm:fillClrLst meth="repeat">
+      <a:schemeClr val="accent4"/>
+    </dgm:fillClrLst>
+    <dgm:linClrLst meth="repeat">
+      <a:schemeClr val="accent4">
+        <a:tint val="50000"/>
+      </a:schemeClr>
+    </dgm:linClrLst>
+    <dgm:effectClrLst/>
+    <dgm:txLinClrLst/>
+    <dgm:txFillClrLst meth="repeat">
+      <a:schemeClr val="tx1"/>
+    </dgm:txFillClrLst>
+    <dgm:txEffectClrLst/>
+  </dgm:styleLbl>
+  <dgm:styleLbl name="asst0">
+    <dgm:fillClrLst meth="repeat">
+      <a:schemeClr val="accent4"/>
+    </dgm:fillClrLst>
+    <dgm:linClrLst meth="repeat">
+      <a:schemeClr val="lt1">
+        <a:shade val="80000"/>
+      </a:schemeClr>
+    </dgm:linClrLst>
+    <dgm:effectClrLst/>
+    <dgm:txLinClrLst/>
+    <dgm:txFillClrLst/>
+    <dgm:txEffectClrLst/>
+  </dgm:styleLbl>
+  <dgm:styleLbl name="asst1">
+    <dgm:fillClrLst meth="repeat">
+      <a:schemeClr val="accent5"/>
+    </dgm:fillClrLst>
+    <dgm:linClrLst meth="repeat">
+      <a:schemeClr val="lt1">
+        <a:shade val="80000"/>
+      </a:schemeClr>
+    </dgm:linClrLst>
+    <dgm:effectClrLst/>
+    <dgm:txLinClrLst/>
+    <dgm:txFillClrLst/>
+    <dgm:txEffectClrLst/>
+  </dgm:styleLbl>
+  <dgm:styleLbl name="asst2">
+    <dgm:fillClrLst>
+      <a:schemeClr val="accent6"/>
+    </dgm:fillClrLst>
+    <dgm:linClrLst meth="repeat">
+      <a:schemeClr val="lt1"/>
+    </dgm:linClrLst>
+    <dgm:effectClrLst/>
+    <dgm:txLinClrLst/>
+    <dgm:txFillClrLst/>
+    <dgm:txEffectClrLst/>
+  </dgm:styleLbl>
+  <dgm:styleLbl name="asst3">
+    <dgm:fillClrLst>
+      <a:schemeClr val="accent1"/>
+    </dgm:fillClrLst>
+    <dgm:linClrLst meth="repeat">
+      <a:schemeClr val="lt1"/>
+    </dgm:linClrLst>
+    <dgm:effectClrLst/>
+    <dgm:txLinClrLst/>
+    <dgm:txFillClrLst/>
+    <dgm:txEffectClrLst/>
+  </dgm:styleLbl>
+  <dgm:styleLbl name="asst4">
+    <dgm:fillClrLst>
+      <a:schemeClr val="accent2"/>
+    </dgm:fillClrLst>
+    <dgm:linClrLst meth="repeat">
+      <a:schemeClr val="lt1"/>
+    </dgm:linClrLst>
+    <dgm:effectClrLst/>
+    <dgm:txLinClrLst/>
+    <dgm:txFillClrLst/>
+    <dgm:txEffectClrLst/>
+  </dgm:styleLbl>
+  <dgm:styleLbl name="parChTrans2D1">
+    <dgm:fillClrLst meth="repeat">
+      <a:schemeClr val="accent4"/>
+    </dgm:fillClrLst>
+    <dgm:linClrLst meth="repeat">
+      <a:schemeClr val="lt1"/>
+    </dgm:linClrLst>
+    <dgm:effectClrLst/>
+    <dgm:txLinClrLst/>
+    <dgm:txFillClrLst meth="repeat">
+      <a:schemeClr val="lt1"/>
+    </dgm:txFillClrLst>
+    <dgm:txEffectClrLst/>
+  </dgm:styleLbl>
+  <dgm:styleLbl name="parChTrans2D2">
+    <dgm:fillClrLst meth="repeat">
+      <a:schemeClr val="accent5"/>
+    </dgm:fillClrLst>
+    <dgm:linClrLst meth="repeat">
+      <a:schemeClr val="lt1"/>
+    </dgm:linClrLst>
+    <dgm:effectClrLst/>
+    <dgm:txLinClrLst/>
+    <dgm:txFillClrLst/>
+    <dgm:txEffectClrLst/>
+  </dgm:styleLbl>
+  <dgm:styleLbl name="parChTrans2D3">
+    <dgm:fillClrLst meth="repeat">
+      <a:schemeClr val="accent5"/>
+    </dgm:fillClrLst>
+    <dgm:linClrLst meth="repeat">
+      <a:schemeClr val="lt1"/>
+    </dgm:linClrLst>
+    <dgm:effectClrLst/>
+    <dgm:txLinClrLst/>
+    <dgm:txFillClrLst/>
+    <dgm:txEffectClrLst/>
+  </dgm:styleLbl>
+  <dgm:styleLbl name="parChTrans2D4">
+    <dgm:fillClrLst meth="repeat">
+      <a:schemeClr val="accent6"/>
+    </dgm:fillClrLst>
+    <dgm:linClrLst meth="repeat">
+      <a:schemeClr val="lt1"/>
+    </dgm:linClrLst>
+    <dgm:effectClrLst/>
+    <dgm:txLinClrLst/>
+    <dgm:txFillClrLst meth="repeat">
+      <a:schemeClr val="lt1"/>
+    </dgm:txFillClrLst>
+    <dgm:txEffectClrLst/>
+  </dgm:styleLbl>
+  <dgm:styleLbl name="parChTrans1D1">
+    <dgm:fillClrLst meth="repeat">
+      <a:schemeClr val="accent4"/>
+    </dgm:fillClrLst>
+    <dgm:linClrLst meth="repeat">
+      <a:schemeClr val="accent4"/>
+    </dgm:linClrLst>
+    <dgm:effectClrLst/>
+    <dgm:txLinClrLst/>
+    <dgm:txFillClrLst meth="repeat">
+      <a:schemeClr val="tx1"/>
+    </dgm:txFillClrLst>
+    <dgm:txEffectClrLst/>
+  </dgm:styleLbl>
+  <dgm:styleLbl name="parChTrans1D2">
+    <dgm:fillClrLst meth="repeat">
+      <a:schemeClr val="accent4">
+        <a:tint val="90000"/>
+      </a:schemeClr>
+    </dgm:fillClrLst>
+    <dgm:linClrLst meth="repeat">
+      <a:schemeClr val="accent5"/>
+    </dgm:linClrLst>
+    <dgm:effectClrLst/>
+    <dgm:txLinClrLst/>
+    <dgm:txFillClrLst meth="repeat">
+      <a:schemeClr val="tx1"/>
+    </dgm:txFillClrLst>
+    <dgm:txEffectClrLst/>
+  </dgm:styleLbl>
+  <dgm:styleLbl name="parChTrans1D3">
+    <dgm:fillClrLst meth="repeat">
+      <a:schemeClr val="accent4">
+        <a:tint val="70000"/>
+      </a:schemeClr>
+    </dgm:fillClrLst>
+    <dgm:linClrLst meth="repeat">
+      <a:schemeClr val="accent6"/>
+    </dgm:linClrLst>
+    <dgm:effectClrLst/>
+    <dgm:txLinClrLst/>
+    <dgm:txFillClrLst meth="repeat">
+      <a:schemeClr val="tx1"/>
+    </dgm:txFillClrLst>
+    <dgm:txEffectClrLst/>
+  </dgm:styleLbl>
+  <dgm:styleLbl name="parChTrans1D4">
+    <dgm:fillClrLst meth="repeat">
+      <a:schemeClr val="accent4">
+        <a:tint val="50000"/>
+      </a:schemeClr>
+    </dgm:fillClrLst>
+    <dgm:linClrLst meth="repeat">
+      <a:schemeClr val="accent1"/>
+    </dgm:linClrLst>
+    <dgm:effectClrLst/>
+    <dgm:txLinClrLst/>
+    <dgm:txFillClrLst meth="repeat">
+      <a:schemeClr val="tx1"/>
+    </dgm:txFillClrLst>
+    <dgm:txEffectClrLst/>
+  </dgm:styleLbl>
+  <dgm:styleLbl name="fgAcc1">
+    <dgm:fillClrLst meth="repeat">
+      <a:schemeClr val="lt1">
+        <a:alpha val="90000"/>
+      </a:schemeClr>
+    </dgm:fillClrLst>
+    <dgm:linClrLst>
+      <a:schemeClr val="accent4"/>
+      <a:schemeClr val="accent5"/>
+    </dgm:linClrLst>
+    <dgm:effectClrLst/>
+    <dgm:txLinClrLst/>
+    <dgm:txFillClrLst meth="repeat">
+      <a:schemeClr val="dk1"/>
+    </dgm:txFillClrLst>
+    <dgm:txEffectClrLst/>
+  </dgm:styleLbl>
+  <dgm:styleLbl name="conFgAcc1">
+    <dgm:fillClrLst meth="repeat">
+      <a:schemeClr val="lt1">
+        <a:alpha val="90000"/>
+      </a:schemeClr>
+    </dgm:fillClrLst>
+    <dgm:linClrLst>
+      <a:schemeClr val="accent4"/>
+      <a:schemeClr val="accent5"/>
+    </dgm:linClrLst>
+    <dgm:effectClrLst/>
+    <dgm:txLinClrLst/>
+    <dgm:txFillClrLst meth="repeat">
+      <a:schemeClr val="dk1"/>
+    </dgm:txFillClrLst>
+    <dgm:txEffectClrLst/>
+  </dgm:styleLbl>
+  <dgm:styleLbl name="alignAcc1">
+    <dgm:fillClrLst meth="repeat">
+      <a:schemeClr val="lt1">
+        <a:alpha val="90000"/>
+      </a:schemeClr>
+    </dgm:fillClrLst>
+    <dgm:linClrLst>
+      <a:schemeClr val="accent4"/>
+      <a:schemeClr val="accent5"/>
+    </dgm:linClrLst>
+    <dgm:effectClrLst/>
+    <dgm:txLinClrLst/>
+    <dgm:txFillClrLst meth="repeat">
+      <a:schemeClr val="dk1"/>
+    </dgm:txFillClrLst>
+    <dgm:txEffectClrLst/>
+  </dgm:styleLbl>
+  <dgm:styleLbl name="trAlignAcc1">
+    <dgm:fillClrLst meth="repeat">
+      <a:schemeClr val="lt1">
+        <a:alpha val="40000"/>
+      </a:schemeClr>
+    </dgm:fillClrLst>
+    <dgm:linClrLst meth="repeat">
+      <a:schemeClr val="accent4"/>
+    </dgm:linClrLst>
+    <dgm:effectClrLst/>
+    <dgm:txLinClrLst/>
+    <dgm:txFillClrLst meth="repeat">
+      <a:schemeClr val="dk1"/>
+    </dgm:txFillClrLst>
+    <dgm:txEffectClrLst/>
+  </dgm:styleLbl>
+  <dgm:styleLbl name="bgAcc1">
+    <dgm:fillClrLst meth="repeat">
+      <a:schemeClr val="lt1">
+        <a:alpha val="90000"/>
+      </a:schemeClr>
+    </dgm:fillClrLst>
+    <dgm:linClrLst>
+      <a:schemeClr val="accent4"/>
+      <a:schemeClr val="accent5"/>
+    </dgm:linClrLst>
+    <dgm:effectClrLst/>
+    <dgm:txLinClrLst/>
+    <dgm:txFillClrLst meth="repeat">
+      <a:schemeClr val="dk1"/>
+    </dgm:txFillClrLst>
+    <dgm:txEffectClrLst/>
+  </dgm:styleLbl>
+  <dgm:styleLbl name="solidFgAcc1">
+    <dgm:fillClrLst meth="repeat">
+      <a:schemeClr val="lt1"/>
+    </dgm:fillClrLst>
+    <dgm:linClrLst>
+      <a:schemeClr val="accent4"/>
+      <a:schemeClr val="accent5"/>
+    </dgm:linClrLst>
+    <dgm:effectClrLst/>
+    <dgm:txLinClrLst/>
+    <dgm:txFillClrLst meth="repeat">
+      <a:schemeClr val="dk1"/>
+    </dgm:txFillClrLst>
+    <dgm:txEffectClrLst/>
+  </dgm:styleLbl>
+  <dgm:styleLbl name="solidAlignAcc1">
+    <dgm:fillClrLst meth="repeat">
+      <a:schemeClr val="lt1"/>
+    </dgm:fillClrLst>
+    <dgm:linClrLst>
+      <a:schemeClr val="accent4"/>
+      <a:schemeClr val="accent5"/>
+    </dgm:linClrLst>
+    <dgm:effectClrLst/>
+    <dgm:txLinClrLst/>
+    <dgm:txFillClrLst meth="repeat">
+      <a:schemeClr val="dk1"/>
+    </dgm:txFillClrLst>
+    <dgm:txEffectClrLst/>
+  </dgm:styleLbl>
+  <dgm:styleLbl name="solidBgAcc1">
+    <dgm:fillClrLst meth="repeat">
+      <a:schemeClr val="lt1"/>
+    </dgm:fillClrLst>
+    <dgm:linClrLst>
+      <a:schemeClr val="accent4"/>
+      <a:schemeClr val="accent5"/>
+    </dgm:linClrLst>
+    <dgm:effectClrLst/>
+    <dgm:txLinClrLst/>
+    <dgm:txFillClrLst meth="repeat">
+      <a:schemeClr val="dk1"/>
+    </dgm:txFillClrLst>
+    <dgm:txEffectClrLst/>
+  </dgm:styleLbl>
+  <dgm:styleLbl name="fgAccFollowNode1">
+    <dgm:fillClrLst>
+      <a:schemeClr val="accent4">
+        <a:tint val="40000"/>
+        <a:alpha val="90000"/>
+      </a:schemeClr>
+      <a:schemeClr val="accent5">
+        <a:tint val="40000"/>
+        <a:alpha val="90000"/>
+      </a:schemeClr>
+    </dgm:fillClrLst>
+    <dgm:linClrLst>
+      <a:schemeClr val="accent4">
+        <a:tint val="40000"/>
+        <a:alpha val="90000"/>
+      </a:schemeClr>
+      <a:schemeClr val="accent5">
+        <a:tint val="40000"/>
+        <a:alpha val="90000"/>
+      </a:schemeClr>
+    </dgm:linClrLst>
+    <dgm:effectClrLst/>
+    <dgm:txLinClrLst/>
+    <dgm:txFillClrLst meth="repeat">
+      <a:schemeClr val="dk1"/>
+    </dgm:txFillClrLst>
+    <dgm:txEffectClrLst/>
+  </dgm:styleLbl>
+  <dgm:styleLbl name="alignAccFollowNode1">
+    <dgm:fillClrLst>
+      <a:schemeClr val="accent4">
+        <a:tint val="40000"/>
+        <a:alpha val="90000"/>
+      </a:schemeClr>
+      <a:schemeClr val="accent5">
+        <a:tint val="40000"/>
+        <a:alpha val="90000"/>
+      </a:schemeClr>
+    </dgm:fillClrLst>
+    <dgm:linClrLst>
+      <a:schemeClr val="accent4">
+        <a:tint val="40000"/>
+        <a:alpha val="90000"/>
+      </a:schemeClr>
+      <a:schemeClr val="accent5">
+        <a:tint val="40000"/>
+        <a:alpha val="90000"/>
+      </a:schemeClr>
+    </dgm:linClrLst>
+    <dgm:effectClrLst/>
+    <dgm:txLinClrLst/>
+    <dgm:txFillClrLst meth="repeat">
+      <a:schemeClr val="dk1"/>
+    </dgm:txFillClrLst>
+    <dgm:txEffectClrLst/>
+  </dgm:styleLbl>
+  <dgm:styleLbl name="bgAccFollowNode1">
+    <dgm:fillClrLst>
+      <a:schemeClr val="accent4">
+        <a:tint val="40000"/>
+        <a:alpha val="90000"/>
+      </a:schemeClr>
+      <a:schemeClr val="accent5">
+        <a:tint val="40000"/>
+        <a:alpha val="90000"/>
+      </a:schemeClr>
+    </dgm:fillClrLst>
+    <dgm:linClrLst>
+      <a:schemeClr val="accent4">
+        <a:tint val="40000"/>
+        <a:alpha val="90000"/>
+      </a:schemeClr>
+      <a:schemeClr val="accent5">
+        <a:tint val="40000"/>
+        <a:alpha val="90000"/>
+      </a:schemeClr>
+    </dgm:linClrLst>
+    <dgm:effectClrLst/>
+    <dgm:txLinClrLst/>
+    <dgm:txFillClrLst meth="repeat">
+      <a:schemeClr val="dk1"/>
+    </dgm:txFillClrLst>
+    <dgm:txEffectClrLst/>
+  </dgm:styleLbl>
+  <dgm:styleLbl name="fgAcc0">
+    <dgm:fillClrLst meth="repeat">
+      <a:schemeClr val="lt1">
+        <a:alpha val="90000"/>
+      </a:schemeClr>
+    </dgm:fillClrLst>
+    <dgm:linClrLst>
+      <a:schemeClr val="accent3"/>
+    </dgm:linClrLst>
+    <dgm:effectClrLst/>
+    <dgm:txLinClrLst/>
+    <dgm:txFillClrLst meth="repeat">
+      <a:schemeClr val="dk1"/>
+    </dgm:txFillClrLst>
+    <dgm:txEffectClrLst/>
+  </dgm:styleLbl>
+  <dgm:styleLbl name="fgAcc2">
+    <dgm:fillClrLst meth="repeat">
+      <a:schemeClr val="lt1">
+        <a:alpha val="90000"/>
+      </a:schemeClr>
+    </dgm:fillClrLst>
+    <dgm:linClrLst>
+      <a:schemeClr val="accent5"/>
+    </dgm:linClrLst>
+    <dgm:effectClrLst/>
+    <dgm:txLinClrLst/>
+    <dgm:txFillClrLst meth="repeat">
+      <a:schemeClr val="dk1"/>
+    </dgm:txFillClrLst>
+    <dgm:txEffectClrLst/>
+  </dgm:styleLbl>
+  <dgm:styleLbl name="fgAcc3">
+    <dgm:fillClrLst meth="repeat">
+      <a:schemeClr val="lt1">
+        <a:alpha val="90000"/>
+      </a:schemeClr>
+    </dgm:fillClrLst>
+    <dgm:linClrLst>
+      <a:schemeClr val="accent6"/>
+    </dgm:linClrLst>
+    <dgm:effectClrLst/>
+    <dgm:txLinClrLst/>
+    <dgm:txFillClrLst meth="repeat">
+      <a:schemeClr val="dk1"/>
+    </dgm:txFillClrLst>
+    <dgm:txEffectClrLst/>
+  </dgm:styleLbl>
+  <dgm:styleLbl name="fgAcc4">
+    <dgm:fillClrLst meth="repeat">
+      <a:schemeClr val="lt1">
+        <a:alpha val="90000"/>
+      </a:schemeClr>
+    </dgm:fillClrLst>
+    <dgm:linClrLst>
+      <a:schemeClr val="accent1"/>
+    </dgm:linClrLst>
+    <dgm:effectClrLst/>
+    <dgm:txLinClrLst/>
+    <dgm:txFillClrLst meth="repeat">
+      <a:schemeClr val="dk1"/>
+    </dgm:txFillClrLst>
+    <dgm:txEffectClrLst/>
+  </dgm:styleLbl>
+  <dgm:styleLbl name="bgShp">
+    <dgm:fillClrLst meth="repeat">
+      <a:schemeClr val="accent4">
+        <a:tint val="40000"/>
+      </a:schemeClr>
+    </dgm:fillClrLst>
+    <dgm:linClrLst meth="repeat">
+      <a:schemeClr val="dk1"/>
+    </dgm:linClrLst>
+    <dgm:effectClrLst/>
+    <dgm:txLinClrLst/>
+    <dgm:txFillClrLst meth="repeat">
+      <a:schemeClr val="dk1"/>
+    </dgm:txFillClrLst>
+    <dgm:txEffectClrLst/>
+  </dgm:styleLbl>
+  <dgm:styleLbl name="dkBgShp">
+    <dgm:fillClrLst meth="repeat">
+      <a:schemeClr val="accent4">
+        <a:shade val="90000"/>
+      </a:schemeClr>
+    </dgm:fillClrLst>
+    <dgm:linClrLst meth="repeat">
+      <a:schemeClr val="dk1"/>
+    </dgm:linClrLst>
+    <dgm:effectClrLst/>
+    <dgm:txLinClrLst/>
+    <dgm:txFillClrLst meth="repeat">
+      <a:schemeClr val="lt1"/>
+    </dgm:txFillClrLst>
+    <dgm:txEffectClrLst/>
+  </dgm:styleLbl>
+  <dgm:styleLbl name="trBgShp">
+    <dgm:fillClrLst meth="repeat">
+      <a:schemeClr val="accent4">
+        <a:tint val="50000"/>
+        <a:alpha val="40000"/>
+      </a:schemeClr>
+    </dgm:fillClrLst>
+    <dgm:linClrLst meth="repeat">
+      <a:schemeClr val="accent4"/>
+    </dgm:linClrLst>
+    <dgm:effectClrLst/>
+    <dgm:txLinClrLst/>
+    <dgm:txFillClrLst meth="repeat">
+      <a:schemeClr val="lt1"/>
+    </dgm:txFillClrLst>
+    <dgm:txEffectClrLst/>
+  </dgm:styleLbl>
+  <dgm:styleLbl name="fgShp">
+    <dgm:fillClrLst meth="repeat">
+      <a:schemeClr val="accent4">
+        <a:tint val="40000"/>
+      </a:schemeClr>
+    </dgm:fillClrLst>
+    <dgm:linClrLst meth="repeat">
+      <a:schemeClr val="lt1"/>
+    </dgm:linClrLst>
+    <dgm:effectClrLst/>
+    <dgm:txLinClrLst/>
+    <dgm:txFillClrLst meth="repeat">
+      <a:schemeClr val="dk1"/>
+    </dgm:txFillClrLst>
+    <dgm:txEffectClrLst/>
+  </dgm:styleLbl>
+  <dgm:styleLbl name="revTx">
+    <dgm:fillClrLst meth="repeat">
+      <a:schemeClr val="lt1">
+        <a:alpha val="0"/>
+      </a:schemeClr>
+    </dgm:fillClrLst>
+    <dgm:linClrLst meth="repeat">
+      <a:schemeClr val="dk1">
+        <a:alpha val="0"/>
+      </a:schemeClr>
+    </dgm:linClrLst>
+    <dgm:effectClrLst/>
+    <dgm:txLinClrLst/>
+    <dgm:txFillClrLst meth="repeat">
+      <a:schemeClr val="tx1"/>
+    </dgm:txFillClrLst>
+    <dgm:txEffectClrLst/>
+  </dgm:styleLbl>
+</dgm:colorsDef>
+</file>
+
+<file path=ppt/diagrams/colors2.xml><?xml version="1.0" encoding="utf-8"?>
 <dgm:colorsDef xmlns:dgm="http://schemas.openxmlformats.org/drawingml/2006/diagram" xmlns:a="http://schemas.openxmlformats.org/drawingml/2006/main" uniqueId="urn:microsoft.com/office/officeart/2005/8/colors/accent1_2">
   <dgm:title val=""/>
   <dgm:desc val=""/>
@@ -858,6 +1645,688 @@
 <file path=ppt/diagrams/data1.xml><?xml version="1.0" encoding="utf-8"?>
 <dgm:dataModel xmlns:dgm="http://schemas.openxmlformats.org/drawingml/2006/diagram" xmlns:a="http://schemas.openxmlformats.org/drawingml/2006/main">
   <dgm:ptLst>
+    <dgm:pt modelId="{6348F30D-A460-40D8-9B72-1FE87B5194A2}" type="doc">
+      <dgm:prSet loTypeId="urn:microsoft.com/office/officeart/2005/8/layout/hProcess6" loCatId="process" qsTypeId="urn:microsoft.com/office/officeart/2005/8/quickstyle/simple1" qsCatId="simple" csTypeId="urn:microsoft.com/office/officeart/2005/8/colors/colorful4" csCatId="colorful" phldr="1"/>
+      <dgm:spPr/>
+      <dgm:t>
+        <a:bodyPr/>
+        <a:lstStyle/>
+        <a:p>
+          <a:endParaRPr lang="fr-FR"/>
+        </a:p>
+      </dgm:t>
+    </dgm:pt>
+    <dgm:pt modelId="{5C739A88-C0D4-43AD-B790-9DE83CEA6320}">
+      <dgm:prSet phldrT="[Texte]"/>
+      <dgm:spPr/>
+      <dgm:t>
+        <a:bodyPr/>
+        <a:lstStyle/>
+        <a:p>
+          <a:r>
+            <a:rPr lang="fr-FR" dirty="0" smtClean="0"/>
+            <a:t>Forum GeoRezo Job</a:t>
+          </a:r>
+        </a:p>
+      </dgm:t>
+    </dgm:pt>
+    <dgm:pt modelId="{7A4BE4CB-FBCA-42F3-B678-DE7384E0A995}" type="parTrans" cxnId="{8E592949-8266-4351-B40B-A3C8ED086F24}">
+      <dgm:prSet/>
+      <dgm:spPr/>
+      <dgm:t>
+        <a:bodyPr/>
+        <a:lstStyle/>
+        <a:p>
+          <a:endParaRPr lang="fr-FR"/>
+        </a:p>
+      </dgm:t>
+    </dgm:pt>
+    <dgm:pt modelId="{A6B46D38-1BB9-46A7-ACC5-D7B41EFBA75E}" type="sibTrans" cxnId="{8E592949-8266-4351-B40B-A3C8ED086F24}">
+      <dgm:prSet/>
+      <dgm:spPr/>
+      <dgm:t>
+        <a:bodyPr/>
+        <a:lstStyle/>
+        <a:p>
+          <a:endParaRPr lang="fr-FR"/>
+        </a:p>
+      </dgm:t>
+    </dgm:pt>
+    <dgm:pt modelId="{9FED2E69-5BF8-4366-B4B6-A5B55DC7EFC2}">
+      <dgm:prSet phldrT="[Texte]"/>
+      <dgm:spPr/>
+      <dgm:t>
+        <a:bodyPr/>
+        <a:lstStyle/>
+        <a:p>
+          <a:r>
+            <a:rPr lang="fr-FR" dirty="0" smtClean="0"/>
+            <a:t>Parsing du flux RSS (2x / jour)</a:t>
+          </a:r>
+          <a:endParaRPr lang="fr-FR" dirty="0"/>
+        </a:p>
+      </dgm:t>
+    </dgm:pt>
+    <dgm:pt modelId="{54E2D834-1A3F-4C68-9036-1C7CB82C93F2}" type="parTrans" cxnId="{4739C6AA-09DF-413D-A721-ABF34980D27F}">
+      <dgm:prSet/>
+      <dgm:spPr/>
+      <dgm:t>
+        <a:bodyPr/>
+        <a:lstStyle/>
+        <a:p>
+          <a:endParaRPr lang="fr-FR"/>
+        </a:p>
+      </dgm:t>
+    </dgm:pt>
+    <dgm:pt modelId="{4C019CE6-7468-482D-A229-AF41F083EF62}" type="sibTrans" cxnId="{4739C6AA-09DF-413D-A721-ABF34980D27F}">
+      <dgm:prSet/>
+      <dgm:spPr/>
+      <dgm:t>
+        <a:bodyPr/>
+        <a:lstStyle/>
+        <a:p>
+          <a:endParaRPr lang="fr-FR"/>
+        </a:p>
+      </dgm:t>
+    </dgm:pt>
+    <dgm:pt modelId="{33910736-E7E5-4D68-913F-F914574A38D9}">
+      <dgm:prSet phldrT="[Texte]"/>
+      <dgm:spPr/>
+      <dgm:t>
+        <a:bodyPr/>
+        <a:lstStyle/>
+        <a:p>
+          <a:r>
+            <a:rPr lang="fr-FR" dirty="0" smtClean="0"/>
+            <a:t>Extraction &amp; analyse</a:t>
+          </a:r>
+          <a:endParaRPr lang="fr-FR" dirty="0"/>
+        </a:p>
+      </dgm:t>
+    </dgm:pt>
+    <dgm:pt modelId="{3A3EA3A0-C04C-4A0F-92CE-3198F50AF6CE}" type="parTrans" cxnId="{3EDBF011-A491-4BAB-9703-98DF2064E2B8}">
+      <dgm:prSet/>
+      <dgm:spPr/>
+      <dgm:t>
+        <a:bodyPr/>
+        <a:lstStyle/>
+        <a:p>
+          <a:endParaRPr lang="fr-FR"/>
+        </a:p>
+      </dgm:t>
+    </dgm:pt>
+    <dgm:pt modelId="{3940A3F2-77B5-44D3-81B8-E309CB7B0269}" type="sibTrans" cxnId="{3EDBF011-A491-4BAB-9703-98DF2064E2B8}">
+      <dgm:prSet/>
+      <dgm:spPr/>
+      <dgm:t>
+        <a:bodyPr/>
+        <a:lstStyle/>
+        <a:p>
+          <a:endParaRPr lang="fr-FR"/>
+        </a:p>
+      </dgm:t>
+    </dgm:pt>
+    <dgm:pt modelId="{BD2859D2-8868-4E0A-B032-02FE535A0461}">
+      <dgm:prSet phldrT="[Texte]"/>
+      <dgm:spPr/>
+      <dgm:t>
+        <a:bodyPr/>
+        <a:lstStyle/>
+        <a:p>
+          <a:r>
+            <a:rPr lang="fr-FR" dirty="0" smtClean="0"/>
+            <a:t>Types de contrat</a:t>
+          </a:r>
+          <a:endParaRPr lang="fr-FR" dirty="0"/>
+        </a:p>
+      </dgm:t>
+    </dgm:pt>
+    <dgm:pt modelId="{35B5CED6-6F99-4975-9EF7-D8EBE15012CF}" type="parTrans" cxnId="{5AF593A1-127E-4A6B-9992-2665DE21FE8D}">
+      <dgm:prSet/>
+      <dgm:spPr/>
+      <dgm:t>
+        <a:bodyPr/>
+        <a:lstStyle/>
+        <a:p>
+          <a:endParaRPr lang="fr-FR"/>
+        </a:p>
+      </dgm:t>
+    </dgm:pt>
+    <dgm:pt modelId="{1CE9A17B-4875-4423-A1A6-DB095684557D}" type="sibTrans" cxnId="{5AF593A1-127E-4A6B-9992-2665DE21FE8D}">
+      <dgm:prSet/>
+      <dgm:spPr/>
+      <dgm:t>
+        <a:bodyPr/>
+        <a:lstStyle/>
+        <a:p>
+          <a:endParaRPr lang="fr-FR"/>
+        </a:p>
+      </dgm:t>
+    </dgm:pt>
+    <dgm:pt modelId="{2EB473B7-9FFD-4EAC-83E7-185D08B1B54F}">
+      <dgm:prSet phldrT="[Texte]"/>
+      <dgm:spPr/>
+      <dgm:t>
+        <a:bodyPr/>
+        <a:lstStyle/>
+        <a:p>
+          <a:r>
+            <a:rPr lang="fr-FR" dirty="0" smtClean="0"/>
+            <a:t>Publication</a:t>
+          </a:r>
+          <a:endParaRPr lang="fr-FR" dirty="0"/>
+        </a:p>
+      </dgm:t>
+    </dgm:pt>
+    <dgm:pt modelId="{16900BC8-4675-4BB9-AE8B-D33C6C57CA19}" type="parTrans" cxnId="{66B35423-DCF2-41BF-A3D2-FA0521216FE6}">
+      <dgm:prSet/>
+      <dgm:spPr/>
+      <dgm:t>
+        <a:bodyPr/>
+        <a:lstStyle/>
+        <a:p>
+          <a:endParaRPr lang="fr-FR"/>
+        </a:p>
+      </dgm:t>
+    </dgm:pt>
+    <dgm:pt modelId="{4527D345-FFF6-4B9C-914B-ED77BBBEBC20}" type="sibTrans" cxnId="{66B35423-DCF2-41BF-A3D2-FA0521216FE6}">
+      <dgm:prSet/>
+      <dgm:spPr/>
+      <dgm:t>
+        <a:bodyPr/>
+        <a:lstStyle/>
+        <a:p>
+          <a:endParaRPr lang="fr-FR"/>
+        </a:p>
+      </dgm:t>
+    </dgm:pt>
+    <dgm:pt modelId="{CA240134-F241-443B-ACE8-AD662391FE29}">
+      <dgm:prSet phldrT="[Texte]"/>
+      <dgm:spPr/>
+      <dgm:t>
+        <a:bodyPr/>
+        <a:lstStyle/>
+        <a:p>
+          <a:r>
+            <a:rPr lang="fr-FR" dirty="0" smtClean="0"/>
+            <a:t>Code sur GitHub (GPL 3)</a:t>
+          </a:r>
+          <a:endParaRPr lang="fr-FR" dirty="0"/>
+        </a:p>
+      </dgm:t>
+    </dgm:pt>
+    <dgm:pt modelId="{089A0B0A-97CB-4706-84E3-C89701706210}" type="parTrans" cxnId="{5D504C23-BD6C-42DF-A8E2-87710FAF7BFD}">
+      <dgm:prSet/>
+      <dgm:spPr/>
+      <dgm:t>
+        <a:bodyPr/>
+        <a:lstStyle/>
+        <a:p>
+          <a:endParaRPr lang="fr-FR"/>
+        </a:p>
+      </dgm:t>
+    </dgm:pt>
+    <dgm:pt modelId="{96C7EC47-86DC-41A7-94CD-3B456C142EE9}" type="sibTrans" cxnId="{5D504C23-BD6C-42DF-A8E2-87710FAF7BFD}">
+      <dgm:prSet/>
+      <dgm:spPr/>
+      <dgm:t>
+        <a:bodyPr/>
+        <a:lstStyle/>
+        <a:p>
+          <a:endParaRPr lang="fr-FR"/>
+        </a:p>
+      </dgm:t>
+    </dgm:pt>
+    <dgm:pt modelId="{58119C76-4984-462F-82F2-85A60210DC17}">
+      <dgm:prSet phldrT="[Texte]"/>
+      <dgm:spPr/>
+      <dgm:t>
+        <a:bodyPr/>
+        <a:lstStyle/>
+        <a:p>
+          <a:r>
+            <a:rPr lang="fr-FR" dirty="0" smtClean="0"/>
+            <a:t>Mini site de visualisation dynamique des données</a:t>
+          </a:r>
+          <a:endParaRPr lang="fr-FR" dirty="0"/>
+        </a:p>
+      </dgm:t>
+    </dgm:pt>
+    <dgm:pt modelId="{4DAFBE6B-9760-409B-AD8E-7634C906397A}" type="parTrans" cxnId="{CAAC5E0A-6ACD-46C1-BEE9-83F7F800FF51}">
+      <dgm:prSet/>
+      <dgm:spPr/>
+      <dgm:t>
+        <a:bodyPr/>
+        <a:lstStyle/>
+        <a:p>
+          <a:endParaRPr lang="fr-FR"/>
+        </a:p>
+      </dgm:t>
+    </dgm:pt>
+    <dgm:pt modelId="{519DE7AD-64AA-48AE-849E-3EAC43A31286}" type="sibTrans" cxnId="{CAAC5E0A-6ACD-46C1-BEE9-83F7F800FF51}">
+      <dgm:prSet/>
+      <dgm:spPr/>
+      <dgm:t>
+        <a:bodyPr/>
+        <a:lstStyle/>
+        <a:p>
+          <a:endParaRPr lang="fr-FR"/>
+        </a:p>
+      </dgm:t>
+    </dgm:pt>
+    <dgm:pt modelId="{ECFE5E60-A45F-4A6C-A0A2-93E95A102C4D}">
+      <dgm:prSet phldrT="[Texte]"/>
+      <dgm:spPr/>
+      <dgm:t>
+        <a:bodyPr/>
+        <a:lstStyle/>
+        <a:p>
+          <a:r>
+            <a:rPr lang="fr-FR" dirty="0" smtClean="0"/>
+            <a:t>Métiers</a:t>
+          </a:r>
+          <a:endParaRPr lang="fr-FR" dirty="0"/>
+        </a:p>
+      </dgm:t>
+    </dgm:pt>
+    <dgm:pt modelId="{F0F1A5AA-F6F2-47B3-81E8-AC35C74B8BB5}" type="parTrans" cxnId="{DE252CB5-1A6D-473B-9007-59D5EAC84FBD}">
+      <dgm:prSet/>
+      <dgm:spPr/>
+      <dgm:t>
+        <a:bodyPr/>
+        <a:lstStyle/>
+        <a:p>
+          <a:endParaRPr lang="fr-FR"/>
+        </a:p>
+      </dgm:t>
+    </dgm:pt>
+    <dgm:pt modelId="{55FF083E-BDFD-40D1-BC7A-65D8A363B5D8}" type="sibTrans" cxnId="{DE252CB5-1A6D-473B-9007-59D5EAC84FBD}">
+      <dgm:prSet/>
+      <dgm:spPr/>
+      <dgm:t>
+        <a:bodyPr/>
+        <a:lstStyle/>
+        <a:p>
+          <a:endParaRPr lang="fr-FR"/>
+        </a:p>
+      </dgm:t>
+    </dgm:pt>
+    <dgm:pt modelId="{E9959C7C-A836-42F4-8C21-07E6E1E0A07B}">
+      <dgm:prSet phldrT="[Texte]"/>
+      <dgm:spPr/>
+      <dgm:t>
+        <a:bodyPr/>
+        <a:lstStyle/>
+        <a:p>
+          <a:r>
+            <a:rPr lang="fr-FR" dirty="0" smtClean="0"/>
+            <a:t>Sémantique</a:t>
+          </a:r>
+          <a:endParaRPr lang="fr-FR" dirty="0"/>
+        </a:p>
+      </dgm:t>
+    </dgm:pt>
+    <dgm:pt modelId="{9AB12534-79E3-4BE7-B7CC-7C0498A1494D}" type="parTrans" cxnId="{08656B47-9EBA-49D9-93B2-83CF071BB143}">
+      <dgm:prSet/>
+      <dgm:spPr/>
+      <dgm:t>
+        <a:bodyPr/>
+        <a:lstStyle/>
+        <a:p>
+          <a:endParaRPr lang="fr-FR"/>
+        </a:p>
+      </dgm:t>
+    </dgm:pt>
+    <dgm:pt modelId="{67140345-5160-4AAE-9028-45B31638D9FB}" type="sibTrans" cxnId="{08656B47-9EBA-49D9-93B2-83CF071BB143}">
+      <dgm:prSet/>
+      <dgm:spPr/>
+      <dgm:t>
+        <a:bodyPr/>
+        <a:lstStyle/>
+        <a:p>
+          <a:endParaRPr lang="fr-FR"/>
+        </a:p>
+      </dgm:t>
+    </dgm:pt>
+    <dgm:pt modelId="{CAE40E53-7FC7-43E7-9574-E380753DE585}">
+      <dgm:prSet phldrT="[Texte]"/>
+      <dgm:spPr/>
+      <dgm:t>
+        <a:bodyPr/>
+        <a:lstStyle/>
+        <a:p>
+          <a:r>
+            <a:rPr lang="fr-FR" dirty="0" smtClean="0"/>
+            <a:t>Stockage des annonces en BD locale</a:t>
+          </a:r>
+          <a:endParaRPr lang="fr-FR" dirty="0"/>
+        </a:p>
+      </dgm:t>
+    </dgm:pt>
+    <dgm:pt modelId="{E95CCB17-460F-4972-9D64-3497D79AECD7}" type="sibTrans" cxnId="{F6E34343-ACCE-46D4-88F9-5C9097F65776}">
+      <dgm:prSet/>
+      <dgm:spPr/>
+      <dgm:t>
+        <a:bodyPr/>
+        <a:lstStyle/>
+        <a:p>
+          <a:endParaRPr lang="fr-FR"/>
+        </a:p>
+      </dgm:t>
+    </dgm:pt>
+    <dgm:pt modelId="{C2992FBD-11DA-4F7F-A2EE-C691452357A7}" type="parTrans" cxnId="{F6E34343-ACCE-46D4-88F9-5C9097F65776}">
+      <dgm:prSet/>
+      <dgm:spPr/>
+      <dgm:t>
+        <a:bodyPr/>
+        <a:lstStyle/>
+        <a:p>
+          <a:endParaRPr lang="fr-FR"/>
+        </a:p>
+      </dgm:t>
+    </dgm:pt>
+    <dgm:pt modelId="{07454FFB-CB97-4853-81D0-C1317F92E5BF}">
+      <dgm:prSet phldrT="[Texte]"/>
+      <dgm:spPr/>
+      <dgm:t>
+        <a:bodyPr/>
+        <a:lstStyle/>
+        <a:p>
+          <a:r>
+            <a:rPr lang="fr-FR" dirty="0" smtClean="0"/>
+            <a:t>Types de logiciels</a:t>
+          </a:r>
+          <a:endParaRPr lang="fr-FR" dirty="0"/>
+        </a:p>
+      </dgm:t>
+    </dgm:pt>
+    <dgm:pt modelId="{A835EB17-9935-44B6-87FF-8246CF0B5B01}" type="sibTrans" cxnId="{D696922F-02B6-4E41-8B9F-0FF5FEC2FC51}">
+      <dgm:prSet/>
+      <dgm:spPr/>
+      <dgm:t>
+        <a:bodyPr/>
+        <a:lstStyle/>
+        <a:p>
+          <a:endParaRPr lang="fr-FR"/>
+        </a:p>
+      </dgm:t>
+    </dgm:pt>
+    <dgm:pt modelId="{14052150-6DCD-413C-9F9D-6B6AF5627794}" type="parTrans" cxnId="{D696922F-02B6-4E41-8B9F-0FF5FEC2FC51}">
+      <dgm:prSet/>
+      <dgm:spPr/>
+      <dgm:t>
+        <a:bodyPr/>
+        <a:lstStyle/>
+        <a:p>
+          <a:endParaRPr lang="fr-FR"/>
+        </a:p>
+      </dgm:t>
+    </dgm:pt>
+    <dgm:pt modelId="{00BEF61B-64AB-4507-8256-19F2151FDFFE}">
+      <dgm:prSet phldrT="[Texte]"/>
+      <dgm:spPr/>
+      <dgm:t>
+        <a:bodyPr/>
+        <a:lstStyle/>
+        <a:p>
+          <a:r>
+            <a:rPr lang="fr-FR" dirty="0" smtClean="0"/>
+            <a:t>Lieux</a:t>
+          </a:r>
+          <a:endParaRPr lang="fr-FR" dirty="0"/>
+        </a:p>
+      </dgm:t>
+    </dgm:pt>
+    <dgm:pt modelId="{D5F738B7-3D15-4E31-8E59-006999BF22B0}" type="parTrans" cxnId="{E945CCB8-2F19-4F72-9A46-CAD370B69531}">
+      <dgm:prSet/>
+      <dgm:spPr/>
+      <dgm:t>
+        <a:bodyPr/>
+        <a:lstStyle/>
+        <a:p>
+          <a:endParaRPr lang="fr-FR"/>
+        </a:p>
+      </dgm:t>
+    </dgm:pt>
+    <dgm:pt modelId="{91186E69-FBEC-458F-9071-D1D40A233E9F}" type="sibTrans" cxnId="{E945CCB8-2F19-4F72-9A46-CAD370B69531}">
+      <dgm:prSet/>
+      <dgm:spPr/>
+      <dgm:t>
+        <a:bodyPr/>
+        <a:lstStyle/>
+        <a:p>
+          <a:endParaRPr lang="fr-FR"/>
+        </a:p>
+      </dgm:t>
+    </dgm:pt>
+    <dgm:pt modelId="{C863B7C3-9191-4D43-B16D-2DE75C2C1848}" type="pres">
+      <dgm:prSet presAssocID="{6348F30D-A460-40D8-9B72-1FE87B5194A2}" presName="theList" presStyleCnt="0">
+        <dgm:presLayoutVars>
+          <dgm:dir/>
+          <dgm:animLvl val="lvl"/>
+          <dgm:resizeHandles val="exact"/>
+        </dgm:presLayoutVars>
+      </dgm:prSet>
+      <dgm:spPr/>
+    </dgm:pt>
+    <dgm:pt modelId="{C6935BB6-5FDA-4202-B676-CB5C8ADAED2A}" type="pres">
+      <dgm:prSet presAssocID="{5C739A88-C0D4-43AD-B790-9DE83CEA6320}" presName="compNode" presStyleCnt="0"/>
+      <dgm:spPr/>
+    </dgm:pt>
+    <dgm:pt modelId="{2A1D7183-3B15-44DC-86C1-681AB05E48FB}" type="pres">
+      <dgm:prSet presAssocID="{5C739A88-C0D4-43AD-B790-9DE83CEA6320}" presName="noGeometry" presStyleCnt="0"/>
+      <dgm:spPr/>
+    </dgm:pt>
+    <dgm:pt modelId="{4FAAE57B-8F73-47E8-8196-E53C7EB94B82}" type="pres">
+      <dgm:prSet presAssocID="{5C739A88-C0D4-43AD-B790-9DE83CEA6320}" presName="childTextVisible" presStyleLbl="bgAccFollowNode1" presStyleIdx="0" presStyleCnt="3">
+        <dgm:presLayoutVars>
+          <dgm:bulletEnabled val="1"/>
+        </dgm:presLayoutVars>
+      </dgm:prSet>
+      <dgm:spPr/>
+      <dgm:t>
+        <a:bodyPr/>
+        <a:lstStyle/>
+        <a:p>
+          <a:endParaRPr lang="fr-FR"/>
+        </a:p>
+      </dgm:t>
+    </dgm:pt>
+    <dgm:pt modelId="{2D2307F9-2F11-4021-8916-1868ECFEEB1C}" type="pres">
+      <dgm:prSet presAssocID="{5C739A88-C0D4-43AD-B790-9DE83CEA6320}" presName="childTextHidden" presStyleLbl="bgAccFollowNode1" presStyleIdx="0" presStyleCnt="3"/>
+      <dgm:spPr/>
+      <dgm:t>
+        <a:bodyPr/>
+        <a:lstStyle/>
+        <a:p>
+          <a:endParaRPr lang="fr-FR"/>
+        </a:p>
+      </dgm:t>
+    </dgm:pt>
+    <dgm:pt modelId="{7B5FE700-41D2-4FFC-B7F6-B6FCE3EEC496}" type="pres">
+      <dgm:prSet presAssocID="{5C739A88-C0D4-43AD-B790-9DE83CEA6320}" presName="parentText" presStyleLbl="node1" presStyleIdx="0" presStyleCnt="3">
+        <dgm:presLayoutVars>
+          <dgm:chMax val="1"/>
+          <dgm:bulletEnabled val="1"/>
+        </dgm:presLayoutVars>
+      </dgm:prSet>
+      <dgm:spPr/>
+      <dgm:t>
+        <a:bodyPr/>
+        <a:lstStyle/>
+        <a:p>
+          <a:endParaRPr lang="fr-FR"/>
+        </a:p>
+      </dgm:t>
+    </dgm:pt>
+    <dgm:pt modelId="{32F682DD-C677-4A87-B02F-191716BA7F83}" type="pres">
+      <dgm:prSet presAssocID="{5C739A88-C0D4-43AD-B790-9DE83CEA6320}" presName="aSpace" presStyleCnt="0"/>
+      <dgm:spPr/>
+    </dgm:pt>
+    <dgm:pt modelId="{85695EB7-B5D5-4728-8272-3E9278FB3F5D}" type="pres">
+      <dgm:prSet presAssocID="{33910736-E7E5-4D68-913F-F914574A38D9}" presName="compNode" presStyleCnt="0"/>
+      <dgm:spPr/>
+    </dgm:pt>
+    <dgm:pt modelId="{113A6143-68E6-4164-BA19-7B7179D08F29}" type="pres">
+      <dgm:prSet presAssocID="{33910736-E7E5-4D68-913F-F914574A38D9}" presName="noGeometry" presStyleCnt="0"/>
+      <dgm:spPr/>
+    </dgm:pt>
+    <dgm:pt modelId="{3A47942D-F653-4E27-8DCE-901272FEE80E}" type="pres">
+      <dgm:prSet presAssocID="{33910736-E7E5-4D68-913F-F914574A38D9}" presName="childTextVisible" presStyleLbl="bgAccFollowNode1" presStyleIdx="1" presStyleCnt="3">
+        <dgm:presLayoutVars>
+          <dgm:bulletEnabled val="1"/>
+        </dgm:presLayoutVars>
+      </dgm:prSet>
+      <dgm:spPr/>
+      <dgm:t>
+        <a:bodyPr/>
+        <a:lstStyle/>
+        <a:p>
+          <a:endParaRPr lang="fr-FR"/>
+        </a:p>
+      </dgm:t>
+    </dgm:pt>
+    <dgm:pt modelId="{2BB27DAE-17AF-42A6-8C0B-27FC2E586500}" type="pres">
+      <dgm:prSet presAssocID="{33910736-E7E5-4D68-913F-F914574A38D9}" presName="childTextHidden" presStyleLbl="bgAccFollowNode1" presStyleIdx="1" presStyleCnt="3"/>
+      <dgm:spPr/>
+      <dgm:t>
+        <a:bodyPr/>
+        <a:lstStyle/>
+        <a:p>
+          <a:endParaRPr lang="fr-FR"/>
+        </a:p>
+      </dgm:t>
+    </dgm:pt>
+    <dgm:pt modelId="{2FE020A4-903A-4B0B-983A-92B4AA6EA0D6}" type="pres">
+      <dgm:prSet presAssocID="{33910736-E7E5-4D68-913F-F914574A38D9}" presName="parentText" presStyleLbl="node1" presStyleIdx="1" presStyleCnt="3">
+        <dgm:presLayoutVars>
+          <dgm:chMax val="1"/>
+          <dgm:bulletEnabled val="1"/>
+        </dgm:presLayoutVars>
+      </dgm:prSet>
+      <dgm:spPr/>
+      <dgm:t>
+        <a:bodyPr/>
+        <a:lstStyle/>
+        <a:p>
+          <a:endParaRPr lang="fr-FR"/>
+        </a:p>
+      </dgm:t>
+    </dgm:pt>
+    <dgm:pt modelId="{CDDF4F0C-302F-4AA3-A3F4-C87B85A963EB}" type="pres">
+      <dgm:prSet presAssocID="{33910736-E7E5-4D68-913F-F914574A38D9}" presName="aSpace" presStyleCnt="0"/>
+      <dgm:spPr/>
+    </dgm:pt>
+    <dgm:pt modelId="{B1AEEC3C-C84A-4E38-ADC2-D4A5AC1D13F2}" type="pres">
+      <dgm:prSet presAssocID="{2EB473B7-9FFD-4EAC-83E7-185D08B1B54F}" presName="compNode" presStyleCnt="0"/>
+      <dgm:spPr/>
+    </dgm:pt>
+    <dgm:pt modelId="{ED3750C9-95C6-4790-9D81-567C62888650}" type="pres">
+      <dgm:prSet presAssocID="{2EB473B7-9FFD-4EAC-83E7-185D08B1B54F}" presName="noGeometry" presStyleCnt="0"/>
+      <dgm:spPr/>
+    </dgm:pt>
+    <dgm:pt modelId="{D93DC97F-A559-4F81-B5E3-0D1F0358FADD}" type="pres">
+      <dgm:prSet presAssocID="{2EB473B7-9FFD-4EAC-83E7-185D08B1B54F}" presName="childTextVisible" presStyleLbl="bgAccFollowNode1" presStyleIdx="2" presStyleCnt="3">
+        <dgm:presLayoutVars>
+          <dgm:bulletEnabled val="1"/>
+        </dgm:presLayoutVars>
+      </dgm:prSet>
+      <dgm:spPr/>
+      <dgm:t>
+        <a:bodyPr/>
+        <a:lstStyle/>
+        <a:p>
+          <a:endParaRPr lang="fr-FR"/>
+        </a:p>
+      </dgm:t>
+    </dgm:pt>
+    <dgm:pt modelId="{7DEC833D-11C3-4133-8A36-0D9C5C991E40}" type="pres">
+      <dgm:prSet presAssocID="{2EB473B7-9FFD-4EAC-83E7-185D08B1B54F}" presName="childTextHidden" presStyleLbl="bgAccFollowNode1" presStyleIdx="2" presStyleCnt="3"/>
+      <dgm:spPr/>
+      <dgm:t>
+        <a:bodyPr/>
+        <a:lstStyle/>
+        <a:p>
+          <a:endParaRPr lang="fr-FR"/>
+        </a:p>
+      </dgm:t>
+    </dgm:pt>
+    <dgm:pt modelId="{B29A4978-18A9-49DF-9FCA-0D3F5E92EF4B}" type="pres">
+      <dgm:prSet presAssocID="{2EB473B7-9FFD-4EAC-83E7-185D08B1B54F}" presName="parentText" presStyleLbl="node1" presStyleIdx="2" presStyleCnt="3">
+        <dgm:presLayoutVars>
+          <dgm:chMax val="1"/>
+          <dgm:bulletEnabled val="1"/>
+        </dgm:presLayoutVars>
+      </dgm:prSet>
+      <dgm:spPr/>
+    </dgm:pt>
+  </dgm:ptLst>
+  <dgm:cxnLst>
+    <dgm:cxn modelId="{5AF593A1-127E-4A6B-9992-2665DE21FE8D}" srcId="{33910736-E7E5-4D68-913F-F914574A38D9}" destId="{BD2859D2-8868-4E0A-B032-02FE535A0461}" srcOrd="0" destOrd="0" parTransId="{35B5CED6-6F99-4975-9EF7-D8EBE15012CF}" sibTransId="{1CE9A17B-4875-4423-A1A6-DB095684557D}"/>
+    <dgm:cxn modelId="{A695EBEF-79A1-46AB-93EB-78121061F7F6}" type="presOf" srcId="{2EB473B7-9FFD-4EAC-83E7-185D08B1B54F}" destId="{B29A4978-18A9-49DF-9FCA-0D3F5E92EF4B}" srcOrd="0" destOrd="0" presId="urn:microsoft.com/office/officeart/2005/8/layout/hProcess6"/>
+    <dgm:cxn modelId="{A29A78A9-E11A-4652-8DD0-3B7F53A71298}" type="presOf" srcId="{58119C76-4984-462F-82F2-85A60210DC17}" destId="{7DEC833D-11C3-4133-8A36-0D9C5C991E40}" srcOrd="1" destOrd="1" presId="urn:microsoft.com/office/officeart/2005/8/layout/hProcess6"/>
+    <dgm:cxn modelId="{3F9B06C8-30D7-481A-A686-A5DA923CED0A}" type="presOf" srcId="{ECFE5E60-A45F-4A6C-A0A2-93E95A102C4D}" destId="{3A47942D-F653-4E27-8DCE-901272FEE80E}" srcOrd="0" destOrd="3" presId="urn:microsoft.com/office/officeart/2005/8/layout/hProcess6"/>
+    <dgm:cxn modelId="{14EAACED-8E92-4BF4-9B00-D4F955D663E7}" type="presOf" srcId="{9FED2E69-5BF8-4366-B4B6-A5B55DC7EFC2}" destId="{2D2307F9-2F11-4021-8916-1868ECFEEB1C}" srcOrd="1" destOrd="0" presId="urn:microsoft.com/office/officeart/2005/8/layout/hProcess6"/>
+    <dgm:cxn modelId="{5A1600CB-9802-4666-A68E-E9A9A6588206}" type="presOf" srcId="{07454FFB-CB97-4853-81D0-C1317F92E5BF}" destId="{3A47942D-F653-4E27-8DCE-901272FEE80E}" srcOrd="0" destOrd="2" presId="urn:microsoft.com/office/officeart/2005/8/layout/hProcess6"/>
+    <dgm:cxn modelId="{D95B61C3-AF35-4CB9-B222-473AC1E5F31C}" type="presOf" srcId="{6348F30D-A460-40D8-9B72-1FE87B5194A2}" destId="{C863B7C3-9191-4D43-B16D-2DE75C2C1848}" srcOrd="0" destOrd="0" presId="urn:microsoft.com/office/officeart/2005/8/layout/hProcess6"/>
+    <dgm:cxn modelId="{B19A7B15-A094-4800-8C74-32125703E489}" type="presOf" srcId="{9FED2E69-5BF8-4366-B4B6-A5B55DC7EFC2}" destId="{4FAAE57B-8F73-47E8-8196-E53C7EB94B82}" srcOrd="0" destOrd="0" presId="urn:microsoft.com/office/officeart/2005/8/layout/hProcess6"/>
+    <dgm:cxn modelId="{D696922F-02B6-4E41-8B9F-0FF5FEC2FC51}" srcId="{33910736-E7E5-4D68-913F-F914574A38D9}" destId="{07454FFB-CB97-4853-81D0-C1317F92E5BF}" srcOrd="2" destOrd="0" parTransId="{14052150-6DCD-413C-9F9D-6B6AF5627794}" sibTransId="{A835EB17-9935-44B6-87FF-8246CF0B5B01}"/>
+    <dgm:cxn modelId="{6F2B9843-D200-4D28-9CDD-C7B3F39AE24F}" type="presOf" srcId="{CA240134-F241-443B-ACE8-AD662391FE29}" destId="{7DEC833D-11C3-4133-8A36-0D9C5C991E40}" srcOrd="1" destOrd="0" presId="urn:microsoft.com/office/officeart/2005/8/layout/hProcess6"/>
+    <dgm:cxn modelId="{61C999F7-A889-4212-8915-680C71EEC976}" type="presOf" srcId="{33910736-E7E5-4D68-913F-F914574A38D9}" destId="{2FE020A4-903A-4B0B-983A-92B4AA6EA0D6}" srcOrd="0" destOrd="0" presId="urn:microsoft.com/office/officeart/2005/8/layout/hProcess6"/>
+    <dgm:cxn modelId="{8E592949-8266-4351-B40B-A3C8ED086F24}" srcId="{6348F30D-A460-40D8-9B72-1FE87B5194A2}" destId="{5C739A88-C0D4-43AD-B790-9DE83CEA6320}" srcOrd="0" destOrd="0" parTransId="{7A4BE4CB-FBCA-42F3-B678-DE7384E0A995}" sibTransId="{A6B46D38-1BB9-46A7-ACC5-D7B41EFBA75E}"/>
+    <dgm:cxn modelId="{50310DC4-045F-4E67-81AB-9EB17FB5DEFC}" type="presOf" srcId="{00BEF61B-64AB-4507-8256-19F2151FDFFE}" destId="{2BB27DAE-17AF-42A6-8C0B-27FC2E586500}" srcOrd="1" destOrd="1" presId="urn:microsoft.com/office/officeart/2005/8/layout/hProcess6"/>
+    <dgm:cxn modelId="{E945CCB8-2F19-4F72-9A46-CAD370B69531}" srcId="{33910736-E7E5-4D68-913F-F914574A38D9}" destId="{00BEF61B-64AB-4507-8256-19F2151FDFFE}" srcOrd="1" destOrd="0" parTransId="{D5F738B7-3D15-4E31-8E59-006999BF22B0}" sibTransId="{91186E69-FBEC-458F-9071-D1D40A233E9F}"/>
+    <dgm:cxn modelId="{66B35423-DCF2-41BF-A3D2-FA0521216FE6}" srcId="{6348F30D-A460-40D8-9B72-1FE87B5194A2}" destId="{2EB473B7-9FFD-4EAC-83E7-185D08B1B54F}" srcOrd="2" destOrd="0" parTransId="{16900BC8-4675-4BB9-AE8B-D33C6C57CA19}" sibTransId="{4527D345-FFF6-4B9C-914B-ED77BBBEBC20}"/>
+    <dgm:cxn modelId="{C911A5E1-3ADD-493E-A9D1-4AFE2D3C0BB4}" type="presOf" srcId="{BD2859D2-8868-4E0A-B032-02FE535A0461}" destId="{3A47942D-F653-4E27-8DCE-901272FEE80E}" srcOrd="0" destOrd="0" presId="urn:microsoft.com/office/officeart/2005/8/layout/hProcess6"/>
+    <dgm:cxn modelId="{DE252CB5-1A6D-473B-9007-59D5EAC84FBD}" srcId="{33910736-E7E5-4D68-913F-F914574A38D9}" destId="{ECFE5E60-A45F-4A6C-A0A2-93E95A102C4D}" srcOrd="3" destOrd="0" parTransId="{F0F1A5AA-F6F2-47B3-81E8-AC35C74B8BB5}" sibTransId="{55FF083E-BDFD-40D1-BC7A-65D8A363B5D8}"/>
+    <dgm:cxn modelId="{A7A3ADDC-220B-4039-AA52-7DD32CE56B7E}" type="presOf" srcId="{00BEF61B-64AB-4507-8256-19F2151FDFFE}" destId="{3A47942D-F653-4E27-8DCE-901272FEE80E}" srcOrd="0" destOrd="1" presId="urn:microsoft.com/office/officeart/2005/8/layout/hProcess6"/>
+    <dgm:cxn modelId="{D7EFFFB5-0552-4909-8DDF-BF75FBE1BC22}" type="presOf" srcId="{58119C76-4984-462F-82F2-85A60210DC17}" destId="{D93DC97F-A559-4F81-B5E3-0D1F0358FADD}" srcOrd="0" destOrd="1" presId="urn:microsoft.com/office/officeart/2005/8/layout/hProcess6"/>
+    <dgm:cxn modelId="{09893035-CDA9-4785-A600-36B21795EF13}" type="presOf" srcId="{E9959C7C-A836-42F4-8C21-07E6E1E0A07B}" destId="{2BB27DAE-17AF-42A6-8C0B-27FC2E586500}" srcOrd="1" destOrd="4" presId="urn:microsoft.com/office/officeart/2005/8/layout/hProcess6"/>
+    <dgm:cxn modelId="{60DC43B1-778F-430D-9F9B-0B1E55491FF5}" type="presOf" srcId="{BD2859D2-8868-4E0A-B032-02FE535A0461}" destId="{2BB27DAE-17AF-42A6-8C0B-27FC2E586500}" srcOrd="1" destOrd="0" presId="urn:microsoft.com/office/officeart/2005/8/layout/hProcess6"/>
+    <dgm:cxn modelId="{4739C6AA-09DF-413D-A721-ABF34980D27F}" srcId="{5C739A88-C0D4-43AD-B790-9DE83CEA6320}" destId="{9FED2E69-5BF8-4366-B4B6-A5B55DC7EFC2}" srcOrd="0" destOrd="0" parTransId="{54E2D834-1A3F-4C68-9036-1C7CB82C93F2}" sibTransId="{4C019CE6-7468-482D-A229-AF41F083EF62}"/>
+    <dgm:cxn modelId="{F6E34343-ACCE-46D4-88F9-5C9097F65776}" srcId="{5C739A88-C0D4-43AD-B790-9DE83CEA6320}" destId="{CAE40E53-7FC7-43E7-9574-E380753DE585}" srcOrd="1" destOrd="0" parTransId="{C2992FBD-11DA-4F7F-A2EE-C691452357A7}" sibTransId="{E95CCB17-460F-4972-9D64-3497D79AECD7}"/>
+    <dgm:cxn modelId="{3EDBF011-A491-4BAB-9703-98DF2064E2B8}" srcId="{6348F30D-A460-40D8-9B72-1FE87B5194A2}" destId="{33910736-E7E5-4D68-913F-F914574A38D9}" srcOrd="1" destOrd="0" parTransId="{3A3EA3A0-C04C-4A0F-92CE-3198F50AF6CE}" sibTransId="{3940A3F2-77B5-44D3-81B8-E309CB7B0269}"/>
+    <dgm:cxn modelId="{19FA18E9-EEA6-4747-84E9-DEA31CBDA19A}" type="presOf" srcId="{CA240134-F241-443B-ACE8-AD662391FE29}" destId="{D93DC97F-A559-4F81-B5E3-0D1F0358FADD}" srcOrd="0" destOrd="0" presId="urn:microsoft.com/office/officeart/2005/8/layout/hProcess6"/>
+    <dgm:cxn modelId="{2238831B-035A-4FA6-A38E-D7FD67BE879F}" type="presOf" srcId="{ECFE5E60-A45F-4A6C-A0A2-93E95A102C4D}" destId="{2BB27DAE-17AF-42A6-8C0B-27FC2E586500}" srcOrd="1" destOrd="3" presId="urn:microsoft.com/office/officeart/2005/8/layout/hProcess6"/>
+    <dgm:cxn modelId="{E5636ABF-AEED-41B6-8949-5C5EF40694C1}" type="presOf" srcId="{CAE40E53-7FC7-43E7-9574-E380753DE585}" destId="{4FAAE57B-8F73-47E8-8196-E53C7EB94B82}" srcOrd="0" destOrd="1" presId="urn:microsoft.com/office/officeart/2005/8/layout/hProcess6"/>
+    <dgm:cxn modelId="{08656B47-9EBA-49D9-93B2-83CF071BB143}" srcId="{33910736-E7E5-4D68-913F-F914574A38D9}" destId="{E9959C7C-A836-42F4-8C21-07E6E1E0A07B}" srcOrd="4" destOrd="0" parTransId="{9AB12534-79E3-4BE7-B7CC-7C0498A1494D}" sibTransId="{67140345-5160-4AAE-9028-45B31638D9FB}"/>
+    <dgm:cxn modelId="{9C613DC5-27E9-49A2-98D7-9897EDEE986C}" type="presOf" srcId="{E9959C7C-A836-42F4-8C21-07E6E1E0A07B}" destId="{3A47942D-F653-4E27-8DCE-901272FEE80E}" srcOrd="0" destOrd="4" presId="urn:microsoft.com/office/officeart/2005/8/layout/hProcess6"/>
+    <dgm:cxn modelId="{5D504C23-BD6C-42DF-A8E2-87710FAF7BFD}" srcId="{2EB473B7-9FFD-4EAC-83E7-185D08B1B54F}" destId="{CA240134-F241-443B-ACE8-AD662391FE29}" srcOrd="0" destOrd="0" parTransId="{089A0B0A-97CB-4706-84E3-C89701706210}" sibTransId="{96C7EC47-86DC-41A7-94CD-3B456C142EE9}"/>
+    <dgm:cxn modelId="{EFC353AE-56DD-4C55-8439-24FC0B917312}" type="presOf" srcId="{CAE40E53-7FC7-43E7-9574-E380753DE585}" destId="{2D2307F9-2F11-4021-8916-1868ECFEEB1C}" srcOrd="1" destOrd="1" presId="urn:microsoft.com/office/officeart/2005/8/layout/hProcess6"/>
+    <dgm:cxn modelId="{CAAC5E0A-6ACD-46C1-BEE9-83F7F800FF51}" srcId="{2EB473B7-9FFD-4EAC-83E7-185D08B1B54F}" destId="{58119C76-4984-462F-82F2-85A60210DC17}" srcOrd="1" destOrd="0" parTransId="{4DAFBE6B-9760-409B-AD8E-7634C906397A}" sibTransId="{519DE7AD-64AA-48AE-849E-3EAC43A31286}"/>
+    <dgm:cxn modelId="{2041808D-98A9-463E-8488-78C90BEBD0E3}" type="presOf" srcId="{07454FFB-CB97-4853-81D0-C1317F92E5BF}" destId="{2BB27DAE-17AF-42A6-8C0B-27FC2E586500}" srcOrd="1" destOrd="2" presId="urn:microsoft.com/office/officeart/2005/8/layout/hProcess6"/>
+    <dgm:cxn modelId="{58F26F03-5A12-479D-9536-EA13C2ADFA4C}" type="presOf" srcId="{5C739A88-C0D4-43AD-B790-9DE83CEA6320}" destId="{7B5FE700-41D2-4FFC-B7F6-B6FCE3EEC496}" srcOrd="0" destOrd="0" presId="urn:microsoft.com/office/officeart/2005/8/layout/hProcess6"/>
+    <dgm:cxn modelId="{AC8CA077-3F3F-4D23-861E-CB3D8FD6CAFD}" type="presParOf" srcId="{C863B7C3-9191-4D43-B16D-2DE75C2C1848}" destId="{C6935BB6-5FDA-4202-B676-CB5C8ADAED2A}" srcOrd="0" destOrd="0" presId="urn:microsoft.com/office/officeart/2005/8/layout/hProcess6"/>
+    <dgm:cxn modelId="{35F3DE90-599C-42E6-90CD-28AFC2C80EA1}" type="presParOf" srcId="{C6935BB6-5FDA-4202-B676-CB5C8ADAED2A}" destId="{2A1D7183-3B15-44DC-86C1-681AB05E48FB}" srcOrd="0" destOrd="0" presId="urn:microsoft.com/office/officeart/2005/8/layout/hProcess6"/>
+    <dgm:cxn modelId="{A5E3815B-A02B-4419-8E6D-F05396E0F76B}" type="presParOf" srcId="{C6935BB6-5FDA-4202-B676-CB5C8ADAED2A}" destId="{4FAAE57B-8F73-47E8-8196-E53C7EB94B82}" srcOrd="1" destOrd="0" presId="urn:microsoft.com/office/officeart/2005/8/layout/hProcess6"/>
+    <dgm:cxn modelId="{2D1626B1-64E3-4410-BB78-1732FB908FA6}" type="presParOf" srcId="{C6935BB6-5FDA-4202-B676-CB5C8ADAED2A}" destId="{2D2307F9-2F11-4021-8916-1868ECFEEB1C}" srcOrd="2" destOrd="0" presId="urn:microsoft.com/office/officeart/2005/8/layout/hProcess6"/>
+    <dgm:cxn modelId="{03BAC349-3ED6-46E2-AC4E-17E6551F2A7C}" type="presParOf" srcId="{C6935BB6-5FDA-4202-B676-CB5C8ADAED2A}" destId="{7B5FE700-41D2-4FFC-B7F6-B6FCE3EEC496}" srcOrd="3" destOrd="0" presId="urn:microsoft.com/office/officeart/2005/8/layout/hProcess6"/>
+    <dgm:cxn modelId="{6ABDA676-C353-4B11-B67E-B1B8882631EC}" type="presParOf" srcId="{C863B7C3-9191-4D43-B16D-2DE75C2C1848}" destId="{32F682DD-C677-4A87-B02F-191716BA7F83}" srcOrd="1" destOrd="0" presId="urn:microsoft.com/office/officeart/2005/8/layout/hProcess6"/>
+    <dgm:cxn modelId="{D5A0EA05-E749-4605-9A42-5F5FC4ED04D4}" type="presParOf" srcId="{C863B7C3-9191-4D43-B16D-2DE75C2C1848}" destId="{85695EB7-B5D5-4728-8272-3E9278FB3F5D}" srcOrd="2" destOrd="0" presId="urn:microsoft.com/office/officeart/2005/8/layout/hProcess6"/>
+    <dgm:cxn modelId="{01B7214E-6A6A-4021-B47D-D4542FB38385}" type="presParOf" srcId="{85695EB7-B5D5-4728-8272-3E9278FB3F5D}" destId="{113A6143-68E6-4164-BA19-7B7179D08F29}" srcOrd="0" destOrd="0" presId="urn:microsoft.com/office/officeart/2005/8/layout/hProcess6"/>
+    <dgm:cxn modelId="{AE837F37-6562-46BE-B2EA-7ED3CDC83D7B}" type="presParOf" srcId="{85695EB7-B5D5-4728-8272-3E9278FB3F5D}" destId="{3A47942D-F653-4E27-8DCE-901272FEE80E}" srcOrd="1" destOrd="0" presId="urn:microsoft.com/office/officeart/2005/8/layout/hProcess6"/>
+    <dgm:cxn modelId="{88D27D6C-6FB3-4819-84BD-50D9D2832BB9}" type="presParOf" srcId="{85695EB7-B5D5-4728-8272-3E9278FB3F5D}" destId="{2BB27DAE-17AF-42A6-8C0B-27FC2E586500}" srcOrd="2" destOrd="0" presId="urn:microsoft.com/office/officeart/2005/8/layout/hProcess6"/>
+    <dgm:cxn modelId="{2487C4D2-04D7-449C-8313-79D4BB59B714}" type="presParOf" srcId="{85695EB7-B5D5-4728-8272-3E9278FB3F5D}" destId="{2FE020A4-903A-4B0B-983A-92B4AA6EA0D6}" srcOrd="3" destOrd="0" presId="urn:microsoft.com/office/officeart/2005/8/layout/hProcess6"/>
+    <dgm:cxn modelId="{B79EE756-0DF0-4EE3-B0A5-AC80E7DF779D}" type="presParOf" srcId="{C863B7C3-9191-4D43-B16D-2DE75C2C1848}" destId="{CDDF4F0C-302F-4AA3-A3F4-C87B85A963EB}" srcOrd="3" destOrd="0" presId="urn:microsoft.com/office/officeart/2005/8/layout/hProcess6"/>
+    <dgm:cxn modelId="{036598A7-94D7-434F-A784-04705997D712}" type="presParOf" srcId="{C863B7C3-9191-4D43-B16D-2DE75C2C1848}" destId="{B1AEEC3C-C84A-4E38-ADC2-D4A5AC1D13F2}" srcOrd="4" destOrd="0" presId="urn:microsoft.com/office/officeart/2005/8/layout/hProcess6"/>
+    <dgm:cxn modelId="{B70BBDCF-6377-4A7D-9396-602FED7FA8A6}" type="presParOf" srcId="{B1AEEC3C-C84A-4E38-ADC2-D4A5AC1D13F2}" destId="{ED3750C9-95C6-4790-9D81-567C62888650}" srcOrd="0" destOrd="0" presId="urn:microsoft.com/office/officeart/2005/8/layout/hProcess6"/>
+    <dgm:cxn modelId="{2443E7ED-1293-4C37-9EE8-CD9534DB4943}" type="presParOf" srcId="{B1AEEC3C-C84A-4E38-ADC2-D4A5AC1D13F2}" destId="{D93DC97F-A559-4F81-B5E3-0D1F0358FADD}" srcOrd="1" destOrd="0" presId="urn:microsoft.com/office/officeart/2005/8/layout/hProcess6"/>
+    <dgm:cxn modelId="{D5D5BDFC-C054-44A0-9EEA-F02D3E915E3C}" type="presParOf" srcId="{B1AEEC3C-C84A-4E38-ADC2-D4A5AC1D13F2}" destId="{7DEC833D-11C3-4133-8A36-0D9C5C991E40}" srcOrd="2" destOrd="0" presId="urn:microsoft.com/office/officeart/2005/8/layout/hProcess6"/>
+    <dgm:cxn modelId="{59134496-3A5E-4D90-A251-3E44FA9A1D82}" type="presParOf" srcId="{B1AEEC3C-C84A-4E38-ADC2-D4A5AC1D13F2}" destId="{B29A4978-18A9-49DF-9FCA-0D3F5E92EF4B}" srcOrd="3" destOrd="0" presId="urn:microsoft.com/office/officeart/2005/8/layout/hProcess6"/>
+  </dgm:cxnLst>
+  <dgm:bg/>
+  <dgm:whole/>
+  <dgm:extLst>
+    <a:ext uri="http://schemas.microsoft.com/office/drawing/2008/diagram">
+      <dsp:dataModelExt xmlns:dsp="http://schemas.microsoft.com/office/drawing/2008/diagram" relId="rId6" minVer="http://schemas.openxmlformats.org/drawingml/2006/diagram"/>
+    </a:ext>
+  </dgm:extLst>
+</dgm:dataModel>
+</file>
+
+<file path=ppt/diagrams/data2.xml><?xml version="1.0" encoding="utf-8"?>
+<dgm:dataModel xmlns:dgm="http://schemas.openxmlformats.org/drawingml/2006/diagram" xmlns:a="http://schemas.openxmlformats.org/drawingml/2006/main">
+  <dgm:ptLst>
     <dgm:pt modelId="{FAF73300-3115-470A-8A8E-828DA1BF7AD0}" type="doc">
       <dgm:prSet loTypeId="urn:microsoft.com/office/officeart/2005/8/layout/hProcess4" loCatId="process" qsTypeId="urn:microsoft.com/office/officeart/2005/8/quickstyle/simple1" qsCatId="simple" csTypeId="urn:microsoft.com/office/officeart/2005/8/colors/accent1_2" csCatId="accent1" phldr="1"/>
       <dgm:spPr/>
@@ -1285,34 +2754,6 @@
         </dgm:presLayoutVars>
       </dgm:prSet>
       <dgm:spPr/>
-    </dgm:pt>
-    <dgm:pt modelId="{4CE26552-384B-4A39-8A6D-A4F3B34E0781}" type="pres">
-      <dgm:prSet presAssocID="{FAF73300-3115-470A-8A8E-828DA1BF7AD0}" presName="tSp" presStyleCnt="0"/>
-      <dgm:spPr/>
-    </dgm:pt>
-    <dgm:pt modelId="{647A131E-4D0A-4407-A8B9-9943507FAA84}" type="pres">
-      <dgm:prSet presAssocID="{FAF73300-3115-470A-8A8E-828DA1BF7AD0}" presName="bSp" presStyleCnt="0"/>
-      <dgm:spPr/>
-    </dgm:pt>
-    <dgm:pt modelId="{AF3F0165-A4A5-49A6-9707-238BAF0CE611}" type="pres">
-      <dgm:prSet presAssocID="{FAF73300-3115-470A-8A8E-828DA1BF7AD0}" presName="process" presStyleCnt="0"/>
-      <dgm:spPr/>
-    </dgm:pt>
-    <dgm:pt modelId="{B592D2B0-E8B2-40F2-9FB7-4F9EF9FED9DA}" type="pres">
-      <dgm:prSet presAssocID="{EA2CAFA9-004D-447D-B834-0A45268C6C5D}" presName="composite1" presStyleCnt="0"/>
-      <dgm:spPr/>
-    </dgm:pt>
-    <dgm:pt modelId="{14D732E4-A352-4F37-AC07-DD879CC08D43}" type="pres">
-      <dgm:prSet presAssocID="{EA2CAFA9-004D-447D-B834-0A45268C6C5D}" presName="dummyNode1" presStyleLbl="node1" presStyleIdx="0" presStyleCnt="4"/>
-      <dgm:spPr/>
-    </dgm:pt>
-    <dgm:pt modelId="{6D817B16-34A3-453B-B7EE-C6A3092D8253}" type="pres">
-      <dgm:prSet presAssocID="{EA2CAFA9-004D-447D-B834-0A45268C6C5D}" presName="childNode1" presStyleLbl="bgAcc1" presStyleIdx="0" presStyleCnt="4">
-        <dgm:presLayoutVars>
-          <dgm:bulletEnabled val="1"/>
-        </dgm:presLayoutVars>
-      </dgm:prSet>
-      <dgm:spPr/>
       <dgm:t>
         <a:bodyPr/>
         <a:lstStyle/>
@@ -1321,8 +2762,28 @@
         </a:p>
       </dgm:t>
     </dgm:pt>
-    <dgm:pt modelId="{8A3448E1-D14F-46CE-B2C2-D988D1B6DB35}" type="pres">
-      <dgm:prSet presAssocID="{EA2CAFA9-004D-447D-B834-0A45268C6C5D}" presName="childNode1tx" presStyleLbl="bgAcc1" presStyleIdx="0" presStyleCnt="4">
+    <dgm:pt modelId="{4CE26552-384B-4A39-8A6D-A4F3B34E0781}" type="pres">
+      <dgm:prSet presAssocID="{FAF73300-3115-470A-8A8E-828DA1BF7AD0}" presName="tSp" presStyleCnt="0"/>
+      <dgm:spPr/>
+    </dgm:pt>
+    <dgm:pt modelId="{647A131E-4D0A-4407-A8B9-9943507FAA84}" type="pres">
+      <dgm:prSet presAssocID="{FAF73300-3115-470A-8A8E-828DA1BF7AD0}" presName="bSp" presStyleCnt="0"/>
+      <dgm:spPr/>
+    </dgm:pt>
+    <dgm:pt modelId="{AF3F0165-A4A5-49A6-9707-238BAF0CE611}" type="pres">
+      <dgm:prSet presAssocID="{FAF73300-3115-470A-8A8E-828DA1BF7AD0}" presName="process" presStyleCnt="0"/>
+      <dgm:spPr/>
+    </dgm:pt>
+    <dgm:pt modelId="{B592D2B0-E8B2-40F2-9FB7-4F9EF9FED9DA}" type="pres">
+      <dgm:prSet presAssocID="{EA2CAFA9-004D-447D-B834-0A45268C6C5D}" presName="composite1" presStyleCnt="0"/>
+      <dgm:spPr/>
+    </dgm:pt>
+    <dgm:pt modelId="{14D732E4-A352-4F37-AC07-DD879CC08D43}" type="pres">
+      <dgm:prSet presAssocID="{EA2CAFA9-004D-447D-B834-0A45268C6C5D}" presName="dummyNode1" presStyleLbl="node1" presStyleIdx="0" presStyleCnt="4"/>
+      <dgm:spPr/>
+    </dgm:pt>
+    <dgm:pt modelId="{6D817B16-34A3-453B-B7EE-C6A3092D8253}" type="pres">
+      <dgm:prSet presAssocID="{EA2CAFA9-004D-447D-B834-0A45268C6C5D}" presName="childNode1" presStyleLbl="bgAcc1" presStyleIdx="0" presStyleCnt="4">
         <dgm:presLayoutVars>
           <dgm:bulletEnabled val="1"/>
         </dgm:presLayoutVars>
@@ -1336,6 +2797,21 @@
         </a:p>
       </dgm:t>
     </dgm:pt>
+    <dgm:pt modelId="{8A3448E1-D14F-46CE-B2C2-D988D1B6DB35}" type="pres">
+      <dgm:prSet presAssocID="{EA2CAFA9-004D-447D-B834-0A45268C6C5D}" presName="childNode1tx" presStyleLbl="bgAcc1" presStyleIdx="0" presStyleCnt="4">
+        <dgm:presLayoutVars>
+          <dgm:bulletEnabled val="1"/>
+        </dgm:presLayoutVars>
+      </dgm:prSet>
+      <dgm:spPr/>
+      <dgm:t>
+        <a:bodyPr/>
+        <a:lstStyle/>
+        <a:p>
+          <a:endParaRPr lang="fr-FR"/>
+        </a:p>
+      </dgm:t>
+    </dgm:pt>
     <dgm:pt modelId="{5D8B9927-194A-498B-AB2A-AFD28582052F}" type="pres">
       <dgm:prSet presAssocID="{EA2CAFA9-004D-447D-B834-0A45268C6C5D}" presName="parentNode1" presStyleLbl="node1" presStyleIdx="0" presStyleCnt="4">
         <dgm:presLayoutVars>
@@ -1344,30 +2820,6 @@
         </dgm:presLayoutVars>
       </dgm:prSet>
       <dgm:spPr/>
-    </dgm:pt>
-    <dgm:pt modelId="{69362588-C980-4BA0-A3D9-014B33C5F06B}" type="pres">
-      <dgm:prSet presAssocID="{EA2CAFA9-004D-447D-B834-0A45268C6C5D}" presName="connSite1" presStyleCnt="0"/>
-      <dgm:spPr/>
-    </dgm:pt>
-    <dgm:pt modelId="{3B0BDA38-06A5-494D-A526-714EB7587A11}" type="pres">
-      <dgm:prSet presAssocID="{BF007ED4-F845-4790-B078-09D520DF3410}" presName="Name9" presStyleLbl="sibTrans2D1" presStyleIdx="0" presStyleCnt="3" custFlipVert="0" custFlipHor="1" custScaleX="19704" custScaleY="69478" custLinFactX="170448" custLinFactNeighborX="200000" custLinFactNeighborY="87374"/>
-      <dgm:spPr/>
-    </dgm:pt>
-    <dgm:pt modelId="{E6712953-BAB6-484E-BB02-F91ACD9362A0}" type="pres">
-      <dgm:prSet presAssocID="{3B211297-8337-4EE7-83C8-3B1419769546}" presName="composite2" presStyleCnt="0"/>
-      <dgm:spPr/>
-    </dgm:pt>
-    <dgm:pt modelId="{08B4A3C0-FAA3-46F7-BE8E-FF1C2EC9D084}" type="pres">
-      <dgm:prSet presAssocID="{3B211297-8337-4EE7-83C8-3B1419769546}" presName="dummyNode2" presStyleLbl="node1" presStyleIdx="0" presStyleCnt="4"/>
-      <dgm:spPr/>
-    </dgm:pt>
-    <dgm:pt modelId="{ECA78CB7-E2AA-4686-9028-8827DE2DAFA2}" type="pres">
-      <dgm:prSet presAssocID="{3B211297-8337-4EE7-83C8-3B1419769546}" presName="childNode2" presStyleLbl="bgAcc1" presStyleIdx="1" presStyleCnt="4">
-        <dgm:presLayoutVars>
-          <dgm:bulletEnabled val="1"/>
-        </dgm:presLayoutVars>
-      </dgm:prSet>
-      <dgm:spPr/>
       <dgm:t>
         <a:bodyPr/>
         <a:lstStyle/>
@@ -1376,12 +2828,12 @@
         </a:p>
       </dgm:t>
     </dgm:pt>
-    <dgm:pt modelId="{0A3676ED-B4C8-4DAA-9090-0B76CB76B0BB}" type="pres">
-      <dgm:prSet presAssocID="{3B211297-8337-4EE7-83C8-3B1419769546}" presName="childNode2tx" presStyleLbl="bgAcc1" presStyleIdx="1" presStyleCnt="4">
-        <dgm:presLayoutVars>
-          <dgm:bulletEnabled val="1"/>
-        </dgm:presLayoutVars>
-      </dgm:prSet>
+    <dgm:pt modelId="{69362588-C980-4BA0-A3D9-014B33C5F06B}" type="pres">
+      <dgm:prSet presAssocID="{EA2CAFA9-004D-447D-B834-0A45268C6C5D}" presName="connSite1" presStyleCnt="0"/>
+      <dgm:spPr/>
+    </dgm:pt>
+    <dgm:pt modelId="{3B0BDA38-06A5-494D-A526-714EB7587A11}" type="pres">
+      <dgm:prSet presAssocID="{BF007ED4-F845-4790-B078-09D520DF3410}" presName="Name9" presStyleLbl="sibTrans2D1" presStyleIdx="0" presStyleCnt="3" custFlipVert="1" custFlipHor="1" custScaleX="3134" custScaleY="11052" custLinFactNeighborX="-88523" custLinFactNeighborY="77731"/>
       <dgm:spPr/>
       <dgm:t>
         <a:bodyPr/>
@@ -1391,6 +2843,44 @@
         </a:p>
       </dgm:t>
     </dgm:pt>
+    <dgm:pt modelId="{E6712953-BAB6-484E-BB02-F91ACD9362A0}" type="pres">
+      <dgm:prSet presAssocID="{3B211297-8337-4EE7-83C8-3B1419769546}" presName="composite2" presStyleCnt="0"/>
+      <dgm:spPr/>
+    </dgm:pt>
+    <dgm:pt modelId="{08B4A3C0-FAA3-46F7-BE8E-FF1C2EC9D084}" type="pres">
+      <dgm:prSet presAssocID="{3B211297-8337-4EE7-83C8-3B1419769546}" presName="dummyNode2" presStyleLbl="node1" presStyleIdx="0" presStyleCnt="4"/>
+      <dgm:spPr/>
+    </dgm:pt>
+    <dgm:pt modelId="{ECA78CB7-E2AA-4686-9028-8827DE2DAFA2}" type="pres">
+      <dgm:prSet presAssocID="{3B211297-8337-4EE7-83C8-3B1419769546}" presName="childNode2" presStyleLbl="bgAcc1" presStyleIdx="1" presStyleCnt="4">
+        <dgm:presLayoutVars>
+          <dgm:bulletEnabled val="1"/>
+        </dgm:presLayoutVars>
+      </dgm:prSet>
+      <dgm:spPr/>
+      <dgm:t>
+        <a:bodyPr/>
+        <a:lstStyle/>
+        <a:p>
+          <a:endParaRPr lang="fr-FR"/>
+        </a:p>
+      </dgm:t>
+    </dgm:pt>
+    <dgm:pt modelId="{0A3676ED-B4C8-4DAA-9090-0B76CB76B0BB}" type="pres">
+      <dgm:prSet presAssocID="{3B211297-8337-4EE7-83C8-3B1419769546}" presName="childNode2tx" presStyleLbl="bgAcc1" presStyleIdx="1" presStyleCnt="4">
+        <dgm:presLayoutVars>
+          <dgm:bulletEnabled val="1"/>
+        </dgm:presLayoutVars>
+      </dgm:prSet>
+      <dgm:spPr/>
+      <dgm:t>
+        <a:bodyPr/>
+        <a:lstStyle/>
+        <a:p>
+          <a:endParaRPr lang="fr-FR"/>
+        </a:p>
+      </dgm:t>
+    </dgm:pt>
     <dgm:pt modelId="{3CA1F84D-5630-4400-BFCD-3FE0C714F555}" type="pres">
       <dgm:prSet presAssocID="{3B211297-8337-4EE7-83C8-3B1419769546}" presName="parentNode2" presStyleLbl="node1" presStyleIdx="1" presStyleCnt="4">
         <dgm:presLayoutVars>
@@ -1414,22 +2904,6 @@
     <dgm:pt modelId="{8B97E957-269D-4920-B95B-59858A96440C}" type="pres">
       <dgm:prSet presAssocID="{7DB8C961-F8D4-4832-B59B-BF240D588C86}" presName="Name18" presStyleLbl="sibTrans2D1" presStyleIdx="1" presStyleCnt="3"/>
       <dgm:spPr/>
-    </dgm:pt>
-    <dgm:pt modelId="{33721614-1074-402A-BED7-A3CC696C3DDD}" type="pres">
-      <dgm:prSet presAssocID="{8FA2C109-95FD-442F-AED8-F1C5FAD60565}" presName="composite1" presStyleCnt="0"/>
-      <dgm:spPr/>
-    </dgm:pt>
-    <dgm:pt modelId="{A2182087-1198-4620-A58B-649F1679FBF1}" type="pres">
-      <dgm:prSet presAssocID="{8FA2C109-95FD-442F-AED8-F1C5FAD60565}" presName="dummyNode1" presStyleLbl="node1" presStyleIdx="1" presStyleCnt="4"/>
-      <dgm:spPr/>
-    </dgm:pt>
-    <dgm:pt modelId="{A3688BDC-21BE-446C-8DCD-41FF61233B52}" type="pres">
-      <dgm:prSet presAssocID="{8FA2C109-95FD-442F-AED8-F1C5FAD60565}" presName="childNode1" presStyleLbl="bgAcc1" presStyleIdx="2" presStyleCnt="4">
-        <dgm:presLayoutVars>
-          <dgm:bulletEnabled val="1"/>
-        </dgm:presLayoutVars>
-      </dgm:prSet>
-      <dgm:spPr/>
       <dgm:t>
         <a:bodyPr/>
         <a:lstStyle/>
@@ -1438,8 +2912,16 @@
         </a:p>
       </dgm:t>
     </dgm:pt>
-    <dgm:pt modelId="{689A7F12-FECA-4320-BD7E-05DE521A82C8}" type="pres">
-      <dgm:prSet presAssocID="{8FA2C109-95FD-442F-AED8-F1C5FAD60565}" presName="childNode1tx" presStyleLbl="bgAcc1" presStyleIdx="2" presStyleCnt="4">
+    <dgm:pt modelId="{33721614-1074-402A-BED7-A3CC696C3DDD}" type="pres">
+      <dgm:prSet presAssocID="{8FA2C109-95FD-442F-AED8-F1C5FAD60565}" presName="composite1" presStyleCnt="0"/>
+      <dgm:spPr/>
+    </dgm:pt>
+    <dgm:pt modelId="{A2182087-1198-4620-A58B-649F1679FBF1}" type="pres">
+      <dgm:prSet presAssocID="{8FA2C109-95FD-442F-AED8-F1C5FAD60565}" presName="dummyNode1" presStyleLbl="node1" presStyleIdx="1" presStyleCnt="4"/>
+      <dgm:spPr/>
+    </dgm:pt>
+    <dgm:pt modelId="{A3688BDC-21BE-446C-8DCD-41FF61233B52}" type="pres">
+      <dgm:prSet presAssocID="{8FA2C109-95FD-442F-AED8-F1C5FAD60565}" presName="childNode1" presStyleLbl="bgAcc1" presStyleIdx="2" presStyleCnt="4">
         <dgm:presLayoutVars>
           <dgm:bulletEnabled val="1"/>
         </dgm:presLayoutVars>
@@ -1453,6 +2935,21 @@
         </a:p>
       </dgm:t>
     </dgm:pt>
+    <dgm:pt modelId="{689A7F12-FECA-4320-BD7E-05DE521A82C8}" type="pres">
+      <dgm:prSet presAssocID="{8FA2C109-95FD-442F-AED8-F1C5FAD60565}" presName="childNode1tx" presStyleLbl="bgAcc1" presStyleIdx="2" presStyleCnt="4">
+        <dgm:presLayoutVars>
+          <dgm:bulletEnabled val="1"/>
+        </dgm:presLayoutVars>
+      </dgm:prSet>
+      <dgm:spPr/>
+      <dgm:t>
+        <a:bodyPr/>
+        <a:lstStyle/>
+        <a:p>
+          <a:endParaRPr lang="fr-FR"/>
+        </a:p>
+      </dgm:t>
+    </dgm:pt>
     <dgm:pt modelId="{4E909613-F793-4365-B4BF-3E1AFD1FDE64}" type="pres">
       <dgm:prSet presAssocID="{8FA2C109-95FD-442F-AED8-F1C5FAD60565}" presName="parentNode1" presStyleLbl="node1" presStyleIdx="2" presStyleCnt="4">
         <dgm:presLayoutVars>
@@ -1461,30 +2958,6 @@
         </dgm:presLayoutVars>
       </dgm:prSet>
       <dgm:spPr/>
-    </dgm:pt>
-    <dgm:pt modelId="{9699BB19-2C79-4B97-AED6-6190605A606E}" type="pres">
-      <dgm:prSet presAssocID="{8FA2C109-95FD-442F-AED8-F1C5FAD60565}" presName="connSite1" presStyleCnt="0"/>
-      <dgm:spPr/>
-    </dgm:pt>
-    <dgm:pt modelId="{510AD030-05BA-4D06-A67B-464A74518A3D}" type="pres">
-      <dgm:prSet presAssocID="{C682A428-E1B0-4ED3-ABC1-872716A4D0FF}" presName="Name9" presStyleLbl="sibTrans2D1" presStyleIdx="2" presStyleCnt="3" custLinFactX="29203" custLinFactNeighborX="100000" custLinFactNeighborY="56771"/>
-      <dgm:spPr/>
-    </dgm:pt>
-    <dgm:pt modelId="{B0569BAE-EEC6-4A6A-96A3-7670682CEF69}" type="pres">
-      <dgm:prSet presAssocID="{D678C403-14EA-4C6D-A503-417D8D05546A}" presName="composite2" presStyleCnt="0"/>
-      <dgm:spPr/>
-    </dgm:pt>
-    <dgm:pt modelId="{BEA2A4E9-ADD6-46EF-A90A-F8D161CF3464}" type="pres">
-      <dgm:prSet presAssocID="{D678C403-14EA-4C6D-A503-417D8D05546A}" presName="dummyNode2" presStyleLbl="node1" presStyleIdx="2" presStyleCnt="4"/>
-      <dgm:spPr/>
-    </dgm:pt>
-    <dgm:pt modelId="{AB0DA6FD-8686-4C31-92CE-CE5EE5B6D22F}" type="pres">
-      <dgm:prSet presAssocID="{D678C403-14EA-4C6D-A503-417D8D05546A}" presName="childNode2" presStyleLbl="bgAcc1" presStyleIdx="3" presStyleCnt="4">
-        <dgm:presLayoutVars>
-          <dgm:bulletEnabled val="1"/>
-        </dgm:presLayoutVars>
-      </dgm:prSet>
-      <dgm:spPr/>
       <dgm:t>
         <a:bodyPr/>
         <a:lstStyle/>
@@ -1493,12 +2966,12 @@
         </a:p>
       </dgm:t>
     </dgm:pt>
-    <dgm:pt modelId="{C0D649B4-858A-4CD3-A6E7-9D95A6619843}" type="pres">
-      <dgm:prSet presAssocID="{D678C403-14EA-4C6D-A503-417D8D05546A}" presName="childNode2tx" presStyleLbl="bgAcc1" presStyleIdx="3" presStyleCnt="4">
-        <dgm:presLayoutVars>
-          <dgm:bulletEnabled val="1"/>
-        </dgm:presLayoutVars>
-      </dgm:prSet>
+    <dgm:pt modelId="{9699BB19-2C79-4B97-AED6-6190605A606E}" type="pres">
+      <dgm:prSet presAssocID="{8FA2C109-95FD-442F-AED8-F1C5FAD60565}" presName="connSite1" presStyleCnt="0"/>
+      <dgm:spPr/>
+    </dgm:pt>
+    <dgm:pt modelId="{510AD030-05BA-4D06-A67B-464A74518A3D}" type="pres">
+      <dgm:prSet presAssocID="{C682A428-E1B0-4ED3-ABC1-872716A4D0FF}" presName="Name9" presStyleLbl="sibTrans2D1" presStyleIdx="2" presStyleCnt="3" custFlipVert="1" custScaleX="6269" custScaleY="6269" custLinFactX="-182247" custLinFactNeighborX="-200000" custLinFactNeighborY="72035"/>
       <dgm:spPr/>
       <dgm:t>
         <a:bodyPr/>
@@ -1508,6 +2981,44 @@
         </a:p>
       </dgm:t>
     </dgm:pt>
+    <dgm:pt modelId="{B0569BAE-EEC6-4A6A-96A3-7670682CEF69}" type="pres">
+      <dgm:prSet presAssocID="{D678C403-14EA-4C6D-A503-417D8D05546A}" presName="composite2" presStyleCnt="0"/>
+      <dgm:spPr/>
+    </dgm:pt>
+    <dgm:pt modelId="{BEA2A4E9-ADD6-46EF-A90A-F8D161CF3464}" type="pres">
+      <dgm:prSet presAssocID="{D678C403-14EA-4C6D-A503-417D8D05546A}" presName="dummyNode2" presStyleLbl="node1" presStyleIdx="2" presStyleCnt="4"/>
+      <dgm:spPr/>
+    </dgm:pt>
+    <dgm:pt modelId="{AB0DA6FD-8686-4C31-92CE-CE5EE5B6D22F}" type="pres">
+      <dgm:prSet presAssocID="{D678C403-14EA-4C6D-A503-417D8D05546A}" presName="childNode2" presStyleLbl="bgAcc1" presStyleIdx="3" presStyleCnt="4">
+        <dgm:presLayoutVars>
+          <dgm:bulletEnabled val="1"/>
+        </dgm:presLayoutVars>
+      </dgm:prSet>
+      <dgm:spPr/>
+      <dgm:t>
+        <a:bodyPr/>
+        <a:lstStyle/>
+        <a:p>
+          <a:endParaRPr lang="fr-FR"/>
+        </a:p>
+      </dgm:t>
+    </dgm:pt>
+    <dgm:pt modelId="{C0D649B4-858A-4CD3-A6E7-9D95A6619843}" type="pres">
+      <dgm:prSet presAssocID="{D678C403-14EA-4C6D-A503-417D8D05546A}" presName="childNode2tx" presStyleLbl="bgAcc1" presStyleIdx="3" presStyleCnt="4">
+        <dgm:presLayoutVars>
+          <dgm:bulletEnabled val="1"/>
+        </dgm:presLayoutVars>
+      </dgm:prSet>
+      <dgm:spPr/>
+      <dgm:t>
+        <a:bodyPr/>
+        <a:lstStyle/>
+        <a:p>
+          <a:endParaRPr lang="fr-FR"/>
+        </a:p>
+      </dgm:t>
+    </dgm:pt>
     <dgm:pt modelId="{02F2E62D-5EE5-4B4D-A2CB-CB16D1222223}" type="pres">
       <dgm:prSet presAssocID="{D678C403-14EA-4C6D-A503-417D8D05546A}" presName="parentNode2" presStyleLbl="node1" presStyleIdx="3" presStyleCnt="4">
         <dgm:presLayoutVars>
@@ -1516,6 +3027,13 @@
         </dgm:presLayoutVars>
       </dgm:prSet>
       <dgm:spPr/>
+      <dgm:t>
+        <a:bodyPr/>
+        <a:lstStyle/>
+        <a:p>
+          <a:endParaRPr lang="fr-FR"/>
+        </a:p>
+      </dgm:t>
     </dgm:pt>
     <dgm:pt modelId="{CEE4841E-D959-4DA5-AC07-3923E1376689}" type="pres">
       <dgm:prSet presAssocID="{D678C403-14EA-4C6D-A503-417D8D05546A}" presName="connSite2" presStyleCnt="0"/>
@@ -1523,39 +3041,39 @@
     </dgm:pt>
   </dgm:ptLst>
   <dgm:cxnLst>
-    <dgm:cxn modelId="{342D8C50-A01F-469C-9CCF-E265B08FCF68}" type="presOf" srcId="{1D152E37-8CB0-450A-B5C0-5DAED8D1CBED}" destId="{AB0DA6FD-8686-4C31-92CE-CE5EE5B6D22F}" srcOrd="0" destOrd="0" presId="urn:microsoft.com/office/officeart/2005/8/layout/hProcess4"/>
-    <dgm:cxn modelId="{B9D9303F-F510-4A57-BFC0-955F7A53C819}" srcId="{FAF73300-3115-470A-8A8E-828DA1BF7AD0}" destId="{D678C403-14EA-4C6D-A503-417D8D05546A}" srcOrd="3" destOrd="0" parTransId="{8265272E-F2CF-4B14-85CE-9553BFE77F34}" sibTransId="{A7E2645A-B6F5-4EDB-9AC0-85E6D0D0B9E2}"/>
+    <dgm:cxn modelId="{21FCFB38-A33C-4A68-8477-05F75CA85708}" type="presOf" srcId="{FA69AAAF-629B-441B-A643-5C62643C16CF}" destId="{ECA78CB7-E2AA-4686-9028-8827DE2DAFA2}" srcOrd="0" destOrd="0" presId="urn:microsoft.com/office/officeart/2005/8/layout/hProcess4"/>
+    <dgm:cxn modelId="{E2595E6F-7CBA-4B06-A8BA-0B75B1E96838}" type="presOf" srcId="{D678C403-14EA-4C6D-A503-417D8D05546A}" destId="{02F2E62D-5EE5-4B4D-A2CB-CB16D1222223}" srcOrd="0" destOrd="0" presId="urn:microsoft.com/office/officeart/2005/8/layout/hProcess4"/>
+    <dgm:cxn modelId="{492946B7-4F41-4473-9CAC-FBB4ABFF52B0}" srcId="{EA2CAFA9-004D-447D-B834-0A45268C6C5D}" destId="{D24A81A1-35C3-4C9A-952F-B8E5F2CE8F50}" srcOrd="0" destOrd="0" parTransId="{0790AF14-2D85-45C8-BD1E-3BA8693BCA74}" sibTransId="{E4CB4A40-1C64-4336-BF20-382393C297C6}"/>
+    <dgm:cxn modelId="{60B9DF1A-2A57-4D8D-8845-861E479AC606}" type="presOf" srcId="{EC663F73-A58E-4F8B-8ECB-5313600EA69E}" destId="{689A7F12-FECA-4320-BD7E-05DE521A82C8}" srcOrd="1" destOrd="0" presId="urn:microsoft.com/office/officeart/2005/8/layout/hProcess4"/>
+    <dgm:cxn modelId="{0FCA9953-491E-4A93-8FC2-393D97D0FF0E}" type="presOf" srcId="{1D152E37-8CB0-450A-B5C0-5DAED8D1CBED}" destId="{C0D649B4-858A-4CD3-A6E7-9D95A6619843}" srcOrd="1" destOrd="0" presId="urn:microsoft.com/office/officeart/2005/8/layout/hProcess4"/>
+    <dgm:cxn modelId="{C987B273-AFD4-4959-9523-FA9161DDD0E7}" type="presOf" srcId="{3B211297-8337-4EE7-83C8-3B1419769546}" destId="{3CA1F84D-5630-4400-BFCD-3FE0C714F555}" srcOrd="0" destOrd="0" presId="urn:microsoft.com/office/officeart/2005/8/layout/hProcess4"/>
+    <dgm:cxn modelId="{153D2E64-66C7-4FBA-8814-C8D4B35455BF}" type="presOf" srcId="{5611A378-2C7D-42A6-8AF0-B4C17EFD918F}" destId="{689A7F12-FECA-4320-BD7E-05DE521A82C8}" srcOrd="1" destOrd="1" presId="urn:microsoft.com/office/officeart/2005/8/layout/hProcess4"/>
+    <dgm:cxn modelId="{04A925D4-FE87-4714-AD50-DA787CC5BA35}" type="presOf" srcId="{BF007ED4-F845-4790-B078-09D520DF3410}" destId="{3B0BDA38-06A5-494D-A526-714EB7587A11}" srcOrd="0" destOrd="0" presId="urn:microsoft.com/office/officeart/2005/8/layout/hProcess4"/>
+    <dgm:cxn modelId="{B634F5D7-B4C3-468F-940A-87B9811ED22B}" type="presOf" srcId="{EA2CAFA9-004D-447D-B834-0A45268C6C5D}" destId="{5D8B9927-194A-498B-AB2A-AFD28582052F}" srcOrd="0" destOrd="0" presId="urn:microsoft.com/office/officeart/2005/8/layout/hProcess4"/>
+    <dgm:cxn modelId="{E2319D65-40B5-4EA3-80F0-11154E69222D}" srcId="{D678C403-14EA-4C6D-A503-417D8D05546A}" destId="{8CB3C6E1-FECD-4E27-B615-80E99CC3DE54}" srcOrd="1" destOrd="0" parTransId="{26C9A454-465F-4621-BEFD-DDE2E26542AE}" sibTransId="{8AFAFED0-29A1-4E4F-B2F3-CFD636F40830}"/>
+    <dgm:cxn modelId="{EEDE04D7-B19E-44DB-941C-218ABBC3289D}" type="presOf" srcId="{D24A81A1-35C3-4C9A-952F-B8E5F2CE8F50}" destId="{6D817B16-34A3-453B-B7EE-C6A3092D8253}" srcOrd="0" destOrd="0" presId="urn:microsoft.com/office/officeart/2005/8/layout/hProcess4"/>
+    <dgm:cxn modelId="{CAB21465-2598-4C93-84EE-7DC04EF84093}" srcId="{FAF73300-3115-470A-8A8E-828DA1BF7AD0}" destId="{3B211297-8337-4EE7-83C8-3B1419769546}" srcOrd="1" destOrd="0" parTransId="{AAEF71B0-52A3-4386-A91C-6341F94056E4}" sibTransId="{7DB8C961-F8D4-4832-B59B-BF240D588C86}"/>
+    <dgm:cxn modelId="{A923C610-5D38-4CA8-AE63-041DC99BC1E4}" type="presOf" srcId="{D24A81A1-35C3-4C9A-952F-B8E5F2CE8F50}" destId="{8A3448E1-D14F-46CE-B2C2-D988D1B6DB35}" srcOrd="1" destOrd="0" presId="urn:microsoft.com/office/officeart/2005/8/layout/hProcess4"/>
+    <dgm:cxn modelId="{86047CB9-0702-4273-A9DF-3CA800AAE9E3}" srcId="{8FA2C109-95FD-442F-AED8-F1C5FAD60565}" destId="{EC663F73-A58E-4F8B-8ECB-5313600EA69E}" srcOrd="0" destOrd="0" parTransId="{D9D40C8A-B52E-4F2F-A182-E868C4124018}" sibTransId="{74C30806-A55F-425D-A535-46CBFFA33261}"/>
     <dgm:cxn modelId="{B4DB477F-D2F0-477C-81C1-335C5C3C8DDB}" type="presOf" srcId="{FAF73300-3115-470A-8A8E-828DA1BF7AD0}" destId="{976B900F-A4CB-4F54-A328-137471F2BDD4}" srcOrd="0" destOrd="0" presId="urn:microsoft.com/office/officeart/2005/8/layout/hProcess4"/>
-    <dgm:cxn modelId="{CAB21465-2598-4C93-84EE-7DC04EF84093}" srcId="{FAF73300-3115-470A-8A8E-828DA1BF7AD0}" destId="{3B211297-8337-4EE7-83C8-3B1419769546}" srcOrd="1" destOrd="0" parTransId="{AAEF71B0-52A3-4386-A91C-6341F94056E4}" sibTransId="{7DB8C961-F8D4-4832-B59B-BF240D588C86}"/>
-    <dgm:cxn modelId="{04A925D4-FE87-4714-AD50-DA787CC5BA35}" type="presOf" srcId="{BF007ED4-F845-4790-B078-09D520DF3410}" destId="{3B0BDA38-06A5-494D-A526-714EB7587A11}" srcOrd="0" destOrd="0" presId="urn:microsoft.com/office/officeart/2005/8/layout/hProcess4"/>
+    <dgm:cxn modelId="{A44BE47E-7483-486B-95A8-54A8BADADC24}" type="presOf" srcId="{8CB3C6E1-FECD-4E27-B615-80E99CC3DE54}" destId="{AB0DA6FD-8686-4C31-92CE-CE5EE5B6D22F}" srcOrd="0" destOrd="1" presId="urn:microsoft.com/office/officeart/2005/8/layout/hProcess4"/>
+    <dgm:cxn modelId="{A913EF0C-FD9C-43BE-BD88-A97C624386ED}" type="presOf" srcId="{8FA2C109-95FD-442F-AED8-F1C5FAD60565}" destId="{4E909613-F793-4365-B4BF-3E1AFD1FDE64}" srcOrd="0" destOrd="0" presId="urn:microsoft.com/office/officeart/2005/8/layout/hProcess4"/>
+    <dgm:cxn modelId="{6D8B5DC3-07B5-432E-B240-E0539CCE6121}" type="presOf" srcId="{8CB3C6E1-FECD-4E27-B615-80E99CC3DE54}" destId="{C0D649B4-858A-4CD3-A6E7-9D95A6619843}" srcOrd="1" destOrd="1" presId="urn:microsoft.com/office/officeart/2005/8/layout/hProcess4"/>
+    <dgm:cxn modelId="{BFB8EE23-6EF3-45B3-B8F1-4EC4A7430A67}" srcId="{3B211297-8337-4EE7-83C8-3B1419769546}" destId="{FFD26604-973E-480B-9DD4-634C28D4990A}" srcOrd="1" destOrd="0" parTransId="{373F7945-B261-4AD8-A250-25575DAB6C42}" sibTransId="{C1E1C29C-BD17-4EF7-8FE9-C10E1BDE5935}"/>
+    <dgm:cxn modelId="{2E16D823-CF18-4B2E-B884-5D792EEAB817}" type="presOf" srcId="{7DB8C961-F8D4-4832-B59B-BF240D588C86}" destId="{8B97E957-269D-4920-B95B-59858A96440C}" srcOrd="0" destOrd="0" presId="urn:microsoft.com/office/officeart/2005/8/layout/hProcess4"/>
     <dgm:cxn modelId="{739D2DA1-FA1E-4060-849F-56EB7C39F702}" srcId="{D678C403-14EA-4C6D-A503-417D8D05546A}" destId="{1D152E37-8CB0-450A-B5C0-5DAED8D1CBED}" srcOrd="0" destOrd="0" parTransId="{986D6C70-B7FA-4EAC-BD04-704D5F11ADA4}" sibTransId="{0764A8D1-14D6-4F86-98E5-69525CC68EF0}"/>
     <dgm:cxn modelId="{14630030-8FC9-4163-9DC2-274E456932DE}" type="presOf" srcId="{C682A428-E1B0-4ED3-ABC1-872716A4D0FF}" destId="{510AD030-05BA-4D06-A67B-464A74518A3D}" srcOrd="0" destOrd="0" presId="urn:microsoft.com/office/officeart/2005/8/layout/hProcess4"/>
+    <dgm:cxn modelId="{5F3086C4-5982-42BA-8320-76EBFD4D88FA}" srcId="{FAF73300-3115-470A-8A8E-828DA1BF7AD0}" destId="{8FA2C109-95FD-442F-AED8-F1C5FAD60565}" srcOrd="2" destOrd="0" parTransId="{024AD6C9-9E46-47D1-864B-63225475E022}" sibTransId="{C682A428-E1B0-4ED3-ABC1-872716A4D0FF}"/>
+    <dgm:cxn modelId="{611410D2-161D-4FFF-A3F9-009CD81CCE92}" srcId="{8FA2C109-95FD-442F-AED8-F1C5FAD60565}" destId="{5611A378-2C7D-42A6-8AF0-B4C17EFD918F}" srcOrd="1" destOrd="0" parTransId="{6D095644-42A4-4D1F-B024-8FB5EA87E756}" sibTransId="{5D43F6F8-FE65-4559-A07F-1C893BAAF2CB}"/>
+    <dgm:cxn modelId="{78BEF7EF-03DC-4FCA-A8CD-581B3E47BAFF}" srcId="{FAF73300-3115-470A-8A8E-828DA1BF7AD0}" destId="{EA2CAFA9-004D-447D-B834-0A45268C6C5D}" srcOrd="0" destOrd="0" parTransId="{A9888A4E-C61F-4A37-833D-44A861923F78}" sibTransId="{BF007ED4-F845-4790-B078-09D520DF3410}"/>
+    <dgm:cxn modelId="{A24167EF-A38C-45FC-A38A-941155B43D20}" type="presOf" srcId="{FA69AAAF-629B-441B-A643-5C62643C16CF}" destId="{0A3676ED-B4C8-4DAA-9090-0B76CB76B0BB}" srcOrd="1" destOrd="0" presId="urn:microsoft.com/office/officeart/2005/8/layout/hProcess4"/>
     <dgm:cxn modelId="{E0987999-78F8-47B2-9407-040AF6809005}" type="presOf" srcId="{EC663F73-A58E-4F8B-8ECB-5313600EA69E}" destId="{A3688BDC-21BE-446C-8DCD-41FF61233B52}" srcOrd="0" destOrd="0" presId="urn:microsoft.com/office/officeart/2005/8/layout/hProcess4"/>
-    <dgm:cxn modelId="{86047CB9-0702-4273-A9DF-3CA800AAE9E3}" srcId="{8FA2C109-95FD-442F-AED8-F1C5FAD60565}" destId="{EC663F73-A58E-4F8B-8ECB-5313600EA69E}" srcOrd="0" destOrd="0" parTransId="{D9D40C8A-B52E-4F2F-A182-E868C4124018}" sibTransId="{74C30806-A55F-425D-A535-46CBFFA33261}"/>
-    <dgm:cxn modelId="{5F3086C4-5982-42BA-8320-76EBFD4D88FA}" srcId="{FAF73300-3115-470A-8A8E-828DA1BF7AD0}" destId="{8FA2C109-95FD-442F-AED8-F1C5FAD60565}" srcOrd="2" destOrd="0" parTransId="{024AD6C9-9E46-47D1-864B-63225475E022}" sibTransId="{C682A428-E1B0-4ED3-ABC1-872716A4D0FF}"/>
-    <dgm:cxn modelId="{E2595E6F-7CBA-4B06-A8BA-0B75B1E96838}" type="presOf" srcId="{D678C403-14EA-4C6D-A503-417D8D05546A}" destId="{02F2E62D-5EE5-4B4D-A2CB-CB16D1222223}" srcOrd="0" destOrd="0" presId="urn:microsoft.com/office/officeart/2005/8/layout/hProcess4"/>
-    <dgm:cxn modelId="{C987B273-AFD4-4959-9523-FA9161DDD0E7}" type="presOf" srcId="{3B211297-8337-4EE7-83C8-3B1419769546}" destId="{3CA1F84D-5630-4400-BFCD-3FE0C714F555}" srcOrd="0" destOrd="0" presId="urn:microsoft.com/office/officeart/2005/8/layout/hProcess4"/>
+    <dgm:cxn modelId="{8C57AAFC-682C-4E90-8848-C3FADAF86A44}" type="presOf" srcId="{FFD26604-973E-480B-9DD4-634C28D4990A}" destId="{ECA78CB7-E2AA-4686-9028-8827DE2DAFA2}" srcOrd="0" destOrd="1" presId="urn:microsoft.com/office/officeart/2005/8/layout/hProcess4"/>
+    <dgm:cxn modelId="{342D8C50-A01F-469C-9CCF-E265B08FCF68}" type="presOf" srcId="{1D152E37-8CB0-450A-B5C0-5DAED8D1CBED}" destId="{AB0DA6FD-8686-4C31-92CE-CE5EE5B6D22F}" srcOrd="0" destOrd="0" presId="urn:microsoft.com/office/officeart/2005/8/layout/hProcess4"/>
+    <dgm:cxn modelId="{6A7DC877-89B2-4D29-B414-963C278F73A0}" type="presOf" srcId="{5611A378-2C7D-42A6-8AF0-B4C17EFD918F}" destId="{A3688BDC-21BE-446C-8DCD-41FF61233B52}" srcOrd="0" destOrd="1" presId="urn:microsoft.com/office/officeart/2005/8/layout/hProcess4"/>
+    <dgm:cxn modelId="{B9D9303F-F510-4A57-BFC0-955F7A53C819}" srcId="{FAF73300-3115-470A-8A8E-828DA1BF7AD0}" destId="{D678C403-14EA-4C6D-A503-417D8D05546A}" srcOrd="3" destOrd="0" parTransId="{8265272E-F2CF-4B14-85CE-9553BFE77F34}" sibTransId="{A7E2645A-B6F5-4EDB-9AC0-85E6D0D0B9E2}"/>
+    <dgm:cxn modelId="{6D1E1238-7A54-4DF0-92A7-390CB72010DA}" srcId="{3B211297-8337-4EE7-83C8-3B1419769546}" destId="{FA69AAAF-629B-441B-A643-5C62643C16CF}" srcOrd="0" destOrd="0" parTransId="{ACC3A72F-2D75-4D01-8931-45E55C566D65}" sibTransId="{986761EB-1C05-414B-905B-AF66CD6ADF10}"/>
     <dgm:cxn modelId="{C73F6132-9DBC-49DE-A232-80BB2AF44FD1}" type="presOf" srcId="{FFD26604-973E-480B-9DD4-634C28D4990A}" destId="{0A3676ED-B4C8-4DAA-9090-0B76CB76B0BB}" srcOrd="1" destOrd="1" presId="urn:microsoft.com/office/officeart/2005/8/layout/hProcess4"/>
-    <dgm:cxn modelId="{78BEF7EF-03DC-4FCA-A8CD-581B3E47BAFF}" srcId="{FAF73300-3115-470A-8A8E-828DA1BF7AD0}" destId="{EA2CAFA9-004D-447D-B834-0A45268C6C5D}" srcOrd="0" destOrd="0" parTransId="{A9888A4E-C61F-4A37-833D-44A861923F78}" sibTransId="{BF007ED4-F845-4790-B078-09D520DF3410}"/>
-    <dgm:cxn modelId="{E2319D65-40B5-4EA3-80F0-11154E69222D}" srcId="{D678C403-14EA-4C6D-A503-417D8D05546A}" destId="{8CB3C6E1-FECD-4E27-B615-80E99CC3DE54}" srcOrd="1" destOrd="0" parTransId="{26C9A454-465F-4621-BEFD-DDE2E26542AE}" sibTransId="{8AFAFED0-29A1-4E4F-B2F3-CFD636F40830}"/>
-    <dgm:cxn modelId="{BFB8EE23-6EF3-45B3-B8F1-4EC4A7430A67}" srcId="{3B211297-8337-4EE7-83C8-3B1419769546}" destId="{FFD26604-973E-480B-9DD4-634C28D4990A}" srcOrd="1" destOrd="0" parTransId="{373F7945-B261-4AD8-A250-25575DAB6C42}" sibTransId="{C1E1C29C-BD17-4EF7-8FE9-C10E1BDE5935}"/>
-    <dgm:cxn modelId="{A913EF0C-FD9C-43BE-BD88-A97C624386ED}" type="presOf" srcId="{8FA2C109-95FD-442F-AED8-F1C5FAD60565}" destId="{4E909613-F793-4365-B4BF-3E1AFD1FDE64}" srcOrd="0" destOrd="0" presId="urn:microsoft.com/office/officeart/2005/8/layout/hProcess4"/>
-    <dgm:cxn modelId="{611410D2-161D-4FFF-A3F9-009CD81CCE92}" srcId="{8FA2C109-95FD-442F-AED8-F1C5FAD60565}" destId="{5611A378-2C7D-42A6-8AF0-B4C17EFD918F}" srcOrd="1" destOrd="0" parTransId="{6D095644-42A4-4D1F-B024-8FB5EA87E756}" sibTransId="{5D43F6F8-FE65-4559-A07F-1C893BAAF2CB}"/>
-    <dgm:cxn modelId="{492946B7-4F41-4473-9CAC-FBB4ABFF52B0}" srcId="{EA2CAFA9-004D-447D-B834-0A45268C6C5D}" destId="{D24A81A1-35C3-4C9A-952F-B8E5F2CE8F50}" srcOrd="0" destOrd="0" parTransId="{0790AF14-2D85-45C8-BD1E-3BA8693BCA74}" sibTransId="{E4CB4A40-1C64-4336-BF20-382393C297C6}"/>
-    <dgm:cxn modelId="{8C57AAFC-682C-4E90-8848-C3FADAF86A44}" type="presOf" srcId="{FFD26604-973E-480B-9DD4-634C28D4990A}" destId="{ECA78CB7-E2AA-4686-9028-8827DE2DAFA2}" srcOrd="0" destOrd="1" presId="urn:microsoft.com/office/officeart/2005/8/layout/hProcess4"/>
-    <dgm:cxn modelId="{EEDE04D7-B19E-44DB-941C-218ABBC3289D}" type="presOf" srcId="{D24A81A1-35C3-4C9A-952F-B8E5F2CE8F50}" destId="{6D817B16-34A3-453B-B7EE-C6A3092D8253}" srcOrd="0" destOrd="0" presId="urn:microsoft.com/office/officeart/2005/8/layout/hProcess4"/>
-    <dgm:cxn modelId="{21FCFB38-A33C-4A68-8477-05F75CA85708}" type="presOf" srcId="{FA69AAAF-629B-441B-A643-5C62643C16CF}" destId="{ECA78CB7-E2AA-4686-9028-8827DE2DAFA2}" srcOrd="0" destOrd="0" presId="urn:microsoft.com/office/officeart/2005/8/layout/hProcess4"/>
-    <dgm:cxn modelId="{A923C610-5D38-4CA8-AE63-041DC99BC1E4}" type="presOf" srcId="{D24A81A1-35C3-4C9A-952F-B8E5F2CE8F50}" destId="{8A3448E1-D14F-46CE-B2C2-D988D1B6DB35}" srcOrd="1" destOrd="0" presId="urn:microsoft.com/office/officeart/2005/8/layout/hProcess4"/>
-    <dgm:cxn modelId="{0FCA9953-491E-4A93-8FC2-393D97D0FF0E}" type="presOf" srcId="{1D152E37-8CB0-450A-B5C0-5DAED8D1CBED}" destId="{C0D649B4-858A-4CD3-A6E7-9D95A6619843}" srcOrd="1" destOrd="0" presId="urn:microsoft.com/office/officeart/2005/8/layout/hProcess4"/>
-    <dgm:cxn modelId="{A24167EF-A38C-45FC-A38A-941155B43D20}" type="presOf" srcId="{FA69AAAF-629B-441B-A643-5C62643C16CF}" destId="{0A3676ED-B4C8-4DAA-9090-0B76CB76B0BB}" srcOrd="1" destOrd="0" presId="urn:microsoft.com/office/officeart/2005/8/layout/hProcess4"/>
-    <dgm:cxn modelId="{2E16D823-CF18-4B2E-B884-5D792EEAB817}" type="presOf" srcId="{7DB8C961-F8D4-4832-B59B-BF240D588C86}" destId="{8B97E957-269D-4920-B95B-59858A96440C}" srcOrd="0" destOrd="0" presId="urn:microsoft.com/office/officeart/2005/8/layout/hProcess4"/>
-    <dgm:cxn modelId="{B634F5D7-B4C3-468F-940A-87B9811ED22B}" type="presOf" srcId="{EA2CAFA9-004D-447D-B834-0A45268C6C5D}" destId="{5D8B9927-194A-498B-AB2A-AFD28582052F}" srcOrd="0" destOrd="0" presId="urn:microsoft.com/office/officeart/2005/8/layout/hProcess4"/>
-    <dgm:cxn modelId="{60B9DF1A-2A57-4D8D-8845-861E479AC606}" type="presOf" srcId="{EC663F73-A58E-4F8B-8ECB-5313600EA69E}" destId="{689A7F12-FECA-4320-BD7E-05DE521A82C8}" srcOrd="1" destOrd="0" presId="urn:microsoft.com/office/officeart/2005/8/layout/hProcess4"/>
-    <dgm:cxn modelId="{6A7DC877-89B2-4D29-B414-963C278F73A0}" type="presOf" srcId="{5611A378-2C7D-42A6-8AF0-B4C17EFD918F}" destId="{A3688BDC-21BE-446C-8DCD-41FF61233B52}" srcOrd="0" destOrd="1" presId="urn:microsoft.com/office/officeart/2005/8/layout/hProcess4"/>
-    <dgm:cxn modelId="{6D8B5DC3-07B5-432E-B240-E0539CCE6121}" type="presOf" srcId="{8CB3C6E1-FECD-4E27-B615-80E99CC3DE54}" destId="{C0D649B4-858A-4CD3-A6E7-9D95A6619843}" srcOrd="1" destOrd="1" presId="urn:microsoft.com/office/officeart/2005/8/layout/hProcess4"/>
-    <dgm:cxn modelId="{6D1E1238-7A54-4DF0-92A7-390CB72010DA}" srcId="{3B211297-8337-4EE7-83C8-3B1419769546}" destId="{FA69AAAF-629B-441B-A643-5C62643C16CF}" srcOrd="0" destOrd="0" parTransId="{ACC3A72F-2D75-4D01-8931-45E55C566D65}" sibTransId="{986761EB-1C05-414B-905B-AF66CD6ADF10}"/>
-    <dgm:cxn modelId="{A44BE47E-7483-486B-95A8-54A8BADADC24}" type="presOf" srcId="{8CB3C6E1-FECD-4E27-B615-80E99CC3DE54}" destId="{AB0DA6FD-8686-4C31-92CE-CE5EE5B6D22F}" srcOrd="0" destOrd="1" presId="urn:microsoft.com/office/officeart/2005/8/layout/hProcess4"/>
-    <dgm:cxn modelId="{153D2E64-66C7-4FBA-8814-C8D4B35455BF}" type="presOf" srcId="{5611A378-2C7D-42A6-8AF0-B4C17EFD918F}" destId="{689A7F12-FECA-4320-BD7E-05DE521A82C8}" srcOrd="1" destOrd="1" presId="urn:microsoft.com/office/officeart/2005/8/layout/hProcess4"/>
     <dgm:cxn modelId="{F0C03F08-1A41-45F1-AE39-4B29B2DF6F69}" type="presParOf" srcId="{976B900F-A4CB-4F54-A328-137471F2BDD4}" destId="{4CE26552-384B-4A39-8A6D-A4F3B34E0781}" srcOrd="0" destOrd="0" presId="urn:microsoft.com/office/officeart/2005/8/layout/hProcess4"/>
     <dgm:cxn modelId="{E9BE6104-3ACE-4782-B23C-BD81008F6023}" type="presParOf" srcId="{976B900F-A4CB-4F54-A328-137471F2BDD4}" destId="{647A131E-4D0A-4407-A8B9-9943507FAA84}" srcOrd="1" destOrd="0" presId="urn:microsoft.com/office/officeart/2005/8/layout/hProcess4"/>
     <dgm:cxn modelId="{95A427FC-3142-4D44-8DFB-6981B2C3C2C2}" type="presParOf" srcId="{976B900F-A4CB-4F54-A328-137471F2BDD4}" destId="{AF3F0165-A4A5-49A6-9707-238BAF0CE611}" srcOrd="2" destOrd="0" presId="urn:microsoft.com/office/officeart/2005/8/layout/hProcess4"/>
@@ -1605,6 +3123,617 @@
       <dsp:cNvGrpSpPr/>
     </dsp:nvGrpSpPr>
     <dsp:grpSpPr/>
+    <dsp:sp modelId="{4FAAE57B-8F73-47E8-8196-E53C7EB94B82}">
+      <dsp:nvSpPr>
+        <dsp:cNvPr id="0" name=""/>
+        <dsp:cNvSpPr/>
+      </dsp:nvSpPr>
+      <dsp:spPr>
+        <a:xfrm>
+          <a:off x="791765" y="413439"/>
+          <a:ext cx="3143250" cy="2747596"/>
+        </a:xfrm>
+        <a:prstGeom prst="rightArrow">
+          <a:avLst>
+            <a:gd name="adj1" fmla="val 70000"/>
+            <a:gd name="adj2" fmla="val 50000"/>
+          </a:avLst>
+        </a:prstGeom>
+        <a:solidFill>
+          <a:schemeClr val="accent4">
+            <a:tint val="40000"/>
+            <a:alpha val="90000"/>
+            <a:hueOff val="0"/>
+            <a:satOff val="0"/>
+            <a:lumOff val="0"/>
+            <a:alphaOff val="0"/>
+          </a:schemeClr>
+        </a:solidFill>
+        <a:ln w="12700" cap="flat" cmpd="sng" algn="ctr">
+          <a:solidFill>
+            <a:schemeClr val="accent4">
+              <a:tint val="40000"/>
+              <a:alpha val="90000"/>
+              <a:hueOff val="0"/>
+              <a:satOff val="0"/>
+              <a:lumOff val="0"/>
+              <a:alphaOff val="0"/>
+            </a:schemeClr>
+          </a:solidFill>
+          <a:prstDash val="solid"/>
+          <a:miter lim="800000"/>
+        </a:ln>
+        <a:effectLst/>
+      </dsp:spPr>
+      <dsp:style>
+        <a:lnRef idx="2">
+          <a:scrgbClr r="0" g="0" b="0"/>
+        </a:lnRef>
+        <a:fillRef idx="1">
+          <a:scrgbClr r="0" g="0" b="0"/>
+        </a:fillRef>
+        <a:effectRef idx="0">
+          <a:scrgbClr r="0" g="0" b="0"/>
+        </a:effectRef>
+        <a:fontRef idx="minor"/>
+      </dsp:style>
+      <dsp:txBody>
+        <a:bodyPr spcFirstLastPara="0" vert="horz" wrap="square" lIns="43180" tIns="10795" rIns="21590" bIns="10795" numCol="1" spcCol="1270" anchor="ctr" anchorCtr="0">
+          <a:noAutofit/>
+        </a:bodyPr>
+        <a:lstStyle/>
+        <a:p>
+          <a:pPr marL="171450" lvl="1" indent="-171450" algn="l" defTabSz="755650">
+            <a:lnSpc>
+              <a:spcPct val="90000"/>
+            </a:lnSpc>
+            <a:spcBef>
+              <a:spcPct val="0"/>
+            </a:spcBef>
+            <a:spcAft>
+              <a:spcPct val="15000"/>
+            </a:spcAft>
+            <a:buChar char="••"/>
+          </a:pPr>
+          <a:r>
+            <a:rPr lang="fr-FR" sz="1700" kern="1200" dirty="0" smtClean="0"/>
+            <a:t>Parsing du flux RSS (2x / jour)</a:t>
+          </a:r>
+          <a:endParaRPr lang="fr-FR" sz="1700" kern="1200" dirty="0"/>
+        </a:p>
+        <a:p>
+          <a:pPr marL="171450" lvl="1" indent="-171450" algn="l" defTabSz="755650">
+            <a:lnSpc>
+              <a:spcPct val="90000"/>
+            </a:lnSpc>
+            <a:spcBef>
+              <a:spcPct val="0"/>
+            </a:spcBef>
+            <a:spcAft>
+              <a:spcPct val="15000"/>
+            </a:spcAft>
+            <a:buChar char="••"/>
+          </a:pPr>
+          <a:r>
+            <a:rPr lang="fr-FR" sz="1700" kern="1200" dirty="0" smtClean="0"/>
+            <a:t>Stockage des annonces en BD locale</a:t>
+          </a:r>
+          <a:endParaRPr lang="fr-FR" sz="1700" kern="1200" dirty="0"/>
+        </a:p>
+      </dsp:txBody>
+      <dsp:txXfrm>
+        <a:off x="1577578" y="825578"/>
+        <a:ext cx="1532334" cy="1923318"/>
+      </dsp:txXfrm>
+    </dsp:sp>
+    <dsp:sp modelId="{7B5FE700-41D2-4FFC-B7F6-B6FCE3EEC496}">
+      <dsp:nvSpPr>
+        <dsp:cNvPr id="0" name=""/>
+        <dsp:cNvSpPr/>
+      </dsp:nvSpPr>
+      <dsp:spPr>
+        <a:xfrm>
+          <a:off x="5953" y="1001424"/>
+          <a:ext cx="1571625" cy="1571625"/>
+        </a:xfrm>
+        <a:prstGeom prst="ellipse">
+          <a:avLst/>
+        </a:prstGeom>
+        <a:solidFill>
+          <a:schemeClr val="accent4">
+            <a:hueOff val="0"/>
+            <a:satOff val="0"/>
+            <a:lumOff val="0"/>
+            <a:alphaOff val="0"/>
+          </a:schemeClr>
+        </a:solidFill>
+        <a:ln w="12700" cap="flat" cmpd="sng" algn="ctr">
+          <a:solidFill>
+            <a:schemeClr val="lt1">
+              <a:hueOff val="0"/>
+              <a:satOff val="0"/>
+              <a:lumOff val="0"/>
+              <a:alphaOff val="0"/>
+            </a:schemeClr>
+          </a:solidFill>
+          <a:prstDash val="solid"/>
+          <a:miter lim="800000"/>
+        </a:ln>
+        <a:effectLst/>
+      </dsp:spPr>
+      <dsp:style>
+        <a:lnRef idx="2">
+          <a:scrgbClr r="0" g="0" b="0"/>
+        </a:lnRef>
+        <a:fillRef idx="1">
+          <a:scrgbClr r="0" g="0" b="0"/>
+        </a:fillRef>
+        <a:effectRef idx="0">
+          <a:scrgbClr r="0" g="0" b="0"/>
+        </a:effectRef>
+        <a:fontRef idx="minor">
+          <a:schemeClr val="lt1"/>
+        </a:fontRef>
+      </dsp:style>
+      <dsp:txBody>
+        <a:bodyPr spcFirstLastPara="0" vert="horz" wrap="square" lIns="11430" tIns="11430" rIns="11430" bIns="11430" numCol="1" spcCol="1270" anchor="ctr" anchorCtr="0">
+          <a:noAutofit/>
+        </a:bodyPr>
+        <a:lstStyle/>
+        <a:p>
+          <a:pPr lvl="0" algn="ctr" defTabSz="800100">
+            <a:lnSpc>
+              <a:spcPct val="90000"/>
+            </a:lnSpc>
+            <a:spcBef>
+              <a:spcPct val="0"/>
+            </a:spcBef>
+            <a:spcAft>
+              <a:spcPct val="35000"/>
+            </a:spcAft>
+          </a:pPr>
+          <a:r>
+            <a:rPr lang="fr-FR" sz="1800" kern="1200" dirty="0" smtClean="0"/>
+            <a:t>Forum GeoRezo Job</a:t>
+          </a:r>
+        </a:p>
+      </dsp:txBody>
+      <dsp:txXfrm>
+        <a:off x="236112" y="1231583"/>
+        <a:ext cx="1111307" cy="1111307"/>
+      </dsp:txXfrm>
+    </dsp:sp>
+    <dsp:sp modelId="{3A47942D-F653-4E27-8DCE-901272FEE80E}">
+      <dsp:nvSpPr>
+        <dsp:cNvPr id="0" name=""/>
+        <dsp:cNvSpPr/>
+      </dsp:nvSpPr>
+      <dsp:spPr>
+        <a:xfrm>
+          <a:off x="4917281" y="413439"/>
+          <a:ext cx="3143250" cy="2747596"/>
+        </a:xfrm>
+        <a:prstGeom prst="rightArrow">
+          <a:avLst>
+            <a:gd name="adj1" fmla="val 70000"/>
+            <a:gd name="adj2" fmla="val 50000"/>
+          </a:avLst>
+        </a:prstGeom>
+        <a:solidFill>
+          <a:schemeClr val="accent4">
+            <a:tint val="40000"/>
+            <a:alpha val="90000"/>
+            <a:hueOff val="5756959"/>
+            <a:satOff val="-30630"/>
+            <a:lumOff val="-1745"/>
+            <a:alphaOff val="0"/>
+          </a:schemeClr>
+        </a:solidFill>
+        <a:ln w="12700" cap="flat" cmpd="sng" algn="ctr">
+          <a:solidFill>
+            <a:schemeClr val="accent4">
+              <a:tint val="40000"/>
+              <a:alpha val="90000"/>
+              <a:hueOff val="5756959"/>
+              <a:satOff val="-30630"/>
+              <a:lumOff val="-1745"/>
+              <a:alphaOff val="0"/>
+            </a:schemeClr>
+          </a:solidFill>
+          <a:prstDash val="solid"/>
+          <a:miter lim="800000"/>
+        </a:ln>
+        <a:effectLst/>
+      </dsp:spPr>
+      <dsp:style>
+        <a:lnRef idx="2">
+          <a:scrgbClr r="0" g="0" b="0"/>
+        </a:lnRef>
+        <a:fillRef idx="1">
+          <a:scrgbClr r="0" g="0" b="0"/>
+        </a:fillRef>
+        <a:effectRef idx="0">
+          <a:scrgbClr r="0" g="0" b="0"/>
+        </a:effectRef>
+        <a:fontRef idx="minor"/>
+      </dsp:style>
+      <dsp:txBody>
+        <a:bodyPr spcFirstLastPara="0" vert="horz" wrap="square" lIns="43180" tIns="10795" rIns="21590" bIns="10795" numCol="1" spcCol="1270" anchor="ctr" anchorCtr="0">
+          <a:noAutofit/>
+        </a:bodyPr>
+        <a:lstStyle/>
+        <a:p>
+          <a:pPr marL="171450" lvl="1" indent="-171450" algn="l" defTabSz="755650">
+            <a:lnSpc>
+              <a:spcPct val="90000"/>
+            </a:lnSpc>
+            <a:spcBef>
+              <a:spcPct val="0"/>
+            </a:spcBef>
+            <a:spcAft>
+              <a:spcPct val="15000"/>
+            </a:spcAft>
+            <a:buChar char="••"/>
+          </a:pPr>
+          <a:r>
+            <a:rPr lang="fr-FR" sz="1700" kern="1200" dirty="0" smtClean="0"/>
+            <a:t>Types de contrat</a:t>
+          </a:r>
+          <a:endParaRPr lang="fr-FR" sz="1700" kern="1200" dirty="0"/>
+        </a:p>
+        <a:p>
+          <a:pPr marL="171450" lvl="1" indent="-171450" algn="l" defTabSz="755650">
+            <a:lnSpc>
+              <a:spcPct val="90000"/>
+            </a:lnSpc>
+            <a:spcBef>
+              <a:spcPct val="0"/>
+            </a:spcBef>
+            <a:spcAft>
+              <a:spcPct val="15000"/>
+            </a:spcAft>
+            <a:buChar char="••"/>
+          </a:pPr>
+          <a:r>
+            <a:rPr lang="fr-FR" sz="1700" kern="1200" dirty="0" smtClean="0"/>
+            <a:t>Lieux</a:t>
+          </a:r>
+          <a:endParaRPr lang="fr-FR" sz="1700" kern="1200" dirty="0"/>
+        </a:p>
+        <a:p>
+          <a:pPr marL="171450" lvl="1" indent="-171450" algn="l" defTabSz="755650">
+            <a:lnSpc>
+              <a:spcPct val="90000"/>
+            </a:lnSpc>
+            <a:spcBef>
+              <a:spcPct val="0"/>
+            </a:spcBef>
+            <a:spcAft>
+              <a:spcPct val="15000"/>
+            </a:spcAft>
+            <a:buChar char="••"/>
+          </a:pPr>
+          <a:r>
+            <a:rPr lang="fr-FR" sz="1700" kern="1200" dirty="0" smtClean="0"/>
+            <a:t>Types de logiciels</a:t>
+          </a:r>
+          <a:endParaRPr lang="fr-FR" sz="1700" kern="1200" dirty="0"/>
+        </a:p>
+        <a:p>
+          <a:pPr marL="171450" lvl="1" indent="-171450" algn="l" defTabSz="755650">
+            <a:lnSpc>
+              <a:spcPct val="90000"/>
+            </a:lnSpc>
+            <a:spcBef>
+              <a:spcPct val="0"/>
+            </a:spcBef>
+            <a:spcAft>
+              <a:spcPct val="15000"/>
+            </a:spcAft>
+            <a:buChar char="••"/>
+          </a:pPr>
+          <a:r>
+            <a:rPr lang="fr-FR" sz="1700" kern="1200" dirty="0" smtClean="0"/>
+            <a:t>Métiers</a:t>
+          </a:r>
+          <a:endParaRPr lang="fr-FR" sz="1700" kern="1200" dirty="0"/>
+        </a:p>
+        <a:p>
+          <a:pPr marL="171450" lvl="1" indent="-171450" algn="l" defTabSz="755650">
+            <a:lnSpc>
+              <a:spcPct val="90000"/>
+            </a:lnSpc>
+            <a:spcBef>
+              <a:spcPct val="0"/>
+            </a:spcBef>
+            <a:spcAft>
+              <a:spcPct val="15000"/>
+            </a:spcAft>
+            <a:buChar char="••"/>
+          </a:pPr>
+          <a:r>
+            <a:rPr lang="fr-FR" sz="1700" kern="1200" dirty="0" smtClean="0"/>
+            <a:t>Sémantique</a:t>
+          </a:r>
+          <a:endParaRPr lang="fr-FR" sz="1700" kern="1200" dirty="0"/>
+        </a:p>
+      </dsp:txBody>
+      <dsp:txXfrm>
+        <a:off x="5703093" y="825578"/>
+        <a:ext cx="1532334" cy="1923318"/>
+      </dsp:txXfrm>
+    </dsp:sp>
+    <dsp:sp modelId="{2FE020A4-903A-4B0B-983A-92B4AA6EA0D6}">
+      <dsp:nvSpPr>
+        <dsp:cNvPr id="0" name=""/>
+        <dsp:cNvSpPr/>
+      </dsp:nvSpPr>
+      <dsp:spPr>
+        <a:xfrm>
+          <a:off x="4131468" y="1001424"/>
+          <a:ext cx="1571625" cy="1571625"/>
+        </a:xfrm>
+        <a:prstGeom prst="ellipse">
+          <a:avLst/>
+        </a:prstGeom>
+        <a:solidFill>
+          <a:schemeClr val="accent4">
+            <a:hueOff val="5197846"/>
+            <a:satOff val="-23984"/>
+            <a:lumOff val="883"/>
+            <a:alphaOff val="0"/>
+          </a:schemeClr>
+        </a:solidFill>
+        <a:ln w="12700" cap="flat" cmpd="sng" algn="ctr">
+          <a:solidFill>
+            <a:schemeClr val="lt1">
+              <a:hueOff val="0"/>
+              <a:satOff val="0"/>
+              <a:lumOff val="0"/>
+              <a:alphaOff val="0"/>
+            </a:schemeClr>
+          </a:solidFill>
+          <a:prstDash val="solid"/>
+          <a:miter lim="800000"/>
+        </a:ln>
+        <a:effectLst/>
+      </dsp:spPr>
+      <dsp:style>
+        <a:lnRef idx="2">
+          <a:scrgbClr r="0" g="0" b="0"/>
+        </a:lnRef>
+        <a:fillRef idx="1">
+          <a:scrgbClr r="0" g="0" b="0"/>
+        </a:fillRef>
+        <a:effectRef idx="0">
+          <a:scrgbClr r="0" g="0" b="0"/>
+        </a:effectRef>
+        <a:fontRef idx="minor">
+          <a:schemeClr val="lt1"/>
+        </a:fontRef>
+      </dsp:style>
+      <dsp:txBody>
+        <a:bodyPr spcFirstLastPara="0" vert="horz" wrap="square" lIns="11430" tIns="11430" rIns="11430" bIns="11430" numCol="1" spcCol="1270" anchor="ctr" anchorCtr="0">
+          <a:noAutofit/>
+        </a:bodyPr>
+        <a:lstStyle/>
+        <a:p>
+          <a:pPr lvl="0" algn="ctr" defTabSz="800100">
+            <a:lnSpc>
+              <a:spcPct val="90000"/>
+            </a:lnSpc>
+            <a:spcBef>
+              <a:spcPct val="0"/>
+            </a:spcBef>
+            <a:spcAft>
+              <a:spcPct val="35000"/>
+            </a:spcAft>
+          </a:pPr>
+          <a:r>
+            <a:rPr lang="fr-FR" sz="1800" kern="1200" dirty="0" smtClean="0"/>
+            <a:t>Extraction &amp; analyse</a:t>
+          </a:r>
+          <a:endParaRPr lang="fr-FR" sz="1800" kern="1200" dirty="0"/>
+        </a:p>
+      </dsp:txBody>
+      <dsp:txXfrm>
+        <a:off x="4361627" y="1231583"/>
+        <a:ext cx="1111307" cy="1111307"/>
+      </dsp:txXfrm>
+    </dsp:sp>
+    <dsp:sp modelId="{D93DC97F-A559-4F81-B5E3-0D1F0358FADD}">
+      <dsp:nvSpPr>
+        <dsp:cNvPr id="0" name=""/>
+        <dsp:cNvSpPr/>
+      </dsp:nvSpPr>
+      <dsp:spPr>
+        <a:xfrm>
+          <a:off x="9042796" y="413439"/>
+          <a:ext cx="3143250" cy="2747596"/>
+        </a:xfrm>
+        <a:prstGeom prst="rightArrow">
+          <a:avLst>
+            <a:gd name="adj1" fmla="val 70000"/>
+            <a:gd name="adj2" fmla="val 50000"/>
+          </a:avLst>
+        </a:prstGeom>
+        <a:solidFill>
+          <a:schemeClr val="accent4">
+            <a:tint val="40000"/>
+            <a:alpha val="90000"/>
+            <a:hueOff val="11513918"/>
+            <a:satOff val="-61261"/>
+            <a:lumOff val="-3490"/>
+            <a:alphaOff val="0"/>
+          </a:schemeClr>
+        </a:solidFill>
+        <a:ln w="12700" cap="flat" cmpd="sng" algn="ctr">
+          <a:solidFill>
+            <a:schemeClr val="accent4">
+              <a:tint val="40000"/>
+              <a:alpha val="90000"/>
+              <a:hueOff val="11513918"/>
+              <a:satOff val="-61261"/>
+              <a:lumOff val="-3490"/>
+              <a:alphaOff val="0"/>
+            </a:schemeClr>
+          </a:solidFill>
+          <a:prstDash val="solid"/>
+          <a:miter lim="800000"/>
+        </a:ln>
+        <a:effectLst/>
+      </dsp:spPr>
+      <dsp:style>
+        <a:lnRef idx="2">
+          <a:scrgbClr r="0" g="0" b="0"/>
+        </a:lnRef>
+        <a:fillRef idx="1">
+          <a:scrgbClr r="0" g="0" b="0"/>
+        </a:fillRef>
+        <a:effectRef idx="0">
+          <a:scrgbClr r="0" g="0" b="0"/>
+        </a:effectRef>
+        <a:fontRef idx="minor"/>
+      </dsp:style>
+      <dsp:txBody>
+        <a:bodyPr spcFirstLastPara="0" vert="horz" wrap="square" lIns="43180" tIns="10795" rIns="21590" bIns="10795" numCol="1" spcCol="1270" anchor="ctr" anchorCtr="0">
+          <a:noAutofit/>
+        </a:bodyPr>
+        <a:lstStyle/>
+        <a:p>
+          <a:pPr marL="171450" lvl="1" indent="-171450" algn="l" defTabSz="755650">
+            <a:lnSpc>
+              <a:spcPct val="90000"/>
+            </a:lnSpc>
+            <a:spcBef>
+              <a:spcPct val="0"/>
+            </a:spcBef>
+            <a:spcAft>
+              <a:spcPct val="15000"/>
+            </a:spcAft>
+            <a:buChar char="••"/>
+          </a:pPr>
+          <a:r>
+            <a:rPr lang="fr-FR" sz="1700" kern="1200" dirty="0" smtClean="0"/>
+            <a:t>Code sur GitHub (GPL 3)</a:t>
+          </a:r>
+          <a:endParaRPr lang="fr-FR" sz="1700" kern="1200" dirty="0"/>
+        </a:p>
+        <a:p>
+          <a:pPr marL="171450" lvl="1" indent="-171450" algn="l" defTabSz="755650">
+            <a:lnSpc>
+              <a:spcPct val="90000"/>
+            </a:lnSpc>
+            <a:spcBef>
+              <a:spcPct val="0"/>
+            </a:spcBef>
+            <a:spcAft>
+              <a:spcPct val="15000"/>
+            </a:spcAft>
+            <a:buChar char="••"/>
+          </a:pPr>
+          <a:r>
+            <a:rPr lang="fr-FR" sz="1700" kern="1200" dirty="0" smtClean="0"/>
+            <a:t>Mini site de visualisation dynamique des données</a:t>
+          </a:r>
+          <a:endParaRPr lang="fr-FR" sz="1700" kern="1200" dirty="0"/>
+        </a:p>
+      </dsp:txBody>
+      <dsp:txXfrm>
+        <a:off x="9828609" y="825578"/>
+        <a:ext cx="1532334" cy="1923318"/>
+      </dsp:txXfrm>
+    </dsp:sp>
+    <dsp:sp modelId="{B29A4978-18A9-49DF-9FCA-0D3F5E92EF4B}">
+      <dsp:nvSpPr>
+        <dsp:cNvPr id="0" name=""/>
+        <dsp:cNvSpPr/>
+      </dsp:nvSpPr>
+      <dsp:spPr>
+        <a:xfrm>
+          <a:off x="8256984" y="1001424"/>
+          <a:ext cx="1571625" cy="1571625"/>
+        </a:xfrm>
+        <a:prstGeom prst="ellipse">
+          <a:avLst/>
+        </a:prstGeom>
+        <a:solidFill>
+          <a:schemeClr val="accent4">
+            <a:hueOff val="10395692"/>
+            <a:satOff val="-47968"/>
+            <a:lumOff val="1765"/>
+            <a:alphaOff val="0"/>
+          </a:schemeClr>
+        </a:solidFill>
+        <a:ln w="12700" cap="flat" cmpd="sng" algn="ctr">
+          <a:solidFill>
+            <a:schemeClr val="lt1">
+              <a:hueOff val="0"/>
+              <a:satOff val="0"/>
+              <a:lumOff val="0"/>
+              <a:alphaOff val="0"/>
+            </a:schemeClr>
+          </a:solidFill>
+          <a:prstDash val="solid"/>
+          <a:miter lim="800000"/>
+        </a:ln>
+        <a:effectLst/>
+      </dsp:spPr>
+      <dsp:style>
+        <a:lnRef idx="2">
+          <a:scrgbClr r="0" g="0" b="0"/>
+        </a:lnRef>
+        <a:fillRef idx="1">
+          <a:scrgbClr r="0" g="0" b="0"/>
+        </a:fillRef>
+        <a:effectRef idx="0">
+          <a:scrgbClr r="0" g="0" b="0"/>
+        </a:effectRef>
+        <a:fontRef idx="minor">
+          <a:schemeClr val="lt1"/>
+        </a:fontRef>
+      </dsp:style>
+      <dsp:txBody>
+        <a:bodyPr spcFirstLastPara="0" vert="horz" wrap="square" lIns="11430" tIns="11430" rIns="11430" bIns="11430" numCol="1" spcCol="1270" anchor="ctr" anchorCtr="0">
+          <a:noAutofit/>
+        </a:bodyPr>
+        <a:lstStyle/>
+        <a:p>
+          <a:pPr lvl="0" algn="ctr" defTabSz="800100">
+            <a:lnSpc>
+              <a:spcPct val="90000"/>
+            </a:lnSpc>
+            <a:spcBef>
+              <a:spcPct val="0"/>
+            </a:spcBef>
+            <a:spcAft>
+              <a:spcPct val="35000"/>
+            </a:spcAft>
+          </a:pPr>
+          <a:r>
+            <a:rPr lang="fr-FR" sz="1800" kern="1200" dirty="0" smtClean="0"/>
+            <a:t>Publication</a:t>
+          </a:r>
+          <a:endParaRPr lang="fr-FR" sz="1800" kern="1200" dirty="0"/>
+        </a:p>
+      </dsp:txBody>
+      <dsp:txXfrm>
+        <a:off x="8487143" y="1231583"/>
+        <a:ext cx="1111307" cy="1111307"/>
+      </dsp:txXfrm>
+    </dsp:sp>
+  </dsp:spTree>
+</dsp:drawing>
+</file>
+
+<file path=ppt/diagrams/drawing2.xml><?xml version="1.0" encoding="utf-8"?>
+<dsp:drawing xmlns:dgm="http://schemas.openxmlformats.org/drawingml/2006/diagram" xmlns:dsp="http://schemas.microsoft.com/office/drawing/2008/diagram" xmlns:a="http://schemas.openxmlformats.org/drawingml/2006/main">
+  <dsp:spTree>
+    <dsp:nvGrpSpPr>
+      <dsp:cNvPr id="0" name=""/>
+      <dsp:cNvGrpSpPr/>
+    </dsp:nvGrpSpPr>
+    <dsp:grpSpPr/>
     <dsp:sp modelId="{6D817B16-34A3-453B-B7EE-C6A3092D8253}">
       <dsp:nvSpPr>
         <dsp:cNvPr id="0" name=""/>
@@ -1612,8 +3741,8 @@
       </dsp:nvSpPr>
       <dsp:spPr>
         <a:xfrm>
-          <a:off x="2218" y="1737976"/>
-          <a:ext cx="2349336" cy="1937711"/>
+          <a:off x="3904" y="1745244"/>
+          <a:ext cx="2349350" cy="1937722"/>
         </a:xfrm>
         <a:prstGeom prst="roundRect">
           <a:avLst>
@@ -1681,8 +3810,8 @@
         </a:p>
       </dsp:txBody>
       <dsp:txXfrm>
-        <a:off x="46810" y="1782568"/>
-        <a:ext cx="2260152" cy="1433303"/>
+        <a:off x="48496" y="1789836"/>
+        <a:ext cx="2260166" cy="1433312"/>
       </dsp:txXfrm>
     </dsp:sp>
     <dsp:sp modelId="{3B0BDA38-06A5-494D-A526-714EB7587A11}">
@@ -1691,17 +3820,17 @@
         <dsp:cNvSpPr/>
       </dsp:nvSpPr>
       <dsp:spPr>
-        <a:xfrm flipH="1">
-          <a:off x="11469869" y="4491706"/>
-          <a:ext cx="522935" cy="1843915"/>
+        <a:xfrm flipH="1" flipV="1">
+          <a:off x="249399" y="5281654"/>
+          <a:ext cx="83117" cy="293113"/>
         </a:xfrm>
         <a:prstGeom prst="circularArrow">
           <a:avLst>
-            <a:gd name="adj1" fmla="val 3390"/>
-            <a:gd name="adj2" fmla="val 419567"/>
-            <a:gd name="adj3" fmla="val 2195078"/>
+            <a:gd name="adj1" fmla="val 3384"/>
+            <a:gd name="adj2" fmla="val 418667"/>
+            <a:gd name="adj3" fmla="val 2194177"/>
             <a:gd name="adj4" fmla="val 9024489"/>
-            <a:gd name="adj5" fmla="val 3955"/>
+            <a:gd name="adj5" fmla="val 3948"/>
           </a:avLst>
         </a:prstGeom>
         <a:solidFill>
@@ -1740,8 +3869,8 @@
       </dsp:nvSpPr>
       <dsp:spPr>
         <a:xfrm>
-          <a:off x="524292" y="3260463"/>
-          <a:ext cx="2088298" cy="830447"/>
+          <a:off x="525982" y="3267740"/>
+          <a:ext cx="2088311" cy="830452"/>
         </a:xfrm>
         <a:prstGeom prst="roundRect">
           <a:avLst>
@@ -1809,8 +3938,8 @@
         </a:p>
       </dsp:txBody>
       <dsp:txXfrm>
-        <a:off x="548615" y="3284786"/>
-        <a:ext cx="2039652" cy="781801"/>
+        <a:off x="550305" y="3292063"/>
+        <a:ext cx="2039665" cy="781806"/>
       </dsp:txXfrm>
     </dsp:sp>
     <dsp:sp modelId="{ECA78CB7-E2AA-4686-9028-8827DE2DAFA2}">
@@ -1820,8 +3949,8 @@
       </dsp:nvSpPr>
       <dsp:spPr>
         <a:xfrm>
-          <a:off x="3041060" y="1737976"/>
-          <a:ext cx="2349336" cy="1937711"/>
+          <a:off x="3041617" y="1745244"/>
+          <a:ext cx="2349350" cy="1937722"/>
         </a:xfrm>
         <a:prstGeom prst="roundRect">
           <a:avLst>
@@ -1908,8 +4037,8 @@
         </a:p>
       </dsp:txBody>
       <dsp:txXfrm>
-        <a:off x="3085652" y="2197792"/>
-        <a:ext cx="2260152" cy="1433303"/>
+        <a:off x="3086209" y="2205062"/>
+        <a:ext cx="2260166" cy="1433312"/>
       </dsp:txXfrm>
     </dsp:sp>
     <dsp:sp modelId="{8B97E957-269D-4920-B95B-59858A96440C}">
@@ -1919,16 +4048,16 @@
       </dsp:nvSpPr>
       <dsp:spPr>
         <a:xfrm>
-          <a:off x="4329860" y="526948"/>
-          <a:ext cx="2954149" cy="2954149"/>
+          <a:off x="4330772" y="534804"/>
+          <a:ext cx="2952324" cy="2952324"/>
         </a:xfrm>
         <a:prstGeom prst="circularArrow">
           <a:avLst>
-            <a:gd name="adj1" fmla="val 3046"/>
-            <a:gd name="adj2" fmla="val 373872"/>
-            <a:gd name="adj3" fmla="val 19450618"/>
+            <a:gd name="adj1" fmla="val 3040"/>
+            <a:gd name="adj2" fmla="val 373047"/>
+            <a:gd name="adj3" fmla="val 19451442"/>
             <a:gd name="adj4" fmla="val 12575511"/>
-            <a:gd name="adj5" fmla="val 3553"/>
+            <a:gd name="adj5" fmla="val 3546"/>
           </a:avLst>
         </a:prstGeom>
         <a:solidFill>
@@ -1967,8 +4096,8 @@
       </dsp:nvSpPr>
       <dsp:spPr>
         <a:xfrm>
-          <a:off x="3563135" y="1322752"/>
-          <a:ext cx="2088298" cy="830447"/>
+          <a:off x="3563695" y="1330017"/>
+          <a:ext cx="2088311" cy="830452"/>
         </a:xfrm>
         <a:prstGeom prst="roundRect">
           <a:avLst>
@@ -2036,8 +4165,8 @@
         </a:p>
       </dsp:txBody>
       <dsp:txXfrm>
-        <a:off x="3587458" y="1347075"/>
-        <a:ext cx="2039652" cy="781801"/>
+        <a:off x="3588018" y="1354340"/>
+        <a:ext cx="2039665" cy="781806"/>
       </dsp:txXfrm>
     </dsp:sp>
     <dsp:sp modelId="{A3688BDC-21BE-446C-8DCD-41FF61233B52}">
@@ -2047,8 +4176,8 @@
       </dsp:nvSpPr>
       <dsp:spPr>
         <a:xfrm>
-          <a:off x="6079902" y="1737976"/>
-          <a:ext cx="2349336" cy="1937711"/>
+          <a:off x="6079330" y="1745244"/>
+          <a:ext cx="2349350" cy="1937722"/>
         </a:xfrm>
         <a:prstGeom prst="roundRect">
           <a:avLst>
@@ -2135,8 +4264,8 @@
         </a:p>
       </dsp:txBody>
       <dsp:txXfrm>
-        <a:off x="6124494" y="1782568"/>
-        <a:ext cx="2260152" cy="1433303"/>
+        <a:off x="6123922" y="1789836"/>
+        <a:ext cx="2260166" cy="1433312"/>
       </dsp:txXfrm>
     </dsp:sp>
     <dsp:sp modelId="{510AD030-05BA-4D06-A67B-464A74518A3D}">
@@ -2145,17 +4274,17 @@
         <dsp:cNvSpPr/>
       </dsp:nvSpPr>
       <dsp:spPr>
-        <a:xfrm>
-          <a:off x="10404358" y="3663460"/>
-          <a:ext cx="2653956" cy="2653956"/>
+        <a:xfrm flipV="1">
+          <a:off x="-83131" y="5318696"/>
+          <a:ext cx="166262" cy="166262"/>
         </a:xfrm>
-        <a:prstGeom prst="leftCircularArrow">
+        <a:prstGeom prst="circularArrow">
           <a:avLst>
-            <a:gd name="adj1" fmla="val 3390"/>
-            <a:gd name="adj2" fmla="val 419567"/>
-            <a:gd name="adj3" fmla="val 2195078"/>
+            <a:gd name="adj1" fmla="val 3384"/>
+            <a:gd name="adj2" fmla="val 418667"/>
+            <a:gd name="adj3" fmla="val 2194177"/>
             <a:gd name="adj4" fmla="val 9024489"/>
-            <a:gd name="adj5" fmla="val 3955"/>
+            <a:gd name="adj5" fmla="val 3948"/>
           </a:avLst>
         </a:prstGeom>
         <a:solidFill>
@@ -2194,8 +4323,8 @@
       </dsp:nvSpPr>
       <dsp:spPr>
         <a:xfrm>
-          <a:off x="6601977" y="3260463"/>
-          <a:ext cx="2088298" cy="830447"/>
+          <a:off x="6601407" y="3267740"/>
+          <a:ext cx="2088311" cy="830452"/>
         </a:xfrm>
         <a:prstGeom prst="roundRect">
           <a:avLst>
@@ -2263,8 +4392,8 @@
         </a:p>
       </dsp:txBody>
       <dsp:txXfrm>
-        <a:off x="6626300" y="3284786"/>
-        <a:ext cx="2039652" cy="781801"/>
+        <a:off x="6625730" y="3292063"/>
+        <a:ext cx="2039665" cy="781806"/>
       </dsp:txXfrm>
     </dsp:sp>
     <dsp:sp modelId="{AB0DA6FD-8686-4C31-92CE-CE5EE5B6D22F}">
@@ -2274,8 +4403,8 @@
       </dsp:nvSpPr>
       <dsp:spPr>
         <a:xfrm>
-          <a:off x="9118745" y="1737976"/>
-          <a:ext cx="2349336" cy="1937711"/>
+          <a:off x="9117042" y="1745244"/>
+          <a:ext cx="2349350" cy="1937722"/>
         </a:xfrm>
         <a:prstGeom prst="roundRect">
           <a:avLst>
@@ -2362,8 +4491,8 @@
         </a:p>
       </dsp:txBody>
       <dsp:txXfrm>
-        <a:off x="9163337" y="2197792"/>
-        <a:ext cx="2260152" cy="1433303"/>
+        <a:off x="9161634" y="2205062"/>
+        <a:ext cx="2260166" cy="1433312"/>
       </dsp:txXfrm>
     </dsp:sp>
     <dsp:sp modelId="{02F2E62D-5EE5-4B4D-A2CB-CB16D1222223}">
@@ -2373,8 +4502,8 @@
       </dsp:nvSpPr>
       <dsp:spPr>
         <a:xfrm>
-          <a:off x="9640819" y="1322752"/>
-          <a:ext cx="2088298" cy="830447"/>
+          <a:off x="9639120" y="1330017"/>
+          <a:ext cx="2088311" cy="830452"/>
         </a:xfrm>
         <a:prstGeom prst="roundRect">
           <a:avLst>
@@ -2442,8 +4571,8 @@
         </a:p>
       </dsp:txBody>
       <dsp:txXfrm>
-        <a:off x="9665142" y="1347075"/>
-        <a:ext cx="2039652" cy="781801"/>
+        <a:off x="9663443" y="1354340"/>
+        <a:ext cx="2039665" cy="781806"/>
       </dsp:txXfrm>
     </dsp:sp>
   </dsp:spTree>
@@ -2451,6 +4580,300 @@
 </file>
 
 <file path=ppt/diagrams/layout1.xml><?xml version="1.0" encoding="utf-8"?>
+<dgm:layoutDef xmlns:dgm="http://schemas.openxmlformats.org/drawingml/2006/diagram" xmlns:a="http://schemas.openxmlformats.org/drawingml/2006/main" uniqueId="urn:microsoft.com/office/officeart/2005/8/layout/hProcess6">
+  <dgm:title val=""/>
+  <dgm:desc val=""/>
+  <dgm:catLst>
+    <dgm:cat type="process" pri="7000"/>
+  </dgm:catLst>
+  <dgm:sampData>
+    <dgm:dataModel>
+      <dgm:ptLst>
+        <dgm:pt modelId="0" type="doc"/>
+        <dgm:pt modelId="1">
+          <dgm:prSet phldr="1"/>
+        </dgm:pt>
+        <dgm:pt modelId="11">
+          <dgm:prSet phldr="1"/>
+        </dgm:pt>
+        <dgm:pt modelId="12">
+          <dgm:prSet phldr="1"/>
+        </dgm:pt>
+        <dgm:pt modelId="2">
+          <dgm:prSet phldr="1"/>
+        </dgm:pt>
+        <dgm:pt modelId="21">
+          <dgm:prSet phldr="1"/>
+        </dgm:pt>
+        <dgm:pt modelId="22">
+          <dgm:prSet phldr="1"/>
+        </dgm:pt>
+        <dgm:pt modelId="3">
+          <dgm:prSet phldr="1"/>
+        </dgm:pt>
+        <dgm:pt modelId="31">
+          <dgm:prSet phldr="1"/>
+        </dgm:pt>
+        <dgm:pt modelId="32">
+          <dgm:prSet phldr="1"/>
+        </dgm:pt>
+      </dgm:ptLst>
+      <dgm:cxnLst>
+        <dgm:cxn modelId="4" srcId="0" destId="1" srcOrd="0" destOrd="0"/>
+        <dgm:cxn modelId="5" srcId="0" destId="2" srcOrd="1" destOrd="0"/>
+        <dgm:cxn modelId="13" srcId="1" destId="11" srcOrd="0" destOrd="0"/>
+        <dgm:cxn modelId="14" srcId="1" destId="12" srcOrd="0" destOrd="0"/>
+        <dgm:cxn modelId="23" srcId="2" destId="21" srcOrd="0" destOrd="0"/>
+        <dgm:cxn modelId="24" srcId="2" destId="22" srcOrd="0" destOrd="0"/>
+        <dgm:cxn modelId="33" srcId="3" destId="31" srcOrd="0" destOrd="0"/>
+        <dgm:cxn modelId="34" srcId="3" destId="32" srcOrd="0" destOrd="0"/>
+      </dgm:cxnLst>
+      <dgm:bg/>
+      <dgm:whole/>
+    </dgm:dataModel>
+  </dgm:sampData>
+  <dgm:styleData>
+    <dgm:dataModel>
+      <dgm:ptLst>
+        <dgm:pt modelId="0" type="doc"/>
+        <dgm:pt modelId="1"/>
+        <dgm:pt modelId="11"/>
+        <dgm:pt modelId="2"/>
+        <dgm:pt modelId="21"/>
+      </dgm:ptLst>
+      <dgm:cxnLst>
+        <dgm:cxn modelId="4" srcId="0" destId="1" srcOrd="0" destOrd="0"/>
+        <dgm:cxn modelId="5" srcId="0" destId="2" srcOrd="1" destOrd="0"/>
+        <dgm:cxn modelId="13" srcId="1" destId="11" srcOrd="0" destOrd="0"/>
+        <dgm:cxn modelId="23" srcId="2" destId="21" srcOrd="0" destOrd="0"/>
+      </dgm:cxnLst>
+      <dgm:bg/>
+      <dgm:whole/>
+    </dgm:dataModel>
+  </dgm:styleData>
+  <dgm:clrData>
+    <dgm:dataModel>
+      <dgm:ptLst>
+        <dgm:pt modelId="0" type="doc"/>
+        <dgm:pt modelId="1"/>
+        <dgm:pt modelId="11"/>
+        <dgm:pt modelId="2"/>
+        <dgm:pt modelId="21"/>
+        <dgm:pt modelId="3"/>
+        <dgm:pt modelId="31"/>
+        <dgm:pt modelId="4"/>
+        <dgm:pt modelId="41"/>
+      </dgm:ptLst>
+      <dgm:cxnLst>
+        <dgm:cxn modelId="5" srcId="0" destId="1" srcOrd="0" destOrd="0"/>
+        <dgm:cxn modelId="6" srcId="0" destId="2" srcOrd="1" destOrd="0"/>
+        <dgm:cxn modelId="7" srcId="0" destId="3" srcOrd="2" destOrd="0"/>
+        <dgm:cxn modelId="8" srcId="0" destId="4" srcOrd="3" destOrd="0"/>
+        <dgm:cxn modelId="13" srcId="1" destId="11" srcOrd="0" destOrd="0"/>
+        <dgm:cxn modelId="23" srcId="2" destId="21" srcOrd="0" destOrd="0"/>
+        <dgm:cxn modelId="33" srcId="3" destId="31" srcOrd="0" destOrd="0"/>
+        <dgm:cxn modelId="43" srcId="4" destId="41" srcOrd="0" destOrd="0"/>
+      </dgm:cxnLst>
+      <dgm:bg/>
+      <dgm:whole/>
+    </dgm:dataModel>
+  </dgm:clrData>
+  <dgm:layoutNode name="theList">
+    <dgm:varLst>
+      <dgm:dir/>
+      <dgm:animLvl val="lvl"/>
+      <dgm:resizeHandles val="exact"/>
+    </dgm:varLst>
+    <dgm:choose name="Name0">
+      <dgm:if name="Name1" func="var" arg="dir" op="equ" val="norm">
+        <dgm:alg type="lin">
+          <dgm:param type="linDir" val="fromL"/>
+          <dgm:param type="nodeHorzAlign" val="l"/>
+        </dgm:alg>
+      </dgm:if>
+      <dgm:else name="Name2">
+        <dgm:alg type="lin">
+          <dgm:param type="linDir" val="fromR"/>
+          <dgm:param type="nodeHorzAlign" val="r"/>
+        </dgm:alg>
+      </dgm:else>
+    </dgm:choose>
+    <dgm:shape xmlns:r="http://schemas.openxmlformats.org/officeDocument/2006/relationships" r:blip="">
+      <dgm:adjLst/>
+    </dgm:shape>
+    <dgm:presOf/>
+    <dgm:constrLst>
+      <dgm:constr type="w" for="ch" forName="compNode" refType="w"/>
+      <dgm:constr type="h" for="ch" forName="compNode" refType="w" refFor="ch" refForName="compNode" fact="0.7"/>
+      <dgm:constr type="ctrY" for="ch" forName="compNode" refType="h" fact="0.5"/>
+      <dgm:constr type="w" for="ch" forName="aSpace" refType="w" fact="0.05"/>
+      <dgm:constr type="primFontSz" for="des" forName="childTextHidden" op="equ" val="65"/>
+      <dgm:constr type="primFontSz" for="des" forName="parentText" op="equ"/>
+    </dgm:constrLst>
+    <dgm:ruleLst/>
+    <dgm:forEach name="aNodeForEach" axis="ch" ptType="node">
+      <dgm:layoutNode name="compNode">
+        <dgm:alg type="composite">
+          <dgm:param type="ar" val="1.43"/>
+        </dgm:alg>
+        <dgm:shape xmlns:r="http://schemas.openxmlformats.org/officeDocument/2006/relationships" r:blip="">
+          <dgm:adjLst/>
+        </dgm:shape>
+        <dgm:presOf/>
+        <dgm:choose name="Name3">
+          <dgm:if name="Name4" func="var" arg="dir" op="equ" val="norm">
+            <dgm:constrLst>
+              <dgm:constr type="w" for="ch" forName="childTextVisible" refType="w" fact="0.8"/>
+              <dgm:constr type="h" for="ch" forName="childTextVisible" refType="h"/>
+              <dgm:constr type="r" for="ch" forName="childTextVisible" refType="w"/>
+              <dgm:constr type="w" for="ch" forName="childTextHidden" refType="w" fact="0.6"/>
+              <dgm:constr type="h" for="ch" forName="childTextHidden" refType="h"/>
+              <dgm:constr type="r" for="ch" forName="childTextHidden" refType="w"/>
+              <dgm:constr type="l" for="ch" forName="parentText"/>
+              <dgm:constr type="w" for="ch" forName="parentText" refType="w" fact="0.4"/>
+              <dgm:constr type="h" for="ch" forName="parentText" refType="w" refFor="ch" refForName="parentText" op="equ"/>
+              <dgm:constr type="ctrY" for="ch" forName="parentText" refType="h" fact="0.5"/>
+            </dgm:constrLst>
+          </dgm:if>
+          <dgm:else name="Name5">
+            <dgm:constrLst>
+              <dgm:constr type="w" for="ch" forName="childTextVisible" refType="w" fact="0.8"/>
+              <dgm:constr type="h" for="ch" forName="childTextVisible" refType="h"/>
+              <dgm:constr type="l" for="ch" forName="childTextVisible"/>
+              <dgm:constr type="w" for="ch" forName="childTextHidden" refType="w" fact="0.6"/>
+              <dgm:constr type="h" for="ch" forName="childTextHidden" refType="h"/>
+              <dgm:constr type="l" for="ch" forName="childTextHidden"/>
+              <dgm:constr type="r" for="ch" forName="parentText" refType="w"/>
+              <dgm:constr type="w" for="ch" forName="parentText" refType="w" fact="0.4"/>
+              <dgm:constr type="h" for="ch" forName="parentText" refType="w" refFor="ch" refForName="parentText" op="equ"/>
+              <dgm:constr type="ctrY" for="ch" forName="parentText" refType="h" fact="0.5"/>
+            </dgm:constrLst>
+          </dgm:else>
+        </dgm:choose>
+        <dgm:ruleLst/>
+        <dgm:layoutNode name="noGeometry">
+          <dgm:alg type="sp"/>
+          <dgm:shape xmlns:r="http://schemas.openxmlformats.org/officeDocument/2006/relationships" r:blip="">
+            <dgm:adjLst/>
+          </dgm:shape>
+          <dgm:presOf/>
+          <dgm:constrLst/>
+          <dgm:ruleLst/>
+        </dgm:layoutNode>
+        <dgm:layoutNode name="childTextVisible" styleLbl="bgAccFollowNode1">
+          <dgm:varLst>
+            <dgm:bulletEnabled val="1"/>
+          </dgm:varLst>
+          <dgm:alg type="sp"/>
+          <dgm:choose name="Name6">
+            <dgm:if name="Name7" func="var" arg="dir" op="equ" val="norm">
+              <dgm:shape xmlns:r="http://schemas.openxmlformats.org/officeDocument/2006/relationships" type="rightArrow" r:blip="">
+                <dgm:adjLst>
+                  <dgm:adj idx="1" val="0.7"/>
+                  <dgm:adj idx="2" val="0.5"/>
+                </dgm:adjLst>
+              </dgm:shape>
+            </dgm:if>
+            <dgm:else name="Name8">
+              <dgm:shape xmlns:r="http://schemas.openxmlformats.org/officeDocument/2006/relationships" type="leftArrow" r:blip="">
+                <dgm:adjLst>
+                  <dgm:adj idx="1" val="0.7"/>
+                  <dgm:adj idx="2" val="0.5"/>
+                </dgm:adjLst>
+              </dgm:shape>
+            </dgm:else>
+          </dgm:choose>
+          <dgm:presOf axis="des" ptType="node"/>
+          <dgm:constrLst/>
+          <dgm:ruleLst/>
+        </dgm:layoutNode>
+        <dgm:layoutNode name="childTextHidden" styleLbl="bgAccFollowNode1">
+          <dgm:choose name="Name9">
+            <dgm:if name="Name10" axis="des followSib" ptType="node node" st="1 1" cnt="1 0" func="cnt" op="gte" val="1">
+              <dgm:alg type="tx">
+                <dgm:param type="stBulletLvl" val="1"/>
+                <dgm:param type="txAnchorVertCh" val="mid"/>
+              </dgm:alg>
+            </dgm:if>
+            <dgm:else name="Name11">
+              <dgm:alg type="tx">
+                <dgm:param type="stBulletLvl" val="2"/>
+                <dgm:param type="txAnchorVertCh" val="mid"/>
+              </dgm:alg>
+            </dgm:else>
+          </dgm:choose>
+          <dgm:choose name="Name12">
+            <dgm:if name="Name13" func="var" arg="dir" op="equ" val="norm">
+              <dgm:shape xmlns:r="http://schemas.openxmlformats.org/officeDocument/2006/relationships" type="rightArrow" r:blip="" hideGeom="1">
+                <dgm:adjLst>
+                  <dgm:adj idx="1" val="0.7"/>
+                  <dgm:adj idx="2" val="0.5"/>
+                </dgm:adjLst>
+              </dgm:shape>
+            </dgm:if>
+            <dgm:else name="Name14">
+              <dgm:shape xmlns:r="http://schemas.openxmlformats.org/officeDocument/2006/relationships" type="leftArrow" r:blip="" hideGeom="1">
+                <dgm:adjLst>
+                  <dgm:adj idx="1" val="0.7"/>
+                  <dgm:adj idx="2" val="0.5"/>
+                </dgm:adjLst>
+              </dgm:shape>
+            </dgm:else>
+          </dgm:choose>
+          <dgm:presOf axis="des" ptType="node"/>
+          <dgm:constrLst>
+            <dgm:constr type="secFontSz" refType="primFontSz"/>
+            <dgm:constr type="tMarg" refType="primFontSz" fact="0.05"/>
+            <dgm:constr type="bMarg" refType="primFontSz" fact="0.05"/>
+            <dgm:constr type="rMarg" refType="primFontSz" fact="0.1"/>
+            <dgm:constr type="lMarg" refType="primFontSz" fact="0.2"/>
+          </dgm:constrLst>
+          <dgm:ruleLst>
+            <dgm:rule type="primFontSz" val="5" fact="NaN" max="NaN"/>
+          </dgm:ruleLst>
+        </dgm:layoutNode>
+        <dgm:layoutNode name="parentText" styleLbl="node1">
+          <dgm:varLst>
+            <dgm:chMax val="1"/>
+            <dgm:bulletEnabled val="1"/>
+          </dgm:varLst>
+          <dgm:alg type="tx"/>
+          <dgm:shape xmlns:r="http://schemas.openxmlformats.org/officeDocument/2006/relationships" type="ellipse" r:blip="">
+            <dgm:adjLst/>
+          </dgm:shape>
+          <dgm:presOf axis="self"/>
+          <dgm:constrLst>
+            <dgm:constr type="primFontSz" val="65"/>
+            <dgm:constr type="tMarg" refType="primFontSz" fact="0.05"/>
+            <dgm:constr type="bMarg" refType="primFontSz" fact="0.05"/>
+            <dgm:constr type="lMarg" refType="primFontSz" fact="0.05"/>
+            <dgm:constr type="rMarg" refType="primFontSz" fact="0.05"/>
+          </dgm:constrLst>
+          <dgm:ruleLst>
+            <dgm:rule type="primFontSz" val="5" fact="NaN" max="NaN"/>
+          </dgm:ruleLst>
+        </dgm:layoutNode>
+      </dgm:layoutNode>
+      <dgm:choose name="Name15">
+        <dgm:if name="Name16" axis="self" ptType="node" func="revPos" op="gte" val="2">
+          <dgm:layoutNode name="aSpace">
+            <dgm:alg type="sp"/>
+            <dgm:shape xmlns:r="http://schemas.openxmlformats.org/officeDocument/2006/relationships" r:blip="">
+              <dgm:adjLst/>
+            </dgm:shape>
+            <dgm:presOf/>
+            <dgm:constrLst/>
+            <dgm:ruleLst/>
+          </dgm:layoutNode>
+        </dgm:if>
+        <dgm:else name="Name17"/>
+      </dgm:choose>
+    </dgm:forEach>
+  </dgm:layoutNode>
+</dgm:layoutDef>
+</file>
+
+<file path=ppt/diagrams/layout2.xml><?xml version="1.0" encoding="utf-8"?>
 <dgm:layoutDef xmlns:dgm="http://schemas.openxmlformats.org/drawingml/2006/diagram" xmlns:a="http://schemas.openxmlformats.org/drawingml/2006/main" uniqueId="urn:microsoft.com/office/officeart/2005/8/layout/hProcess4">
   <dgm:title val=""/>
   <dgm:desc val=""/>
@@ -4028,6 +6451,1040 @@
 </dgm:styleDef>
 </file>
 
+<file path=ppt/diagrams/quickStyle2.xml><?xml version="1.0" encoding="utf-8"?>
+<dgm:styleDef xmlns:dgm="http://schemas.openxmlformats.org/drawingml/2006/diagram" xmlns:a="http://schemas.openxmlformats.org/drawingml/2006/main" uniqueId="urn:microsoft.com/office/officeart/2005/8/quickstyle/simple1">
+  <dgm:title val=""/>
+  <dgm:desc val=""/>
+  <dgm:catLst>
+    <dgm:cat type="simple" pri="10100"/>
+  </dgm:catLst>
+  <dgm:scene3d>
+    <a:camera prst="orthographicFront"/>
+    <a:lightRig rig="threePt" dir="t"/>
+  </dgm:scene3d>
+  <dgm:styleLbl name="node0">
+    <dgm:scene3d>
+      <a:camera prst="orthographicFront"/>
+      <a:lightRig rig="threePt" dir="t"/>
+    </dgm:scene3d>
+    <dgm:sp3d/>
+    <dgm:txPr/>
+    <dgm:style>
+      <a:lnRef idx="2">
+        <a:scrgbClr r="0" g="0" b="0"/>
+      </a:lnRef>
+      <a:fillRef idx="1">
+        <a:scrgbClr r="0" g="0" b="0"/>
+      </a:fillRef>
+      <a:effectRef idx="0">
+        <a:scrgbClr r="0" g="0" b="0"/>
+      </a:effectRef>
+      <a:fontRef idx="minor">
+        <a:schemeClr val="lt1"/>
+      </a:fontRef>
+    </dgm:style>
+  </dgm:styleLbl>
+  <dgm:styleLbl name="lnNode1">
+    <dgm:scene3d>
+      <a:camera prst="orthographicFront"/>
+      <a:lightRig rig="threePt" dir="t"/>
+    </dgm:scene3d>
+    <dgm:sp3d/>
+    <dgm:txPr/>
+    <dgm:style>
+      <a:lnRef idx="2">
+        <a:scrgbClr r="0" g="0" b="0"/>
+      </a:lnRef>
+      <a:fillRef idx="1">
+        <a:scrgbClr r="0" g="0" b="0"/>
+      </a:fillRef>
+      <a:effectRef idx="0">
+        <a:scrgbClr r="0" g="0" b="0"/>
+      </a:effectRef>
+      <a:fontRef idx="minor">
+        <a:schemeClr val="lt1"/>
+      </a:fontRef>
+    </dgm:style>
+  </dgm:styleLbl>
+  <dgm:styleLbl name="vennNode1">
+    <dgm:scene3d>
+      <a:camera prst="orthographicFront"/>
+      <a:lightRig rig="threePt" dir="t"/>
+    </dgm:scene3d>
+    <dgm:sp3d/>
+    <dgm:txPr/>
+    <dgm:style>
+      <a:lnRef idx="2">
+        <a:scrgbClr r="0" g="0" b="0"/>
+      </a:lnRef>
+      <a:fillRef idx="1">
+        <a:scrgbClr r="0" g="0" b="0"/>
+      </a:fillRef>
+      <a:effectRef idx="0">
+        <a:scrgbClr r="0" g="0" b="0"/>
+      </a:effectRef>
+      <a:fontRef idx="minor">
+        <a:schemeClr val="tx1"/>
+      </a:fontRef>
+    </dgm:style>
+  </dgm:styleLbl>
+  <dgm:styleLbl name="alignNode1">
+    <dgm:scene3d>
+      <a:camera prst="orthographicFront"/>
+      <a:lightRig rig="threePt" dir="t"/>
+    </dgm:scene3d>
+    <dgm:sp3d/>
+    <dgm:txPr/>
+    <dgm:style>
+      <a:lnRef idx="2">
+        <a:scrgbClr r="0" g="0" b="0"/>
+      </a:lnRef>
+      <a:fillRef idx="1">
+        <a:scrgbClr r="0" g="0" b="0"/>
+      </a:fillRef>
+      <a:effectRef idx="0">
+        <a:scrgbClr r="0" g="0" b="0"/>
+      </a:effectRef>
+      <a:fontRef idx="minor">
+        <a:schemeClr val="lt1"/>
+      </a:fontRef>
+    </dgm:style>
+  </dgm:styleLbl>
+  <dgm:styleLbl name="node1">
+    <dgm:scene3d>
+      <a:camera prst="orthographicFront"/>
+      <a:lightRig rig="threePt" dir="t"/>
+    </dgm:scene3d>
+    <dgm:sp3d/>
+    <dgm:txPr/>
+    <dgm:style>
+      <a:lnRef idx="2">
+        <a:scrgbClr r="0" g="0" b="0"/>
+      </a:lnRef>
+      <a:fillRef idx="1">
+        <a:scrgbClr r="0" g="0" b="0"/>
+      </a:fillRef>
+      <a:effectRef idx="0">
+        <a:scrgbClr r="0" g="0" b="0"/>
+      </a:effectRef>
+      <a:fontRef idx="minor">
+        <a:schemeClr val="lt1"/>
+      </a:fontRef>
+    </dgm:style>
+  </dgm:styleLbl>
+  <dgm:styleLbl name="node2">
+    <dgm:scene3d>
+      <a:camera prst="orthographicFront"/>
+      <a:lightRig rig="threePt" dir="t"/>
+    </dgm:scene3d>
+    <dgm:sp3d/>
+    <dgm:txPr/>
+    <dgm:style>
+      <a:lnRef idx="2">
+        <a:scrgbClr r="0" g="0" b="0"/>
+      </a:lnRef>
+      <a:fillRef idx="1">
+        <a:scrgbClr r="0" g="0" b="0"/>
+      </a:fillRef>
+      <a:effectRef idx="0">
+        <a:scrgbClr r="0" g="0" b="0"/>
+      </a:effectRef>
+      <a:fontRef idx="minor">
+        <a:schemeClr val="lt1"/>
+      </a:fontRef>
+    </dgm:style>
+  </dgm:styleLbl>
+  <dgm:styleLbl name="node3">
+    <dgm:scene3d>
+      <a:camera prst="orthographicFront"/>
+      <a:lightRig rig="threePt" dir="t"/>
+    </dgm:scene3d>
+    <dgm:sp3d/>
+    <dgm:txPr/>
+    <dgm:style>
+      <a:lnRef idx="2">
+        <a:scrgbClr r="0" g="0" b="0"/>
+      </a:lnRef>
+      <a:fillRef idx="1">
+        <a:scrgbClr r="0" g="0" b="0"/>
+      </a:fillRef>
+      <a:effectRef idx="0">
+        <a:scrgbClr r="0" g="0" b="0"/>
+      </a:effectRef>
+      <a:fontRef idx="minor">
+        <a:schemeClr val="lt1"/>
+      </a:fontRef>
+    </dgm:style>
+  </dgm:styleLbl>
+  <dgm:styleLbl name="node4">
+    <dgm:scene3d>
+      <a:camera prst="orthographicFront"/>
+      <a:lightRig rig="threePt" dir="t"/>
+    </dgm:scene3d>
+    <dgm:sp3d/>
+    <dgm:txPr/>
+    <dgm:style>
+      <a:lnRef idx="2">
+        <a:scrgbClr r="0" g="0" b="0"/>
+      </a:lnRef>
+      <a:fillRef idx="1">
+        <a:scrgbClr r="0" g="0" b="0"/>
+      </a:fillRef>
+      <a:effectRef idx="0">
+        <a:scrgbClr r="0" g="0" b="0"/>
+      </a:effectRef>
+      <a:fontRef idx="minor">
+        <a:schemeClr val="lt1"/>
+      </a:fontRef>
+    </dgm:style>
+  </dgm:styleLbl>
+  <dgm:styleLbl name="fgImgPlace1">
+    <dgm:scene3d>
+      <a:camera prst="orthographicFront"/>
+      <a:lightRig rig="threePt" dir="t"/>
+    </dgm:scene3d>
+    <dgm:sp3d/>
+    <dgm:txPr/>
+    <dgm:style>
+      <a:lnRef idx="2">
+        <a:scrgbClr r="0" g="0" b="0"/>
+      </a:lnRef>
+      <a:fillRef idx="1">
+        <a:scrgbClr r="0" g="0" b="0"/>
+      </a:fillRef>
+      <a:effectRef idx="0">
+        <a:scrgbClr r="0" g="0" b="0"/>
+      </a:effectRef>
+      <a:fontRef idx="minor"/>
+    </dgm:style>
+  </dgm:styleLbl>
+  <dgm:styleLbl name="alignImgPlace1">
+    <dgm:scene3d>
+      <a:camera prst="orthographicFront"/>
+      <a:lightRig rig="threePt" dir="t"/>
+    </dgm:scene3d>
+    <dgm:sp3d/>
+    <dgm:txPr/>
+    <dgm:style>
+      <a:lnRef idx="2">
+        <a:scrgbClr r="0" g="0" b="0"/>
+      </a:lnRef>
+      <a:fillRef idx="1">
+        <a:scrgbClr r="0" g="0" b="0"/>
+      </a:fillRef>
+      <a:effectRef idx="0">
+        <a:scrgbClr r="0" g="0" b="0"/>
+      </a:effectRef>
+      <a:fontRef idx="minor"/>
+    </dgm:style>
+  </dgm:styleLbl>
+  <dgm:styleLbl name="bgImgPlace1">
+    <dgm:scene3d>
+      <a:camera prst="orthographicFront"/>
+      <a:lightRig rig="threePt" dir="t"/>
+    </dgm:scene3d>
+    <dgm:sp3d/>
+    <dgm:txPr/>
+    <dgm:style>
+      <a:lnRef idx="2">
+        <a:scrgbClr r="0" g="0" b="0"/>
+      </a:lnRef>
+      <a:fillRef idx="1">
+        <a:scrgbClr r="0" g="0" b="0"/>
+      </a:fillRef>
+      <a:effectRef idx="0">
+        <a:scrgbClr r="0" g="0" b="0"/>
+      </a:effectRef>
+      <a:fontRef idx="minor"/>
+    </dgm:style>
+  </dgm:styleLbl>
+  <dgm:styleLbl name="sibTrans2D1">
+    <dgm:scene3d>
+      <a:camera prst="orthographicFront"/>
+      <a:lightRig rig="threePt" dir="t"/>
+    </dgm:scene3d>
+    <dgm:sp3d/>
+    <dgm:txPr/>
+    <dgm:style>
+      <a:lnRef idx="0">
+        <a:scrgbClr r="0" g="0" b="0"/>
+      </a:lnRef>
+      <a:fillRef idx="1">
+        <a:scrgbClr r="0" g="0" b="0"/>
+      </a:fillRef>
+      <a:effectRef idx="0">
+        <a:scrgbClr r="0" g="0" b="0"/>
+      </a:effectRef>
+      <a:fontRef idx="minor">
+        <a:schemeClr val="lt1"/>
+      </a:fontRef>
+    </dgm:style>
+  </dgm:styleLbl>
+  <dgm:styleLbl name="fgSibTrans2D1">
+    <dgm:scene3d>
+      <a:camera prst="orthographicFront"/>
+      <a:lightRig rig="threePt" dir="t"/>
+    </dgm:scene3d>
+    <dgm:sp3d/>
+    <dgm:txPr/>
+    <dgm:style>
+      <a:lnRef idx="0">
+        <a:scrgbClr r="0" g="0" b="0"/>
+      </a:lnRef>
+      <a:fillRef idx="1">
+        <a:scrgbClr r="0" g="0" b="0"/>
+      </a:fillRef>
+      <a:effectRef idx="0">
+        <a:scrgbClr r="0" g="0" b="0"/>
+      </a:effectRef>
+      <a:fontRef idx="minor">
+        <a:schemeClr val="lt1"/>
+      </a:fontRef>
+    </dgm:style>
+  </dgm:styleLbl>
+  <dgm:styleLbl name="bgSibTrans2D1">
+    <dgm:scene3d>
+      <a:camera prst="orthographicFront"/>
+      <a:lightRig rig="threePt" dir="t"/>
+    </dgm:scene3d>
+    <dgm:sp3d/>
+    <dgm:txPr/>
+    <dgm:style>
+      <a:lnRef idx="0">
+        <a:scrgbClr r="0" g="0" b="0"/>
+      </a:lnRef>
+      <a:fillRef idx="1">
+        <a:scrgbClr r="0" g="0" b="0"/>
+      </a:fillRef>
+      <a:effectRef idx="0">
+        <a:scrgbClr r="0" g="0" b="0"/>
+      </a:effectRef>
+      <a:fontRef idx="minor">
+        <a:schemeClr val="lt1"/>
+      </a:fontRef>
+    </dgm:style>
+  </dgm:styleLbl>
+  <dgm:styleLbl name="sibTrans1D1">
+    <dgm:scene3d>
+      <a:camera prst="orthographicFront"/>
+      <a:lightRig rig="threePt" dir="t"/>
+    </dgm:scene3d>
+    <dgm:sp3d/>
+    <dgm:txPr/>
+    <dgm:style>
+      <a:lnRef idx="1">
+        <a:scrgbClr r="0" g="0" b="0"/>
+      </a:lnRef>
+      <a:fillRef idx="0">
+        <a:scrgbClr r="0" g="0" b="0"/>
+      </a:fillRef>
+      <a:effectRef idx="0">
+        <a:scrgbClr r="0" g="0" b="0"/>
+      </a:effectRef>
+      <a:fontRef idx="minor"/>
+    </dgm:style>
+  </dgm:styleLbl>
+  <dgm:styleLbl name="callout">
+    <dgm:scene3d>
+      <a:camera prst="orthographicFront"/>
+      <a:lightRig rig="threePt" dir="t"/>
+    </dgm:scene3d>
+    <dgm:sp3d/>
+    <dgm:txPr/>
+    <dgm:style>
+      <a:lnRef idx="2">
+        <a:scrgbClr r="0" g="0" b="0"/>
+      </a:lnRef>
+      <a:fillRef idx="1">
+        <a:scrgbClr r="0" g="0" b="0"/>
+      </a:fillRef>
+      <a:effectRef idx="0">
+        <a:scrgbClr r="0" g="0" b="0"/>
+      </a:effectRef>
+      <a:fontRef idx="minor"/>
+    </dgm:style>
+  </dgm:styleLbl>
+  <dgm:styleLbl name="asst0">
+    <dgm:scene3d>
+      <a:camera prst="orthographicFront"/>
+      <a:lightRig rig="threePt" dir="t"/>
+    </dgm:scene3d>
+    <dgm:sp3d/>
+    <dgm:txPr/>
+    <dgm:style>
+      <a:lnRef idx="2">
+        <a:scrgbClr r="0" g="0" b="0"/>
+      </a:lnRef>
+      <a:fillRef idx="1">
+        <a:scrgbClr r="0" g="0" b="0"/>
+      </a:fillRef>
+      <a:effectRef idx="0">
+        <a:scrgbClr r="0" g="0" b="0"/>
+      </a:effectRef>
+      <a:fontRef idx="minor">
+        <a:schemeClr val="lt1"/>
+      </a:fontRef>
+    </dgm:style>
+  </dgm:styleLbl>
+  <dgm:styleLbl name="asst1">
+    <dgm:scene3d>
+      <a:camera prst="orthographicFront"/>
+      <a:lightRig rig="threePt" dir="t"/>
+    </dgm:scene3d>
+    <dgm:sp3d/>
+    <dgm:txPr/>
+    <dgm:style>
+      <a:lnRef idx="2">
+        <a:scrgbClr r="0" g="0" b="0"/>
+      </a:lnRef>
+      <a:fillRef idx="1">
+        <a:scrgbClr r="0" g="0" b="0"/>
+      </a:fillRef>
+      <a:effectRef idx="0">
+        <a:scrgbClr r="0" g="0" b="0"/>
+      </a:effectRef>
+      <a:fontRef idx="minor">
+        <a:schemeClr val="lt1"/>
+      </a:fontRef>
+    </dgm:style>
+  </dgm:styleLbl>
+  <dgm:styleLbl name="asst2">
+    <dgm:scene3d>
+      <a:camera prst="orthographicFront"/>
+      <a:lightRig rig="threePt" dir="t"/>
+    </dgm:scene3d>
+    <dgm:sp3d/>
+    <dgm:txPr/>
+    <dgm:style>
+      <a:lnRef idx="2">
+        <a:scrgbClr r="0" g="0" b="0"/>
+      </a:lnRef>
+      <a:fillRef idx="1">
+        <a:scrgbClr r="0" g="0" b="0"/>
+      </a:fillRef>
+      <a:effectRef idx="0">
+        <a:scrgbClr r="0" g="0" b="0"/>
+      </a:effectRef>
+      <a:fontRef idx="minor">
+        <a:schemeClr val="lt1"/>
+      </a:fontRef>
+    </dgm:style>
+  </dgm:styleLbl>
+  <dgm:styleLbl name="asst3">
+    <dgm:scene3d>
+      <a:camera prst="orthographicFront"/>
+      <a:lightRig rig="threePt" dir="t"/>
+    </dgm:scene3d>
+    <dgm:sp3d/>
+    <dgm:txPr/>
+    <dgm:style>
+      <a:lnRef idx="2">
+        <a:scrgbClr r="0" g="0" b="0"/>
+      </a:lnRef>
+      <a:fillRef idx="1">
+        <a:scrgbClr r="0" g="0" b="0"/>
+      </a:fillRef>
+      <a:effectRef idx="0">
+        <a:scrgbClr r="0" g="0" b="0"/>
+      </a:effectRef>
+      <a:fontRef idx="minor">
+        <a:schemeClr val="lt1"/>
+      </a:fontRef>
+    </dgm:style>
+  </dgm:styleLbl>
+  <dgm:styleLbl name="asst4">
+    <dgm:scene3d>
+      <a:camera prst="orthographicFront"/>
+      <a:lightRig rig="threePt" dir="t"/>
+    </dgm:scene3d>
+    <dgm:sp3d/>
+    <dgm:txPr/>
+    <dgm:style>
+      <a:lnRef idx="2">
+        <a:scrgbClr r="0" g="0" b="0"/>
+      </a:lnRef>
+      <a:fillRef idx="1">
+        <a:scrgbClr r="0" g="0" b="0"/>
+      </a:fillRef>
+      <a:effectRef idx="0">
+        <a:scrgbClr r="0" g="0" b="0"/>
+      </a:effectRef>
+      <a:fontRef idx="minor">
+        <a:schemeClr val="lt1"/>
+      </a:fontRef>
+    </dgm:style>
+  </dgm:styleLbl>
+  <dgm:styleLbl name="parChTrans2D1">
+    <dgm:scene3d>
+      <a:camera prst="orthographicFront"/>
+      <a:lightRig rig="threePt" dir="t"/>
+    </dgm:scene3d>
+    <dgm:sp3d/>
+    <dgm:txPr/>
+    <dgm:style>
+      <a:lnRef idx="2">
+        <a:scrgbClr r="0" g="0" b="0"/>
+      </a:lnRef>
+      <a:fillRef idx="1">
+        <a:scrgbClr r="0" g="0" b="0"/>
+      </a:fillRef>
+      <a:effectRef idx="0">
+        <a:scrgbClr r="0" g="0" b="0"/>
+      </a:effectRef>
+      <a:fontRef idx="minor">
+        <a:schemeClr val="lt1"/>
+      </a:fontRef>
+    </dgm:style>
+  </dgm:styleLbl>
+  <dgm:styleLbl name="parChTrans2D2">
+    <dgm:scene3d>
+      <a:camera prst="orthographicFront"/>
+      <a:lightRig rig="threePt" dir="t"/>
+    </dgm:scene3d>
+    <dgm:sp3d/>
+    <dgm:txPr/>
+    <dgm:style>
+      <a:lnRef idx="2">
+        <a:scrgbClr r="0" g="0" b="0"/>
+      </a:lnRef>
+      <a:fillRef idx="1">
+        <a:scrgbClr r="0" g="0" b="0"/>
+      </a:fillRef>
+      <a:effectRef idx="0">
+        <a:scrgbClr r="0" g="0" b="0"/>
+      </a:effectRef>
+      <a:fontRef idx="minor">
+        <a:schemeClr val="lt1"/>
+      </a:fontRef>
+    </dgm:style>
+  </dgm:styleLbl>
+  <dgm:styleLbl name="parChTrans2D3">
+    <dgm:scene3d>
+      <a:camera prst="orthographicFront"/>
+      <a:lightRig rig="threePt" dir="t"/>
+    </dgm:scene3d>
+    <dgm:sp3d/>
+    <dgm:txPr/>
+    <dgm:style>
+      <a:lnRef idx="2">
+        <a:scrgbClr r="0" g="0" b="0"/>
+      </a:lnRef>
+      <a:fillRef idx="1">
+        <a:scrgbClr r="0" g="0" b="0"/>
+      </a:fillRef>
+      <a:effectRef idx="0">
+        <a:scrgbClr r="0" g="0" b="0"/>
+      </a:effectRef>
+      <a:fontRef idx="minor">
+        <a:schemeClr val="lt1"/>
+      </a:fontRef>
+    </dgm:style>
+  </dgm:styleLbl>
+  <dgm:styleLbl name="parChTrans2D4">
+    <dgm:scene3d>
+      <a:camera prst="orthographicFront"/>
+      <a:lightRig rig="threePt" dir="t"/>
+    </dgm:scene3d>
+    <dgm:sp3d/>
+    <dgm:txPr/>
+    <dgm:style>
+      <a:lnRef idx="2">
+        <a:scrgbClr r="0" g="0" b="0"/>
+      </a:lnRef>
+      <a:fillRef idx="1">
+        <a:scrgbClr r="0" g="0" b="0"/>
+      </a:fillRef>
+      <a:effectRef idx="0">
+        <a:scrgbClr r="0" g="0" b="0"/>
+      </a:effectRef>
+      <a:fontRef idx="minor">
+        <a:schemeClr val="lt1"/>
+      </a:fontRef>
+    </dgm:style>
+  </dgm:styleLbl>
+  <dgm:styleLbl name="parChTrans1D1">
+    <dgm:scene3d>
+      <a:camera prst="orthographicFront"/>
+      <a:lightRig rig="threePt" dir="t"/>
+    </dgm:scene3d>
+    <dgm:sp3d/>
+    <dgm:txPr/>
+    <dgm:style>
+      <a:lnRef idx="2">
+        <a:scrgbClr r="0" g="0" b="0"/>
+      </a:lnRef>
+      <a:fillRef idx="0">
+        <a:scrgbClr r="0" g="0" b="0"/>
+      </a:fillRef>
+      <a:effectRef idx="0">
+        <a:scrgbClr r="0" g="0" b="0"/>
+      </a:effectRef>
+      <a:fontRef idx="minor"/>
+    </dgm:style>
+  </dgm:styleLbl>
+  <dgm:styleLbl name="parChTrans1D2">
+    <dgm:scene3d>
+      <a:camera prst="orthographicFront"/>
+      <a:lightRig rig="threePt" dir="t"/>
+    </dgm:scene3d>
+    <dgm:sp3d/>
+    <dgm:txPr/>
+    <dgm:style>
+      <a:lnRef idx="2">
+        <a:scrgbClr r="0" g="0" b="0"/>
+      </a:lnRef>
+      <a:fillRef idx="0">
+        <a:scrgbClr r="0" g="0" b="0"/>
+      </a:fillRef>
+      <a:effectRef idx="0">
+        <a:scrgbClr r="0" g="0" b="0"/>
+      </a:effectRef>
+      <a:fontRef idx="minor"/>
+    </dgm:style>
+  </dgm:styleLbl>
+  <dgm:styleLbl name="parChTrans1D3">
+    <dgm:scene3d>
+      <a:camera prst="orthographicFront"/>
+      <a:lightRig rig="threePt" dir="t"/>
+    </dgm:scene3d>
+    <dgm:sp3d/>
+    <dgm:txPr/>
+    <dgm:style>
+      <a:lnRef idx="2">
+        <a:scrgbClr r="0" g="0" b="0"/>
+      </a:lnRef>
+      <a:fillRef idx="0">
+        <a:scrgbClr r="0" g="0" b="0"/>
+      </a:fillRef>
+      <a:effectRef idx="0">
+        <a:scrgbClr r="0" g="0" b="0"/>
+      </a:effectRef>
+      <a:fontRef idx="minor"/>
+    </dgm:style>
+  </dgm:styleLbl>
+  <dgm:styleLbl name="parChTrans1D4">
+    <dgm:scene3d>
+      <a:camera prst="orthographicFront"/>
+      <a:lightRig rig="threePt" dir="t"/>
+    </dgm:scene3d>
+    <dgm:sp3d/>
+    <dgm:txPr/>
+    <dgm:style>
+      <a:lnRef idx="2">
+        <a:scrgbClr r="0" g="0" b="0"/>
+      </a:lnRef>
+      <a:fillRef idx="0">
+        <a:scrgbClr r="0" g="0" b="0"/>
+      </a:fillRef>
+      <a:effectRef idx="0">
+        <a:scrgbClr r="0" g="0" b="0"/>
+      </a:effectRef>
+      <a:fontRef idx="minor"/>
+    </dgm:style>
+  </dgm:styleLbl>
+  <dgm:styleLbl name="fgAcc1">
+    <dgm:scene3d>
+      <a:camera prst="orthographicFront"/>
+      <a:lightRig rig="threePt" dir="t"/>
+    </dgm:scene3d>
+    <dgm:sp3d/>
+    <dgm:txPr/>
+    <dgm:style>
+      <a:lnRef idx="2">
+        <a:scrgbClr r="0" g="0" b="0"/>
+      </a:lnRef>
+      <a:fillRef idx="1">
+        <a:scrgbClr r="0" g="0" b="0"/>
+      </a:fillRef>
+      <a:effectRef idx="0">
+        <a:scrgbClr r="0" g="0" b="0"/>
+      </a:effectRef>
+      <a:fontRef idx="minor"/>
+    </dgm:style>
+  </dgm:styleLbl>
+  <dgm:styleLbl name="conFgAcc1">
+    <dgm:scene3d>
+      <a:camera prst="orthographicFront"/>
+      <a:lightRig rig="threePt" dir="t"/>
+    </dgm:scene3d>
+    <dgm:sp3d/>
+    <dgm:txPr/>
+    <dgm:style>
+      <a:lnRef idx="2">
+        <a:scrgbClr r="0" g="0" b="0"/>
+      </a:lnRef>
+      <a:fillRef idx="1">
+        <a:scrgbClr r="0" g="0" b="0"/>
+      </a:fillRef>
+      <a:effectRef idx="0">
+        <a:scrgbClr r="0" g="0" b="0"/>
+      </a:effectRef>
+      <a:fontRef idx="minor"/>
+    </dgm:style>
+  </dgm:styleLbl>
+  <dgm:styleLbl name="alignAcc1">
+    <dgm:scene3d>
+      <a:camera prst="orthographicFront"/>
+      <a:lightRig rig="threePt" dir="t"/>
+    </dgm:scene3d>
+    <dgm:sp3d/>
+    <dgm:txPr/>
+    <dgm:style>
+      <a:lnRef idx="2">
+        <a:scrgbClr r="0" g="0" b="0"/>
+      </a:lnRef>
+      <a:fillRef idx="1">
+        <a:scrgbClr r="0" g="0" b="0"/>
+      </a:fillRef>
+      <a:effectRef idx="0">
+        <a:scrgbClr r="0" g="0" b="0"/>
+      </a:effectRef>
+      <a:fontRef idx="minor"/>
+    </dgm:style>
+  </dgm:styleLbl>
+  <dgm:styleLbl name="trAlignAcc1">
+    <dgm:scene3d>
+      <a:camera prst="orthographicFront"/>
+      <a:lightRig rig="threePt" dir="t"/>
+    </dgm:scene3d>
+    <dgm:sp3d/>
+    <dgm:txPr/>
+    <dgm:style>
+      <a:lnRef idx="1">
+        <a:scrgbClr r="0" g="0" b="0"/>
+      </a:lnRef>
+      <a:fillRef idx="1">
+        <a:scrgbClr r="0" g="0" b="0"/>
+      </a:fillRef>
+      <a:effectRef idx="0">
+        <a:scrgbClr r="0" g="0" b="0"/>
+      </a:effectRef>
+      <a:fontRef idx="minor"/>
+    </dgm:style>
+  </dgm:styleLbl>
+  <dgm:styleLbl name="bgAcc1">
+    <dgm:scene3d>
+      <a:camera prst="orthographicFront"/>
+      <a:lightRig rig="threePt" dir="t"/>
+    </dgm:scene3d>
+    <dgm:sp3d/>
+    <dgm:txPr/>
+    <dgm:style>
+      <a:lnRef idx="2">
+        <a:scrgbClr r="0" g="0" b="0"/>
+      </a:lnRef>
+      <a:fillRef idx="1">
+        <a:scrgbClr r="0" g="0" b="0"/>
+      </a:fillRef>
+      <a:effectRef idx="0">
+        <a:scrgbClr r="0" g="0" b="0"/>
+      </a:effectRef>
+      <a:fontRef idx="minor"/>
+    </dgm:style>
+  </dgm:styleLbl>
+  <dgm:styleLbl name="solidFgAcc1">
+    <dgm:scene3d>
+      <a:camera prst="orthographicFront"/>
+      <a:lightRig rig="threePt" dir="t"/>
+    </dgm:scene3d>
+    <dgm:sp3d/>
+    <dgm:txPr/>
+    <dgm:style>
+      <a:lnRef idx="2">
+        <a:scrgbClr r="0" g="0" b="0"/>
+      </a:lnRef>
+      <a:fillRef idx="1">
+        <a:scrgbClr r="0" g="0" b="0"/>
+      </a:fillRef>
+      <a:effectRef idx="0">
+        <a:scrgbClr r="0" g="0" b="0"/>
+      </a:effectRef>
+      <a:fontRef idx="minor"/>
+    </dgm:style>
+  </dgm:styleLbl>
+  <dgm:styleLbl name="solidAlignAcc1">
+    <dgm:scene3d>
+      <a:camera prst="orthographicFront"/>
+      <a:lightRig rig="threePt" dir="t"/>
+    </dgm:scene3d>
+    <dgm:sp3d/>
+    <dgm:txPr/>
+    <dgm:style>
+      <a:lnRef idx="2">
+        <a:scrgbClr r="0" g="0" b="0"/>
+      </a:lnRef>
+      <a:fillRef idx="1">
+        <a:scrgbClr r="0" g="0" b="0"/>
+      </a:fillRef>
+      <a:effectRef idx="0">
+        <a:scrgbClr r="0" g="0" b="0"/>
+      </a:effectRef>
+      <a:fontRef idx="minor"/>
+    </dgm:style>
+  </dgm:styleLbl>
+  <dgm:styleLbl name="solidBgAcc1">
+    <dgm:scene3d>
+      <a:camera prst="orthographicFront"/>
+      <a:lightRig rig="threePt" dir="t"/>
+    </dgm:scene3d>
+    <dgm:sp3d/>
+    <dgm:txPr/>
+    <dgm:style>
+      <a:lnRef idx="2">
+        <a:scrgbClr r="0" g="0" b="0"/>
+      </a:lnRef>
+      <a:fillRef idx="1">
+        <a:scrgbClr r="0" g="0" b="0"/>
+      </a:fillRef>
+      <a:effectRef idx="0">
+        <a:scrgbClr r="0" g="0" b="0"/>
+      </a:effectRef>
+      <a:fontRef idx="minor"/>
+    </dgm:style>
+  </dgm:styleLbl>
+  <dgm:styleLbl name="fgAccFollowNode1">
+    <dgm:scene3d>
+      <a:camera prst="orthographicFront"/>
+      <a:lightRig rig="threePt" dir="t"/>
+    </dgm:scene3d>
+    <dgm:sp3d/>
+    <dgm:txPr/>
+    <dgm:style>
+      <a:lnRef idx="2">
+        <a:scrgbClr r="0" g="0" b="0"/>
+      </a:lnRef>
+      <a:fillRef idx="1">
+        <a:scrgbClr r="0" g="0" b="0"/>
+      </a:fillRef>
+      <a:effectRef idx="0">
+        <a:scrgbClr r="0" g="0" b="0"/>
+      </a:effectRef>
+      <a:fontRef idx="minor"/>
+    </dgm:style>
+  </dgm:styleLbl>
+  <dgm:styleLbl name="alignAccFollowNode1">
+    <dgm:scene3d>
+      <a:camera prst="orthographicFront"/>
+      <a:lightRig rig="threePt" dir="t"/>
+    </dgm:scene3d>
+    <dgm:sp3d/>
+    <dgm:txPr/>
+    <dgm:style>
+      <a:lnRef idx="2">
+        <a:scrgbClr r="0" g="0" b="0"/>
+      </a:lnRef>
+      <a:fillRef idx="1">
+        <a:scrgbClr r="0" g="0" b="0"/>
+      </a:fillRef>
+      <a:effectRef idx="0">
+        <a:scrgbClr r="0" g="0" b="0"/>
+      </a:effectRef>
+      <a:fontRef idx="minor"/>
+    </dgm:style>
+  </dgm:styleLbl>
+  <dgm:styleLbl name="bgAccFollowNode1">
+    <dgm:scene3d>
+      <a:camera prst="orthographicFront"/>
+      <a:lightRig rig="threePt" dir="t"/>
+    </dgm:scene3d>
+    <dgm:sp3d/>
+    <dgm:txPr/>
+    <dgm:style>
+      <a:lnRef idx="2">
+        <a:scrgbClr r="0" g="0" b="0"/>
+      </a:lnRef>
+      <a:fillRef idx="1">
+        <a:scrgbClr r="0" g="0" b="0"/>
+      </a:fillRef>
+      <a:effectRef idx="0">
+        <a:scrgbClr r="0" g="0" b="0"/>
+      </a:effectRef>
+      <a:fontRef idx="minor"/>
+    </dgm:style>
+  </dgm:styleLbl>
+  <dgm:styleLbl name="fgAcc0">
+    <dgm:scene3d>
+      <a:camera prst="orthographicFront"/>
+      <a:lightRig rig="threePt" dir="t"/>
+    </dgm:scene3d>
+    <dgm:sp3d/>
+    <dgm:txPr/>
+    <dgm:style>
+      <a:lnRef idx="2">
+        <a:scrgbClr r="0" g="0" b="0"/>
+      </a:lnRef>
+      <a:fillRef idx="1">
+        <a:scrgbClr r="0" g="0" b="0"/>
+      </a:fillRef>
+      <a:effectRef idx="0">
+        <a:scrgbClr r="0" g="0" b="0"/>
+      </a:effectRef>
+      <a:fontRef idx="minor"/>
+    </dgm:style>
+  </dgm:styleLbl>
+  <dgm:styleLbl name="fgAcc2">
+    <dgm:scene3d>
+      <a:camera prst="orthographicFront"/>
+      <a:lightRig rig="threePt" dir="t"/>
+    </dgm:scene3d>
+    <dgm:sp3d/>
+    <dgm:txPr/>
+    <dgm:style>
+      <a:lnRef idx="2">
+        <a:scrgbClr r="0" g="0" b="0"/>
+      </a:lnRef>
+      <a:fillRef idx="1">
+        <a:scrgbClr r="0" g="0" b="0"/>
+      </a:fillRef>
+      <a:effectRef idx="0">
+        <a:scrgbClr r="0" g="0" b="0"/>
+      </a:effectRef>
+      <a:fontRef idx="minor"/>
+    </dgm:style>
+  </dgm:styleLbl>
+  <dgm:styleLbl name="fgAcc3">
+    <dgm:scene3d>
+      <a:camera prst="orthographicFront"/>
+      <a:lightRig rig="threePt" dir="t"/>
+    </dgm:scene3d>
+    <dgm:sp3d/>
+    <dgm:txPr/>
+    <dgm:style>
+      <a:lnRef idx="2">
+        <a:scrgbClr r="0" g="0" b="0"/>
+      </a:lnRef>
+      <a:fillRef idx="1">
+        <a:scrgbClr r="0" g="0" b="0"/>
+      </a:fillRef>
+      <a:effectRef idx="0">
+        <a:scrgbClr r="0" g="0" b="0"/>
+      </a:effectRef>
+      <a:fontRef idx="minor"/>
+    </dgm:style>
+  </dgm:styleLbl>
+  <dgm:styleLbl name="fgAcc4">
+    <dgm:scene3d>
+      <a:camera prst="orthographicFront"/>
+      <a:lightRig rig="threePt" dir="t"/>
+    </dgm:scene3d>
+    <dgm:sp3d/>
+    <dgm:txPr/>
+    <dgm:style>
+      <a:lnRef idx="2">
+        <a:scrgbClr r="0" g="0" b="0"/>
+      </a:lnRef>
+      <a:fillRef idx="1">
+        <a:scrgbClr r="0" g="0" b="0"/>
+      </a:fillRef>
+      <a:effectRef idx="0">
+        <a:scrgbClr r="0" g="0" b="0"/>
+      </a:effectRef>
+      <a:fontRef idx="minor"/>
+    </dgm:style>
+  </dgm:styleLbl>
+  <dgm:styleLbl name="bgShp">
+    <dgm:scene3d>
+      <a:camera prst="orthographicFront"/>
+      <a:lightRig rig="threePt" dir="t"/>
+    </dgm:scene3d>
+    <dgm:sp3d/>
+    <dgm:txPr/>
+    <dgm:style>
+      <a:lnRef idx="0">
+        <a:scrgbClr r="0" g="0" b="0"/>
+      </a:lnRef>
+      <a:fillRef idx="1">
+        <a:scrgbClr r="0" g="0" b="0"/>
+      </a:fillRef>
+      <a:effectRef idx="0">
+        <a:scrgbClr r="0" g="0" b="0"/>
+      </a:effectRef>
+      <a:fontRef idx="minor"/>
+    </dgm:style>
+  </dgm:styleLbl>
+  <dgm:styleLbl name="dkBgShp">
+    <dgm:scene3d>
+      <a:camera prst="orthographicFront"/>
+      <a:lightRig rig="threePt" dir="t"/>
+    </dgm:scene3d>
+    <dgm:sp3d/>
+    <dgm:txPr/>
+    <dgm:style>
+      <a:lnRef idx="0">
+        <a:scrgbClr r="0" g="0" b="0"/>
+      </a:lnRef>
+      <a:fillRef idx="1">
+        <a:scrgbClr r="0" g="0" b="0"/>
+      </a:fillRef>
+      <a:effectRef idx="0">
+        <a:scrgbClr r="0" g="0" b="0"/>
+      </a:effectRef>
+      <a:fontRef idx="minor"/>
+    </dgm:style>
+  </dgm:styleLbl>
+  <dgm:styleLbl name="trBgShp">
+    <dgm:scene3d>
+      <a:camera prst="orthographicFront"/>
+      <a:lightRig rig="threePt" dir="t"/>
+    </dgm:scene3d>
+    <dgm:sp3d/>
+    <dgm:txPr/>
+    <dgm:style>
+      <a:lnRef idx="0">
+        <a:scrgbClr r="0" g="0" b="0"/>
+      </a:lnRef>
+      <a:fillRef idx="1">
+        <a:scrgbClr r="0" g="0" b="0"/>
+      </a:fillRef>
+      <a:effectRef idx="0">
+        <a:scrgbClr r="0" g="0" b="0"/>
+      </a:effectRef>
+      <a:fontRef idx="minor"/>
+    </dgm:style>
+  </dgm:styleLbl>
+  <dgm:styleLbl name="fgShp">
+    <dgm:scene3d>
+      <a:camera prst="orthographicFront"/>
+      <a:lightRig rig="threePt" dir="t"/>
+    </dgm:scene3d>
+    <dgm:sp3d/>
+    <dgm:txPr/>
+    <dgm:style>
+      <a:lnRef idx="2">
+        <a:scrgbClr r="0" g="0" b="0"/>
+      </a:lnRef>
+      <a:fillRef idx="1">
+        <a:scrgbClr r="0" g="0" b="0"/>
+      </a:fillRef>
+      <a:effectRef idx="0">
+        <a:scrgbClr r="0" g="0" b="0"/>
+      </a:effectRef>
+      <a:fontRef idx="minor"/>
+    </dgm:style>
+  </dgm:styleLbl>
+  <dgm:styleLbl name="revTx">
+    <dgm:scene3d>
+      <a:camera prst="orthographicFront"/>
+      <a:lightRig rig="threePt" dir="t"/>
+    </dgm:scene3d>
+    <dgm:sp3d/>
+    <dgm:txPr/>
+    <dgm:style>
+      <a:lnRef idx="0">
+        <a:scrgbClr r="0" g="0" b="0"/>
+      </a:lnRef>
+      <a:fillRef idx="0">
+        <a:scrgbClr r="0" g="0" b="0"/>
+      </a:fillRef>
+      <a:effectRef idx="0">
+        <a:scrgbClr r="0" g="0" b="0"/>
+      </a:effectRef>
+      <a:fontRef idx="minor"/>
+    </dgm:style>
+  </dgm:styleLbl>
+</dgm:styleDef>
+</file>
+
 <file path=ppt/slideLayouts/slideLayout1.xml><?xml version="1.0" encoding="utf-8"?>
 <p:sldLayout xmlns:a="http://schemas.openxmlformats.org/drawingml/2006/main" xmlns:r="http://schemas.openxmlformats.org/officeDocument/2006/relationships" xmlns:p="http://schemas.openxmlformats.org/presentationml/2006/main" type="title" preserve="1">
   <p:cSld name="Diapositive de titre">
@@ -4159,7 +7616,7 @@
           <a:p>
             <a:fld id="{41175185-D2AB-4E7A-831A-08EB80AC7031}" type="datetimeFigureOut">
               <a:rPr lang="fr-FR" smtClean="0"/>
-              <a:t>23/07/2014</a:t>
+              <a:t>03/12/2014</a:t>
             </a:fld>
             <a:endParaRPr lang="fr-FR"/>
           </a:p>
@@ -4329,7 +7786,7 @@
           <a:p>
             <a:fld id="{41175185-D2AB-4E7A-831A-08EB80AC7031}" type="datetimeFigureOut">
               <a:rPr lang="fr-FR" smtClean="0"/>
-              <a:t>23/07/2014</a:t>
+              <a:t>03/12/2014</a:t>
             </a:fld>
             <a:endParaRPr lang="fr-FR"/>
           </a:p>
@@ -4509,7 +7966,7 @@
           <a:p>
             <a:fld id="{41175185-D2AB-4E7A-831A-08EB80AC7031}" type="datetimeFigureOut">
               <a:rPr lang="fr-FR" smtClean="0"/>
-              <a:t>23/07/2014</a:t>
+              <a:t>03/12/2014</a:t>
             </a:fld>
             <a:endParaRPr lang="fr-FR"/>
           </a:p>
@@ -4679,7 +8136,7 @@
           <a:p>
             <a:fld id="{41175185-D2AB-4E7A-831A-08EB80AC7031}" type="datetimeFigureOut">
               <a:rPr lang="fr-FR" smtClean="0"/>
-              <a:t>23/07/2014</a:t>
+              <a:t>03/12/2014</a:t>
             </a:fld>
             <a:endParaRPr lang="fr-FR"/>
           </a:p>
@@ -4925,7 +8382,7 @@
           <a:p>
             <a:fld id="{41175185-D2AB-4E7A-831A-08EB80AC7031}" type="datetimeFigureOut">
               <a:rPr lang="fr-FR" smtClean="0"/>
-              <a:t>23/07/2014</a:t>
+              <a:t>03/12/2014</a:t>
             </a:fld>
             <a:endParaRPr lang="fr-FR"/>
           </a:p>
@@ -5157,7 +8614,7 @@
           <a:p>
             <a:fld id="{41175185-D2AB-4E7A-831A-08EB80AC7031}" type="datetimeFigureOut">
               <a:rPr lang="fr-FR" smtClean="0"/>
-              <a:t>23/07/2014</a:t>
+              <a:t>03/12/2014</a:t>
             </a:fld>
             <a:endParaRPr lang="fr-FR"/>
           </a:p>
@@ -5524,7 +8981,7 @@
           <a:p>
             <a:fld id="{41175185-D2AB-4E7A-831A-08EB80AC7031}" type="datetimeFigureOut">
               <a:rPr lang="fr-FR" smtClean="0"/>
-              <a:t>23/07/2014</a:t>
+              <a:t>03/12/2014</a:t>
             </a:fld>
             <a:endParaRPr lang="fr-FR"/>
           </a:p>
@@ -5642,7 +9099,7 @@
           <a:p>
             <a:fld id="{41175185-D2AB-4E7A-831A-08EB80AC7031}" type="datetimeFigureOut">
               <a:rPr lang="fr-FR" smtClean="0"/>
-              <a:t>23/07/2014</a:t>
+              <a:t>03/12/2014</a:t>
             </a:fld>
             <a:endParaRPr lang="fr-FR"/>
           </a:p>
@@ -5737,7 +9194,7 @@
           <a:p>
             <a:fld id="{41175185-D2AB-4E7A-831A-08EB80AC7031}" type="datetimeFigureOut">
               <a:rPr lang="fr-FR" smtClean="0"/>
-              <a:t>23/07/2014</a:t>
+              <a:t>03/12/2014</a:t>
             </a:fld>
             <a:endParaRPr lang="fr-FR"/>
           </a:p>
@@ -6014,7 +9471,7 @@
           <a:p>
             <a:fld id="{41175185-D2AB-4E7A-831A-08EB80AC7031}" type="datetimeFigureOut">
               <a:rPr lang="fr-FR" smtClean="0"/>
-              <a:t>23/07/2014</a:t>
+              <a:t>03/12/2014</a:t>
             </a:fld>
             <a:endParaRPr lang="fr-FR"/>
           </a:p>
@@ -6267,7 +9724,7 @@
           <a:p>
             <a:fld id="{41175185-D2AB-4E7A-831A-08EB80AC7031}" type="datetimeFigureOut">
               <a:rPr lang="fr-FR" smtClean="0"/>
-              <a:t>23/07/2014</a:t>
+              <a:t>03/12/2014</a:t>
             </a:fld>
             <a:endParaRPr lang="fr-FR"/>
           </a:p>
@@ -6480,7 +9937,7 @@
           <a:p>
             <a:fld id="{41175185-D2AB-4E7A-831A-08EB80AC7031}" type="datetimeFigureOut">
               <a:rPr lang="fr-FR" smtClean="0"/>
-              <a:t>23/07/2014</a:t>
+              <a:t>03/12/2014</a:t>
             </a:fld>
             <a:endParaRPr lang="fr-FR"/>
           </a:p>
@@ -6892,6 +10349,523 @@
             <a:spLocks noGrp="1"/>
           </p:cNvSpPr>
           <p:nvPr>
+            <p:ph type="title"/>
+          </p:nvPr>
+        </p:nvSpPr>
+        <p:spPr>
+          <a:xfrm>
+            <a:off x="0" y="0"/>
+            <a:ext cx="12192000" cy="768927"/>
+          </a:xfrm>
+        </p:spPr>
+        <p:txBody>
+          <a:bodyPr>
+            <a:normAutofit/>
+          </a:bodyPr>
+          <a:lstStyle/>
+          <a:p>
+            <a:pPr algn="ctr"/>
+            <a:r>
+              <a:rPr lang="fr-FR" sz="3600" dirty="0" smtClean="0">
+                <a:solidFill>
+                  <a:srgbClr val="FFC000"/>
+                </a:solidFill>
+              </a:rPr>
+              <a:t>Fonctionnement global et technologies associées</a:t>
+            </a:r>
+            <a:endParaRPr lang="fr-FR" sz="3600" dirty="0">
+              <a:solidFill>
+                <a:srgbClr val="FFC000"/>
+              </a:solidFill>
+            </a:endParaRPr>
+          </a:p>
+        </p:txBody>
+      </p:sp>
+      <p:graphicFrame>
+        <p:nvGraphicFramePr>
+          <p:cNvPr id="4" name="Espace réservé du contenu 3"/>
+          <p:cNvGraphicFramePr>
+            <a:graphicFrameLocks noGrp="1"/>
+          </p:cNvGraphicFramePr>
+          <p:nvPr>
+            <p:ph idx="1"/>
+            <p:extLst>
+              <p:ext uri="{D42A27DB-BD31-4B8C-83A1-F6EECF244321}">
+                <p14:modId xmlns:p14="http://schemas.microsoft.com/office/powerpoint/2010/main" val="2021443948"/>
+              </p:ext>
+            </p:extLst>
+          </p:nvPr>
+        </p:nvGraphicFramePr>
+        <p:xfrm>
+          <a:off x="1" y="758537"/>
+          <a:ext cx="12192000" cy="3574475"/>
+        </p:xfrm>
+        <a:graphic>
+          <a:graphicData uri="http://schemas.openxmlformats.org/drawingml/2006/diagram">
+            <dgm:relIds xmlns:dgm="http://schemas.openxmlformats.org/drawingml/2006/diagram" xmlns:r="http://schemas.openxmlformats.org/officeDocument/2006/relationships" r:dm="rId2" r:lo="rId3" r:qs="rId4" r:cs="rId5"/>
+          </a:graphicData>
+        </a:graphic>
+      </p:graphicFrame>
+      <p:sp>
+        <p:nvSpPr>
+          <p:cNvPr id="8" name="ZoneTexte 7"/>
+          <p:cNvSpPr txBox="1"/>
+          <p:nvPr/>
+        </p:nvSpPr>
+        <p:spPr>
+          <a:xfrm>
+            <a:off x="292959" y="4603175"/>
+            <a:ext cx="2438401" cy="1477328"/>
+          </a:xfrm>
+          <a:prstGeom prst="rect">
+            <a:avLst/>
+          </a:prstGeom>
+          <a:noFill/>
+        </p:spPr>
+        <p:txBody>
+          <a:bodyPr wrap="square" rtlCol="0">
+            <a:spAutoFit/>
+          </a:bodyPr>
+          <a:lstStyle/>
+          <a:p>
+            <a:pPr marL="285750" indent="-285750">
+              <a:buFont typeface="Arial" panose="020B0604020202020204" pitchFamily="34" charset="0"/>
+              <a:buChar char="•"/>
+            </a:pPr>
+            <a:r>
+              <a:rPr lang="fr-FR" dirty="0" smtClean="0"/>
+              <a:t>RSS (.</a:t>
+            </a:r>
+            <a:r>
+              <a:rPr lang="fr-FR" dirty="0" err="1" smtClean="0"/>
+              <a:t>xml</a:t>
+            </a:r>
+            <a:r>
+              <a:rPr lang="fr-FR" dirty="0" smtClean="0"/>
+              <a:t>)</a:t>
+            </a:r>
+          </a:p>
+          <a:p>
+            <a:pPr marL="285750" indent="-285750">
+              <a:buFont typeface="Arial" panose="020B0604020202020204" pitchFamily="34" charset="0"/>
+              <a:buChar char="•"/>
+            </a:pPr>
+            <a:r>
+              <a:rPr lang="fr-FR" dirty="0" err="1" smtClean="0"/>
+              <a:t>FeedParser</a:t>
+            </a:r>
+            <a:r>
+              <a:rPr lang="fr-FR" dirty="0" smtClean="0"/>
+              <a:t> (.</a:t>
+            </a:r>
+            <a:r>
+              <a:rPr lang="fr-FR" dirty="0" err="1" smtClean="0"/>
+              <a:t>py</a:t>
+            </a:r>
+            <a:r>
+              <a:rPr lang="fr-FR" dirty="0" smtClean="0"/>
+              <a:t>)</a:t>
+            </a:r>
+          </a:p>
+          <a:p>
+            <a:pPr marL="285750" indent="-285750">
+              <a:buFont typeface="Arial" panose="020B0604020202020204" pitchFamily="34" charset="0"/>
+              <a:buChar char="•"/>
+            </a:pPr>
+            <a:r>
+              <a:rPr lang="fr-FR" dirty="0" smtClean="0"/>
+              <a:t>SQLite 3 (.</a:t>
+            </a:r>
+            <a:r>
+              <a:rPr lang="fr-FR" dirty="0" err="1" smtClean="0"/>
+              <a:t>sqlite</a:t>
+            </a:r>
+            <a:r>
+              <a:rPr lang="fr-FR" dirty="0" smtClean="0"/>
+              <a:t>)</a:t>
+            </a:r>
+          </a:p>
+          <a:p>
+            <a:pPr marL="742950" lvl="1" indent="-285750">
+              <a:buFont typeface="Arial" panose="020B0604020202020204" pitchFamily="34" charset="0"/>
+              <a:buChar char="•"/>
+            </a:pPr>
+            <a:r>
+              <a:rPr lang="fr-FR" dirty="0" smtClean="0"/>
+              <a:t>Tables « libres »</a:t>
+            </a:r>
+          </a:p>
+          <a:p>
+            <a:pPr marL="742950" lvl="1" indent="-285750">
+              <a:buFont typeface="Arial" panose="020B0604020202020204" pitchFamily="34" charset="0"/>
+              <a:buChar char="•"/>
+            </a:pPr>
+            <a:r>
+              <a:rPr lang="fr-FR" dirty="0" smtClean="0"/>
+              <a:t>Modèle Django</a:t>
+            </a:r>
+          </a:p>
+        </p:txBody>
+      </p:sp>
+      <p:cxnSp>
+        <p:nvCxnSpPr>
+          <p:cNvPr id="10" name="Connecteur droit 9"/>
+          <p:cNvCxnSpPr/>
+          <p:nvPr/>
+        </p:nvCxnSpPr>
+        <p:spPr>
+          <a:xfrm flipV="1">
+            <a:off x="17319" y="4202304"/>
+            <a:ext cx="12192000" cy="0"/>
+          </a:xfrm>
+          <a:prstGeom prst="line">
+            <a:avLst/>
+          </a:prstGeom>
+          <a:ln w="38100">
+            <a:prstDash val="dash"/>
+          </a:ln>
+        </p:spPr>
+        <p:style>
+          <a:lnRef idx="1">
+            <a:schemeClr val="accent1"/>
+          </a:lnRef>
+          <a:fillRef idx="0">
+            <a:schemeClr val="accent1"/>
+          </a:fillRef>
+          <a:effectRef idx="0">
+            <a:schemeClr val="accent1"/>
+          </a:effectRef>
+          <a:fontRef idx="minor">
+            <a:schemeClr val="tx1"/>
+          </a:fontRef>
+        </p:style>
+      </p:cxnSp>
+      <p:sp>
+        <p:nvSpPr>
+          <p:cNvPr id="11" name="ZoneTexte 10"/>
+          <p:cNvSpPr txBox="1"/>
+          <p:nvPr/>
+        </p:nvSpPr>
+        <p:spPr>
+          <a:xfrm>
+            <a:off x="4811713" y="4603175"/>
+            <a:ext cx="2451531" cy="1200329"/>
+          </a:xfrm>
+          <a:prstGeom prst="rect">
+            <a:avLst/>
+          </a:prstGeom>
+          <a:noFill/>
+        </p:spPr>
+        <p:txBody>
+          <a:bodyPr wrap="square" rtlCol="0">
+            <a:spAutoFit/>
+          </a:bodyPr>
+          <a:lstStyle/>
+          <a:p>
+            <a:pPr marL="285750" indent="-285750">
+              <a:buFont typeface="Arial" panose="020B0604020202020204" pitchFamily="34" charset="0"/>
+              <a:buChar char="•"/>
+            </a:pPr>
+            <a:r>
+              <a:rPr lang="fr-FR" dirty="0" smtClean="0"/>
+              <a:t>ORM Django</a:t>
+            </a:r>
+          </a:p>
+          <a:p>
+            <a:pPr marL="285750" indent="-285750">
+              <a:buFont typeface="Arial" panose="020B0604020202020204" pitchFamily="34" charset="0"/>
+              <a:buChar char="•"/>
+            </a:pPr>
+            <a:r>
+              <a:rPr lang="fr-FR" dirty="0" smtClean="0"/>
+              <a:t>Opérations sur les chaînes et </a:t>
+            </a:r>
+            <a:r>
+              <a:rPr lang="fr-FR" dirty="0" err="1" smtClean="0"/>
+              <a:t>regex</a:t>
+            </a:r>
+            <a:r>
+              <a:rPr lang="fr-FR" dirty="0" smtClean="0"/>
+              <a:t> (.</a:t>
+            </a:r>
+            <a:r>
+              <a:rPr lang="fr-FR" dirty="0" err="1" smtClean="0"/>
+              <a:t>py</a:t>
+            </a:r>
+            <a:r>
+              <a:rPr lang="fr-FR" dirty="0" smtClean="0"/>
+              <a:t>)</a:t>
+            </a:r>
+          </a:p>
+          <a:p>
+            <a:pPr marL="285750" indent="-285750">
+              <a:buFont typeface="Arial" panose="020B0604020202020204" pitchFamily="34" charset="0"/>
+              <a:buChar char="•"/>
+            </a:pPr>
+            <a:r>
+              <a:rPr lang="fr-FR" dirty="0" smtClean="0"/>
+              <a:t>NLTK (.</a:t>
+            </a:r>
+            <a:r>
+              <a:rPr lang="fr-FR" dirty="0" err="1" smtClean="0"/>
+              <a:t>py</a:t>
+            </a:r>
+            <a:r>
+              <a:rPr lang="fr-FR" dirty="0" smtClean="0"/>
+              <a:t>)</a:t>
+            </a:r>
+          </a:p>
+        </p:txBody>
+      </p:sp>
+      <p:sp>
+        <p:nvSpPr>
+          <p:cNvPr id="12" name="ZoneTexte 11"/>
+          <p:cNvSpPr txBox="1"/>
+          <p:nvPr/>
+        </p:nvSpPr>
+        <p:spPr>
+          <a:xfrm>
+            <a:off x="0" y="6359236"/>
+            <a:ext cx="12192000" cy="400110"/>
+          </a:xfrm>
+          <a:prstGeom prst="rect">
+            <a:avLst/>
+          </a:prstGeom>
+          <a:noFill/>
+        </p:spPr>
+        <p:txBody>
+          <a:bodyPr wrap="square" rtlCol="0">
+            <a:spAutoFit/>
+          </a:bodyPr>
+          <a:lstStyle/>
+          <a:p>
+            <a:pPr algn="ctr"/>
+            <a:r>
+              <a:rPr lang="fr-FR" sz="2000" dirty="0" smtClean="0"/>
+              <a:t>Python 3.4.x dans un environnement virtuel (</a:t>
+            </a:r>
+            <a:r>
+              <a:rPr lang="fr-FR" sz="2000" dirty="0" err="1" smtClean="0"/>
+              <a:t>virtualenv</a:t>
+            </a:r>
+            <a:r>
+              <a:rPr lang="fr-FR" sz="2000" dirty="0" smtClean="0"/>
+              <a:t>) sur Ubuntu 12.04.x </a:t>
+            </a:r>
+            <a:endParaRPr lang="fr-FR" sz="2000" dirty="0"/>
+          </a:p>
+        </p:txBody>
+      </p:sp>
+      <p:pic>
+        <p:nvPicPr>
+          <p:cNvPr id="6" name="Image 5"/>
+          <p:cNvPicPr>
+            <a:picLocks noChangeAspect="1"/>
+          </p:cNvPicPr>
+          <p:nvPr/>
+        </p:nvPicPr>
+        <p:blipFill>
+          <a:blip r:embed="rId7" cstate="print">
+            <a:extLst>
+              <a:ext uri="{28A0092B-C50C-407E-A947-70E740481C1C}">
+                <a14:useLocalDpi xmlns:a14="http://schemas.microsoft.com/office/drawing/2010/main" val="0"/>
+              </a:ext>
+            </a:extLst>
+          </a:blip>
+          <a:stretch>
+            <a:fillRect/>
+          </a:stretch>
+        </p:blipFill>
+        <p:spPr>
+          <a:xfrm>
+            <a:off x="5818909" y="3891398"/>
+            <a:ext cx="648000" cy="648000"/>
+          </a:xfrm>
+          <a:prstGeom prst="rect">
+            <a:avLst/>
+          </a:prstGeom>
+        </p:spPr>
+      </p:pic>
+      <p:pic>
+        <p:nvPicPr>
+          <p:cNvPr id="7" name="Image 6"/>
+          <p:cNvPicPr>
+            <a:picLocks noChangeAspect="1"/>
+          </p:cNvPicPr>
+          <p:nvPr/>
+        </p:nvPicPr>
+        <p:blipFill rotWithShape="1">
+          <a:blip r:embed="rId8">
+            <a:extLst>
+              <a:ext uri="{28A0092B-C50C-407E-A947-70E740481C1C}">
+                <a14:useLocalDpi xmlns:a14="http://schemas.microsoft.com/office/drawing/2010/main" val="0"/>
+              </a:ext>
+            </a:extLst>
+          </a:blip>
+          <a:srcRect l="3500" t="5314" r="82347" b="5586"/>
+          <a:stretch/>
+        </p:blipFill>
+        <p:spPr>
+          <a:xfrm>
+            <a:off x="10084093" y="3925213"/>
+            <a:ext cx="648000" cy="633816"/>
+          </a:xfrm>
+          <a:prstGeom prst="rect">
+            <a:avLst/>
+          </a:prstGeom>
+        </p:spPr>
+      </p:pic>
+      <p:pic>
+        <p:nvPicPr>
+          <p:cNvPr id="5" name="Image 4"/>
+          <p:cNvPicPr>
+            <a:picLocks noChangeAspect="1"/>
+          </p:cNvPicPr>
+          <p:nvPr/>
+        </p:nvPicPr>
+        <p:blipFill>
+          <a:blip r:embed="rId9" cstate="print">
+            <a:extLst>
+              <a:ext uri="{28A0092B-C50C-407E-A947-70E740481C1C}">
+                <a14:useLocalDpi xmlns:a14="http://schemas.microsoft.com/office/drawing/2010/main" val="0"/>
+              </a:ext>
+            </a:extLst>
+          </a:blip>
+          <a:stretch>
+            <a:fillRect/>
+          </a:stretch>
+        </p:blipFill>
+        <p:spPr>
+          <a:xfrm>
+            <a:off x="1880755" y="3891398"/>
+            <a:ext cx="648000" cy="648000"/>
+          </a:xfrm>
+          <a:prstGeom prst="rect">
+            <a:avLst/>
+          </a:prstGeom>
+        </p:spPr>
+      </p:pic>
+      <p:sp>
+        <p:nvSpPr>
+          <p:cNvPr id="13" name="ZoneTexte 12"/>
+          <p:cNvSpPr txBox="1"/>
+          <p:nvPr/>
+        </p:nvSpPr>
+        <p:spPr>
+          <a:xfrm>
+            <a:off x="9008918" y="4597131"/>
+            <a:ext cx="2597727" cy="1200329"/>
+          </a:xfrm>
+          <a:prstGeom prst="rect">
+            <a:avLst/>
+          </a:prstGeom>
+          <a:noFill/>
+        </p:spPr>
+        <p:txBody>
+          <a:bodyPr wrap="square" rtlCol="0">
+            <a:spAutoFit/>
+          </a:bodyPr>
+          <a:lstStyle/>
+          <a:p>
+            <a:pPr marL="285750" indent="-285750">
+              <a:buFont typeface="Arial" panose="020B0604020202020204" pitchFamily="34" charset="0"/>
+              <a:buChar char="•"/>
+            </a:pPr>
+            <a:r>
+              <a:rPr lang="fr-FR" dirty="0" smtClean="0"/>
+              <a:t>Django</a:t>
+            </a:r>
+          </a:p>
+          <a:p>
+            <a:pPr marL="285750" indent="-285750">
+              <a:buFont typeface="Arial" panose="020B0604020202020204" pitchFamily="34" charset="0"/>
+              <a:buChar char="•"/>
+            </a:pPr>
+            <a:r>
+              <a:rPr lang="fr-FR" dirty="0" err="1" smtClean="0"/>
+              <a:t>nginx</a:t>
+            </a:r>
+            <a:r>
+              <a:rPr lang="fr-FR" dirty="0" smtClean="0"/>
+              <a:t> + </a:t>
+            </a:r>
+            <a:r>
+              <a:rPr lang="fr-FR" dirty="0" err="1" smtClean="0"/>
+              <a:t>gunicorn</a:t>
+            </a:r>
+            <a:endParaRPr lang="fr-FR" dirty="0" smtClean="0"/>
+          </a:p>
+          <a:p>
+            <a:pPr marL="285750" indent="-285750">
+              <a:buFont typeface="Arial" panose="020B0604020202020204" pitchFamily="34" charset="0"/>
+              <a:buChar char="•"/>
+            </a:pPr>
+            <a:r>
+              <a:rPr lang="fr-FR" dirty="0" err="1" smtClean="0"/>
+              <a:t>Bootstrap</a:t>
+            </a:r>
+            <a:r>
+              <a:rPr lang="fr-FR" dirty="0" smtClean="0"/>
+              <a:t> 3</a:t>
+            </a:r>
+          </a:p>
+          <a:p>
+            <a:pPr marL="285750" indent="-285750">
+              <a:buFont typeface="Arial" panose="020B0604020202020204" pitchFamily="34" charset="0"/>
+              <a:buChar char="•"/>
+            </a:pPr>
+            <a:r>
+              <a:rPr lang="fr-FR" dirty="0" smtClean="0"/>
+              <a:t>D3 &amp; nvd3</a:t>
+            </a:r>
+            <a:endParaRPr lang="fr-FR" dirty="0"/>
+          </a:p>
+        </p:txBody>
+      </p:sp>
+    </p:spTree>
+    <p:extLst>
+      <p:ext uri="{BB962C8B-B14F-4D97-AF65-F5344CB8AC3E}">
+        <p14:creationId xmlns:p14="http://schemas.microsoft.com/office/powerpoint/2010/main" val="1694283810"/>
+      </p:ext>
+    </p:extLst>
+  </p:cSld>
+  <p:clrMapOvr>
+    <a:masterClrMapping/>
+  </p:clrMapOvr>
+  <p:timing>
+    <p:tnLst>
+      <p:par>
+        <p:cTn id="1" dur="indefinite" restart="never" nodeType="tmRoot"/>
+      </p:par>
+    </p:tnLst>
+  </p:timing>
+</p:sld>
+</file>
+
+<file path=ppt/slides/slide2.xml><?xml version="1.0" encoding="utf-8"?>
+<p:sld xmlns:a="http://schemas.openxmlformats.org/drawingml/2006/main" xmlns:r="http://schemas.openxmlformats.org/officeDocument/2006/relationships" xmlns:p="http://schemas.openxmlformats.org/presentationml/2006/main">
+  <p:cSld>
+    <p:spTree>
+      <p:nvGrpSpPr>
+        <p:cNvPr id="1" name=""/>
+        <p:cNvGrpSpPr/>
+        <p:nvPr/>
+      </p:nvGrpSpPr>
+      <p:grpSpPr>
+        <a:xfrm>
+          <a:off x="0" y="0"/>
+          <a:ext cx="0" cy="0"/>
+          <a:chOff x="0" y="0"/>
+          <a:chExt cx="0" cy="0"/>
+        </a:xfrm>
+      </p:grpSpPr>
+      <p:sp>
+        <p:nvSpPr>
+          <p:cNvPr id="2" name="Titre 1"/>
+          <p:cNvSpPr>
+            <a:spLocks noGrp="1"/>
+          </p:cNvSpPr>
+          <p:nvPr>
             <p:ph type="ctrTitle"/>
           </p:nvPr>
         </p:nvSpPr>
@@ -6902,16 +10876,24 @@
           </a:xfrm>
         </p:spPr>
         <p:txBody>
-          <a:bodyPr>
-            <a:noAutofit/>
+          <a:bodyPr vert="horz" lIns="91440" tIns="45720" rIns="91440" bIns="45720" rtlCol="0" anchor="ctr">
+            <a:normAutofit/>
           </a:bodyPr>
           <a:lstStyle/>
           <a:p>
             <a:r>
-              <a:rPr lang="fr-FR" sz="3600" dirty="0" smtClean="0"/>
+              <a:rPr lang="fr-FR" sz="3600" dirty="0">
+                <a:solidFill>
+                  <a:srgbClr val="FFC000"/>
+                </a:solidFill>
+              </a:rPr>
               <a:t>Architecture serveur</a:t>
             </a:r>
-            <a:endParaRPr lang="fr-FR" sz="3600" dirty="0"/>
+            <a:endParaRPr lang="fr-FR" sz="3600" dirty="0">
+              <a:solidFill>
+                <a:srgbClr val="FFC000"/>
+              </a:solidFill>
+            </a:endParaRPr>
           </a:p>
         </p:txBody>
       </p:sp>
@@ -6922,14 +10904,14 @@
           <p:nvPr>
             <p:extLst>
               <p:ext uri="{D42A27DB-BD31-4B8C-83A1-F6EECF244321}">
-                <p14:modId xmlns:p14="http://schemas.microsoft.com/office/powerpoint/2010/main" val="440385444"/>
+                <p14:modId xmlns:p14="http://schemas.microsoft.com/office/powerpoint/2010/main" val="3143355758"/>
               </p:ext>
             </p:extLst>
           </p:nvPr>
         </p:nvGraphicFramePr>
         <p:xfrm>
-          <a:off x="187036" y="14547"/>
-          <a:ext cx="11731337" cy="5413664"/>
+          <a:off x="187036" y="0"/>
+          <a:ext cx="11731337" cy="5428211"/>
         </p:xfrm>
         <a:graphic>
           <a:graphicData uri="http://schemas.openxmlformats.org/drawingml/2006/diagram">
@@ -7476,436 +11458,13 @@
   <p:clrMapOvr>
     <a:masterClrMapping/>
   </p:clrMapOvr>
-</p:sld>
-</file>
-
-<file path=ppt/slides/slide2.xml><?xml version="1.0" encoding="utf-8"?>
-<p:sld xmlns:a="http://schemas.openxmlformats.org/drawingml/2006/main" xmlns:r="http://schemas.openxmlformats.org/officeDocument/2006/relationships" xmlns:p="http://schemas.openxmlformats.org/presentationml/2006/main">
-  <p:cSld>
-    <p:spTree>
-      <p:nvGrpSpPr>
-        <p:cNvPr id="1" name=""/>
-        <p:cNvGrpSpPr/>
-        <p:nvPr/>
-      </p:nvGrpSpPr>
-      <p:grpSpPr>
-        <a:xfrm>
-          <a:off x="0" y="0"/>
-          <a:ext cx="0" cy="0"/>
-          <a:chOff x="0" y="0"/>
-          <a:chExt cx="0" cy="0"/>
-        </a:xfrm>
-      </p:grpSpPr>
-      <p:sp>
-        <p:nvSpPr>
-          <p:cNvPr id="4" name="Flèche en arc 3"/>
-          <p:cNvSpPr/>
-          <p:nvPr/>
-        </p:nvSpPr>
-        <p:spPr>
-          <a:xfrm>
-            <a:off x="4618925" y="1951925"/>
-            <a:ext cx="2954149" cy="2954149"/>
-          </a:xfrm>
-          <a:prstGeom prst="circularArrow">
-            <a:avLst>
-              <a:gd name="adj1" fmla="val 3046"/>
-              <a:gd name="adj2" fmla="val 373872"/>
-              <a:gd name="adj3" fmla="val 19450618"/>
-              <a:gd name="adj4" fmla="val 12575511"/>
-              <a:gd name="adj5" fmla="val 3553"/>
-            </a:avLst>
-          </a:prstGeom>
-        </p:spPr>
-        <p:style>
-          <a:lnRef idx="0">
-            <a:schemeClr val="accent1">
-              <a:tint val="60000"/>
-              <a:hueOff val="0"/>
-              <a:satOff val="0"/>
-              <a:lumOff val="0"/>
-              <a:alphaOff val="0"/>
-            </a:schemeClr>
-          </a:lnRef>
-          <a:fillRef idx="1">
-            <a:schemeClr val="accent1">
-              <a:tint val="60000"/>
-              <a:hueOff val="0"/>
-              <a:satOff val="0"/>
-              <a:lumOff val="0"/>
-              <a:alphaOff val="0"/>
-            </a:schemeClr>
-          </a:fillRef>
-          <a:effectRef idx="0">
-            <a:schemeClr val="accent1">
-              <a:tint val="60000"/>
-              <a:hueOff val="0"/>
-              <a:satOff val="0"/>
-              <a:lumOff val="0"/>
-              <a:alphaOff val="0"/>
-            </a:schemeClr>
-          </a:effectRef>
-          <a:fontRef idx="minor">
-            <a:schemeClr val="lt1"/>
-          </a:fontRef>
-        </p:style>
-      </p:sp>
-      <p:sp>
-        <p:nvSpPr>
-          <p:cNvPr id="5" name="Forme 4"/>
-          <p:cNvSpPr/>
-          <p:nvPr/>
-        </p:nvSpPr>
-        <p:spPr>
-          <a:xfrm flipH="1">
-            <a:off x="4769022" y="2102022"/>
-            <a:ext cx="2653956" cy="2653956"/>
-          </a:xfrm>
-          <a:prstGeom prst="leftCircularArrow">
-            <a:avLst>
-              <a:gd name="adj1" fmla="val 3390"/>
-              <a:gd name="adj2" fmla="val 419567"/>
-              <a:gd name="adj3" fmla="val 2195078"/>
-              <a:gd name="adj4" fmla="val 9024489"/>
-              <a:gd name="adj5" fmla="val 3955"/>
-            </a:avLst>
-          </a:prstGeom>
-          <a:solidFill>
-            <a:schemeClr val="accent6">
-              <a:lumMod val="60000"/>
-              <a:lumOff val="40000"/>
-            </a:schemeClr>
-          </a:solidFill>
-        </p:spPr>
-        <p:style>
-          <a:lnRef idx="0">
-            <a:schemeClr val="accent1">
-              <a:tint val="60000"/>
-              <a:hueOff val="0"/>
-              <a:satOff val="0"/>
-              <a:lumOff val="0"/>
-              <a:alphaOff val="0"/>
-            </a:schemeClr>
-          </a:lnRef>
-          <a:fillRef idx="1">
-            <a:schemeClr val="accent1">
-              <a:tint val="60000"/>
-              <a:hueOff val="0"/>
-              <a:satOff val="0"/>
-              <a:lumOff val="0"/>
-              <a:alphaOff val="0"/>
-            </a:schemeClr>
-          </a:fillRef>
-          <a:effectRef idx="0">
-            <a:schemeClr val="accent1">
-              <a:tint val="60000"/>
-              <a:hueOff val="0"/>
-              <a:satOff val="0"/>
-              <a:lumOff val="0"/>
-              <a:alphaOff val="0"/>
-            </a:schemeClr>
-          </a:effectRef>
-          <a:fontRef idx="minor">
-            <a:schemeClr val="lt1"/>
-          </a:fontRef>
-        </p:style>
-      </p:sp>
-      <p:grpSp>
-        <p:nvGrpSpPr>
-          <p:cNvPr id="12" name="Groupe 11"/>
-          <p:cNvGrpSpPr/>
-          <p:nvPr/>
-        </p:nvGrpSpPr>
-        <p:grpSpPr>
-          <a:xfrm>
-            <a:off x="628319" y="2533940"/>
-            <a:ext cx="2610372" cy="2352934"/>
-            <a:chOff x="628319" y="2533940"/>
-            <a:chExt cx="2610372" cy="2352934"/>
-          </a:xfrm>
-        </p:grpSpPr>
-        <p:grpSp>
-          <p:nvGrpSpPr>
-            <p:cNvPr id="6" name="Groupe 5"/>
-            <p:cNvGrpSpPr/>
-            <p:nvPr/>
-          </p:nvGrpSpPr>
-          <p:grpSpPr>
-            <a:xfrm>
-              <a:off x="628319" y="2533940"/>
-              <a:ext cx="2349336" cy="1937711"/>
-              <a:chOff x="2218" y="1737976"/>
-              <a:chExt cx="2349336" cy="1937711"/>
-            </a:xfrm>
-          </p:grpSpPr>
-          <p:sp>
-            <p:nvSpPr>
-              <p:cNvPr id="10" name="Rectangle à coins arrondis 9"/>
-              <p:cNvSpPr/>
-              <p:nvPr/>
-            </p:nvSpPr>
-            <p:spPr>
-              <a:xfrm>
-                <a:off x="2218" y="1737976"/>
-                <a:ext cx="2349336" cy="1937711"/>
-              </a:xfrm>
-              <a:prstGeom prst="roundRect">
-                <a:avLst>
-                  <a:gd name="adj" fmla="val 10000"/>
-                </a:avLst>
-              </a:prstGeom>
-            </p:spPr>
-            <p:style>
-              <a:lnRef idx="2">
-                <a:schemeClr val="accent1">
-                  <a:hueOff val="0"/>
-                  <a:satOff val="0"/>
-                  <a:lumOff val="0"/>
-                  <a:alphaOff val="0"/>
-                </a:schemeClr>
-              </a:lnRef>
-              <a:fillRef idx="1">
-                <a:schemeClr val="lt1">
-                  <a:alpha val="90000"/>
-                  <a:hueOff val="0"/>
-                  <a:satOff val="0"/>
-                  <a:lumOff val="0"/>
-                  <a:alphaOff val="0"/>
-                </a:schemeClr>
-              </a:fillRef>
-              <a:effectRef idx="0">
-                <a:schemeClr val="lt1">
-                  <a:alpha val="90000"/>
-                  <a:hueOff val="0"/>
-                  <a:satOff val="0"/>
-                  <a:lumOff val="0"/>
-                  <a:alphaOff val="0"/>
-                </a:schemeClr>
-              </a:effectRef>
-              <a:fontRef idx="minor">
-                <a:schemeClr val="dk1">
-                  <a:hueOff val="0"/>
-                  <a:satOff val="0"/>
-                  <a:lumOff val="0"/>
-                  <a:alphaOff val="0"/>
-                </a:schemeClr>
-              </a:fontRef>
-            </p:style>
-          </p:sp>
-          <p:sp>
-            <p:nvSpPr>
-              <p:cNvPr id="11" name="Rectangle 10"/>
-              <p:cNvSpPr/>
-              <p:nvPr/>
-            </p:nvSpPr>
-            <p:spPr>
-              <a:xfrm>
-                <a:off x="46810" y="1782568"/>
-                <a:ext cx="2260152" cy="1433303"/>
-              </a:xfrm>
-              <a:prstGeom prst="rect">
-                <a:avLst/>
-              </a:prstGeom>
-            </p:spPr>
-            <p:style>
-              <a:lnRef idx="0">
-                <a:scrgbClr r="0" g="0" b="0"/>
-              </a:lnRef>
-              <a:fillRef idx="0">
-                <a:scrgbClr r="0" g="0" b="0"/>
-              </a:fillRef>
-              <a:effectRef idx="0">
-                <a:scrgbClr r="0" g="0" b="0"/>
-              </a:effectRef>
-              <a:fontRef idx="minor">
-                <a:schemeClr val="dk1">
-                  <a:hueOff val="0"/>
-                  <a:satOff val="0"/>
-                  <a:lumOff val="0"/>
-                  <a:alphaOff val="0"/>
-                </a:schemeClr>
-              </a:fontRef>
-            </p:style>
-            <p:txBody>
-              <a:bodyPr spcFirstLastPara="0" vert="horz" wrap="square" lIns="43815" tIns="43815" rIns="43815" bIns="43815" numCol="1" spcCol="1270" anchor="t" anchorCtr="0">
-                <a:normAutofit fontScale="85000" lnSpcReduction="20000"/>
-              </a:bodyPr>
-              <a:lstStyle/>
-              <a:p>
-                <a:pPr marL="228600" lvl="1" indent="-228600" algn="l" defTabSz="1022350">
-                  <a:lnSpc>
-                    <a:spcPct val="90000"/>
-                  </a:lnSpc>
-                  <a:spcBef>
-                    <a:spcPct val="0"/>
-                  </a:spcBef>
-                  <a:spcAft>
-                    <a:spcPct val="15000"/>
-                  </a:spcAft>
-                  <a:buChar char="••"/>
-                </a:pPr>
-                <a:r>
-                  <a:rPr lang="fr-FR" sz="2300" kern="1200" dirty="0" smtClean="0"/>
-                  <a:t>Lance </a:t>
-                </a:r>
-                <a:r>
-                  <a:rPr lang="fr-FR" sz="2300" kern="1200" dirty="0" err="1" smtClean="0"/>
-                  <a:t>gunicorn</a:t>
-                </a:r>
-                <a:r>
-                  <a:rPr lang="fr-FR" sz="2300" kern="1200" dirty="0" smtClean="0"/>
-                  <a:t> en tant que service d’arrière plan</a:t>
-                </a:r>
-              </a:p>
-              <a:p>
-                <a:pPr marL="228600" lvl="1" indent="-228600" algn="l" defTabSz="1022350">
-                  <a:lnSpc>
-                    <a:spcPct val="90000"/>
-                  </a:lnSpc>
-                  <a:spcBef>
-                    <a:spcPct val="0"/>
-                  </a:spcBef>
-                  <a:spcAft>
-                    <a:spcPct val="15000"/>
-                  </a:spcAft>
-                  <a:buChar char="••"/>
-                </a:pPr>
-                <a:r>
-                  <a:rPr lang="fr-FR" sz="2300" dirty="0" smtClean="0"/>
-                  <a:t>Surveille l’état du service et le relance au besoin</a:t>
-                </a:r>
-                <a:endParaRPr lang="fr-FR" sz="2300" kern="1200" dirty="0"/>
-              </a:p>
-            </p:txBody>
-          </p:sp>
-        </p:grpSp>
-        <p:grpSp>
-          <p:nvGrpSpPr>
-            <p:cNvPr id="7" name="Groupe 6"/>
-            <p:cNvGrpSpPr/>
-            <p:nvPr/>
-          </p:nvGrpSpPr>
-          <p:grpSpPr>
-            <a:xfrm>
-              <a:off x="1150393" y="4056427"/>
-              <a:ext cx="2088298" cy="830447"/>
-              <a:chOff x="524292" y="3260463"/>
-              <a:chExt cx="2088298" cy="830447"/>
-            </a:xfrm>
-          </p:grpSpPr>
-          <p:sp>
-            <p:nvSpPr>
-              <p:cNvPr id="8" name="Rectangle à coins arrondis 7"/>
-              <p:cNvSpPr/>
-              <p:nvPr/>
-            </p:nvSpPr>
-            <p:spPr>
-              <a:xfrm>
-                <a:off x="524292" y="3260463"/>
-                <a:ext cx="2088298" cy="830447"/>
-              </a:xfrm>
-              <a:prstGeom prst="roundRect">
-                <a:avLst>
-                  <a:gd name="adj" fmla="val 10000"/>
-                </a:avLst>
-              </a:prstGeom>
-            </p:spPr>
-            <p:style>
-              <a:lnRef idx="2">
-                <a:schemeClr val="lt1">
-                  <a:hueOff val="0"/>
-                  <a:satOff val="0"/>
-                  <a:lumOff val="0"/>
-                  <a:alphaOff val="0"/>
-                </a:schemeClr>
-              </a:lnRef>
-              <a:fillRef idx="1">
-                <a:schemeClr val="accent1">
-                  <a:hueOff val="0"/>
-                  <a:satOff val="0"/>
-                  <a:lumOff val="0"/>
-                  <a:alphaOff val="0"/>
-                </a:schemeClr>
-              </a:fillRef>
-              <a:effectRef idx="0">
-                <a:schemeClr val="accent1">
-                  <a:hueOff val="0"/>
-                  <a:satOff val="0"/>
-                  <a:lumOff val="0"/>
-                  <a:alphaOff val="0"/>
-                </a:schemeClr>
-              </a:effectRef>
-              <a:fontRef idx="minor">
-                <a:schemeClr val="lt1"/>
-              </a:fontRef>
-            </p:style>
-          </p:sp>
-          <p:sp>
-            <p:nvSpPr>
-              <p:cNvPr id="9" name="Rectangle 8"/>
-              <p:cNvSpPr/>
-              <p:nvPr/>
-            </p:nvSpPr>
-            <p:spPr>
-              <a:xfrm>
-                <a:off x="548615" y="3284786"/>
-                <a:ext cx="2039652" cy="781801"/>
-              </a:xfrm>
-              <a:prstGeom prst="rect">
-                <a:avLst/>
-              </a:prstGeom>
-            </p:spPr>
-            <p:style>
-              <a:lnRef idx="0">
-                <a:scrgbClr r="0" g="0" b="0"/>
-              </a:lnRef>
-              <a:fillRef idx="0">
-                <a:scrgbClr r="0" g="0" b="0"/>
-              </a:fillRef>
-              <a:effectRef idx="0">
-                <a:scrgbClr r="0" g="0" b="0"/>
-              </a:effectRef>
-              <a:fontRef idx="minor">
-                <a:schemeClr val="lt1"/>
-              </a:fontRef>
-            </p:style>
-            <p:txBody>
-              <a:bodyPr spcFirstLastPara="0" vert="horz" wrap="square" lIns="64770" tIns="43180" rIns="64770" bIns="43180" numCol="1" spcCol="1270" anchor="ctr" anchorCtr="0">
-                <a:noAutofit/>
-              </a:bodyPr>
-              <a:lstStyle/>
-              <a:p>
-                <a:pPr lvl="0" algn="ctr" defTabSz="1511300">
-                  <a:lnSpc>
-                    <a:spcPct val="90000"/>
-                  </a:lnSpc>
-                  <a:spcBef>
-                    <a:spcPct val="0"/>
-                  </a:spcBef>
-                  <a:spcAft>
-                    <a:spcPct val="35000"/>
-                  </a:spcAft>
-                </a:pPr>
-                <a:r>
-                  <a:rPr lang="fr-FR" sz="3400" kern="1200" dirty="0" err="1" smtClean="0"/>
-                  <a:t>supervisor</a:t>
-                </a:r>
-                <a:endParaRPr lang="fr-FR" sz="3400" kern="1200" dirty="0"/>
-              </a:p>
-            </p:txBody>
-          </p:sp>
-        </p:grpSp>
-      </p:grpSp>
-    </p:spTree>
-    <p:extLst>
-      <p:ext uri="{BB962C8B-B14F-4D97-AF65-F5344CB8AC3E}">
-        <p14:creationId xmlns:p14="http://schemas.microsoft.com/office/powerpoint/2010/main" val="1435723503"/>
-      </p:ext>
-    </p:extLst>
-  </p:cSld>
-  <p:clrMapOvr>
-    <a:masterClrMapping/>
-  </p:clrMapOvr>
+  <p:timing>
+    <p:tnLst>
+      <p:par>
+        <p:cTn id="1" dur="indefinite" restart="never" nodeType="tmRoot"/>
+      </p:par>
+    </p:tnLst>
+  </p:timing>
 </p:sld>
 </file>
 
